--- a/Slides/Lesson 26 - Inheritance .pptx
+++ b/Slides/Lesson 26 - Inheritance .pptx
@@ -1,35 +1,36 @@
 
 <file path=ppt/presentation.xml><?xml version="1.0" encoding="utf-8"?>
-<p:presentation xmlns:a="http://schemas.openxmlformats.org/drawingml/2006/main" xmlns:r="http://schemas.openxmlformats.org/officeDocument/2006/relationships" xmlns:mc="http://schemas.openxmlformats.org/markup-compatibility/2006" xmlns:mv="urn:schemas-microsoft-com:mac:vml" xmlns:p="http://schemas.openxmlformats.org/presentationml/2006/main" xmlns:c="http://schemas.openxmlformats.org/drawingml/2006/chart" xmlns:dgm="http://schemas.openxmlformats.org/drawingml/2006/diagram" xmlns:o="urn:schemas-microsoft-com:office:office" xmlns:v="urn:schemas-microsoft-com:vml" xmlns:pvml="urn:schemas-microsoft-com:office:powerpoint" xmlns:com="http://schemas.openxmlformats.org/drawingml/2006/compatibility" xmlns:p14="http://schemas.microsoft.com/office/powerpoint/2010/main" xmlns:p15="http://schemas.microsoft.com/office/powerpoint/2012/main" xmlns:ahyp="http://schemas.microsoft.com/office/drawing/2018/hyperlinkcolor" autoCompressPictures="0" strictFirstAndLastChars="0" saveSubsetFonts="1">
+<p:presentation xmlns:a="http://schemas.openxmlformats.org/drawingml/2006/main" xmlns:r="http://schemas.openxmlformats.org/officeDocument/2006/relationships" xmlns:p="http://schemas.openxmlformats.org/presentationml/2006/main" strictFirstAndLastChars="0" saveSubsetFonts="1" autoCompressPictures="0">
   <p:sldMasterIdLst>
-    <p:sldMasterId id="2147483659" r:id="rId4"/>
+    <p:sldMasterId id="2147483659" r:id="rId1"/>
   </p:sldMasterIdLst>
   <p:notesMasterIdLst>
-    <p:notesMasterId r:id="rId5"/>
+    <p:notesMasterId r:id="rId20"/>
   </p:notesMasterIdLst>
   <p:sldIdLst>
-    <p:sldId id="256" r:id="rId6"/>
-    <p:sldId id="257" r:id="rId7"/>
-    <p:sldId id="258" r:id="rId8"/>
-    <p:sldId id="259" r:id="rId9"/>
-    <p:sldId id="260" r:id="rId10"/>
-    <p:sldId id="261" r:id="rId11"/>
-    <p:sldId id="262" r:id="rId12"/>
-    <p:sldId id="263" r:id="rId13"/>
-    <p:sldId id="264" r:id="rId14"/>
-    <p:sldId id="265" r:id="rId15"/>
-    <p:sldId id="266" r:id="rId16"/>
-    <p:sldId id="267" r:id="rId17"/>
-    <p:sldId id="268" r:id="rId18"/>
-    <p:sldId id="269" r:id="rId19"/>
-    <p:sldId id="270" r:id="rId20"/>
-    <p:sldId id="271" r:id="rId21"/>
-    <p:sldId id="272" r:id="rId22"/>
+    <p:sldId id="256" r:id="rId2"/>
+    <p:sldId id="257" r:id="rId3"/>
+    <p:sldId id="258" r:id="rId4"/>
+    <p:sldId id="259" r:id="rId5"/>
+    <p:sldId id="260" r:id="rId6"/>
+    <p:sldId id="261" r:id="rId7"/>
+    <p:sldId id="262" r:id="rId8"/>
+    <p:sldId id="263" r:id="rId9"/>
+    <p:sldId id="264" r:id="rId10"/>
+    <p:sldId id="265" r:id="rId11"/>
+    <p:sldId id="266" r:id="rId12"/>
+    <p:sldId id="267" r:id="rId13"/>
+    <p:sldId id="268" r:id="rId14"/>
+    <p:sldId id="269" r:id="rId15"/>
+    <p:sldId id="270" r:id="rId16"/>
+    <p:sldId id="271" r:id="rId17"/>
+    <p:sldId id="272" r:id="rId18"/>
+    <p:sldId id="273" r:id="rId19"/>
   </p:sldIdLst>
-  <p:sldSz cy="5143500" cx="9144000"/>
+  <p:sldSz cx="9144000" cy="5143500" type="screen16x9"/>
   <p:notesSz cx="6858000" cy="9144000"/>
   <p:defaultTextStyle>
-    <a:defPPr lvl="0" marR="0" rtl="0" algn="l">
+    <a:defPPr marR="0" lvl="0" algn="l" rtl="0">
       <a:lnSpc>
         <a:spcPct val="100000"/>
       </a:lnSpc>
@@ -40,7 +41,7 @@
         <a:spcPts val="0"/>
       </a:spcAft>
     </a:defPPr>
-    <a:lvl1pPr lvl="0" marR="0" rtl="0" algn="l">
+    <a:lvl1pPr marR="0" lvl="0" algn="l" rtl="0">
       <a:lnSpc>
         <a:spcPct val="100000"/>
       </a:lnSpc>
@@ -54,7 +55,7 @@
         <a:srgbClr val="000000"/>
       </a:buClr>
       <a:buFont typeface="Arial"/>
-      <a:defRPr b="0" i="0" sz="1400" u="none" cap="none" strike="noStrike">
+      <a:defRPr sz="1400" b="0" i="0" u="none" strike="noStrike" cap="none">
         <a:solidFill>
           <a:srgbClr val="000000"/>
         </a:solidFill>
@@ -64,7 +65,7 @@
         <a:sym typeface="Arial"/>
       </a:defRPr>
     </a:lvl1pPr>
-    <a:lvl2pPr lvl="1" marR="0" rtl="0" algn="l">
+    <a:lvl2pPr marR="0" lvl="1" algn="l" rtl="0">
       <a:lnSpc>
         <a:spcPct val="100000"/>
       </a:lnSpc>
@@ -78,7 +79,7 @@
         <a:srgbClr val="000000"/>
       </a:buClr>
       <a:buFont typeface="Arial"/>
-      <a:defRPr b="0" i="0" sz="1400" u="none" cap="none" strike="noStrike">
+      <a:defRPr sz="1400" b="0" i="0" u="none" strike="noStrike" cap="none">
         <a:solidFill>
           <a:srgbClr val="000000"/>
         </a:solidFill>
@@ -88,7 +89,7 @@
         <a:sym typeface="Arial"/>
       </a:defRPr>
     </a:lvl2pPr>
-    <a:lvl3pPr lvl="2" marR="0" rtl="0" algn="l">
+    <a:lvl3pPr marR="0" lvl="2" algn="l" rtl="0">
       <a:lnSpc>
         <a:spcPct val="100000"/>
       </a:lnSpc>
@@ -102,7 +103,7 @@
         <a:srgbClr val="000000"/>
       </a:buClr>
       <a:buFont typeface="Arial"/>
-      <a:defRPr b="0" i="0" sz="1400" u="none" cap="none" strike="noStrike">
+      <a:defRPr sz="1400" b="0" i="0" u="none" strike="noStrike" cap="none">
         <a:solidFill>
           <a:srgbClr val="000000"/>
         </a:solidFill>
@@ -112,7 +113,7 @@
         <a:sym typeface="Arial"/>
       </a:defRPr>
     </a:lvl3pPr>
-    <a:lvl4pPr lvl="3" marR="0" rtl="0" algn="l">
+    <a:lvl4pPr marR="0" lvl="3" algn="l" rtl="0">
       <a:lnSpc>
         <a:spcPct val="100000"/>
       </a:lnSpc>
@@ -126,7 +127,7 @@
         <a:srgbClr val="000000"/>
       </a:buClr>
       <a:buFont typeface="Arial"/>
-      <a:defRPr b="0" i="0" sz="1400" u="none" cap="none" strike="noStrike">
+      <a:defRPr sz="1400" b="0" i="0" u="none" strike="noStrike" cap="none">
         <a:solidFill>
           <a:srgbClr val="000000"/>
         </a:solidFill>
@@ -136,7 +137,7 @@
         <a:sym typeface="Arial"/>
       </a:defRPr>
     </a:lvl4pPr>
-    <a:lvl5pPr lvl="4" marR="0" rtl="0" algn="l">
+    <a:lvl5pPr marR="0" lvl="4" algn="l" rtl="0">
       <a:lnSpc>
         <a:spcPct val="100000"/>
       </a:lnSpc>
@@ -150,7 +151,7 @@
         <a:srgbClr val="000000"/>
       </a:buClr>
       <a:buFont typeface="Arial"/>
-      <a:defRPr b="0" i="0" sz="1400" u="none" cap="none" strike="noStrike">
+      <a:defRPr sz="1400" b="0" i="0" u="none" strike="noStrike" cap="none">
         <a:solidFill>
           <a:srgbClr val="000000"/>
         </a:solidFill>
@@ -160,7 +161,7 @@
         <a:sym typeface="Arial"/>
       </a:defRPr>
     </a:lvl5pPr>
-    <a:lvl6pPr lvl="5" marR="0" rtl="0" algn="l">
+    <a:lvl6pPr marR="0" lvl="5" algn="l" rtl="0">
       <a:lnSpc>
         <a:spcPct val="100000"/>
       </a:lnSpc>
@@ -174,7 +175,7 @@
         <a:srgbClr val="000000"/>
       </a:buClr>
       <a:buFont typeface="Arial"/>
-      <a:defRPr b="0" i="0" sz="1400" u="none" cap="none" strike="noStrike">
+      <a:defRPr sz="1400" b="0" i="0" u="none" strike="noStrike" cap="none">
         <a:solidFill>
           <a:srgbClr val="000000"/>
         </a:solidFill>
@@ -184,7 +185,7 @@
         <a:sym typeface="Arial"/>
       </a:defRPr>
     </a:lvl6pPr>
-    <a:lvl7pPr lvl="6" marR="0" rtl="0" algn="l">
+    <a:lvl7pPr marR="0" lvl="6" algn="l" rtl="0">
       <a:lnSpc>
         <a:spcPct val="100000"/>
       </a:lnSpc>
@@ -198,7 +199,7 @@
         <a:srgbClr val="000000"/>
       </a:buClr>
       <a:buFont typeface="Arial"/>
-      <a:defRPr b="0" i="0" sz="1400" u="none" cap="none" strike="noStrike">
+      <a:defRPr sz="1400" b="0" i="0" u="none" strike="noStrike" cap="none">
         <a:solidFill>
           <a:srgbClr val="000000"/>
         </a:solidFill>
@@ -208,7 +209,7 @@
         <a:sym typeface="Arial"/>
       </a:defRPr>
     </a:lvl7pPr>
-    <a:lvl8pPr lvl="7" marR="0" rtl="0" algn="l">
+    <a:lvl8pPr marR="0" lvl="7" algn="l" rtl="0">
       <a:lnSpc>
         <a:spcPct val="100000"/>
       </a:lnSpc>
@@ -222,7 +223,7 @@
         <a:srgbClr val="000000"/>
       </a:buClr>
       <a:buFont typeface="Arial"/>
-      <a:defRPr b="0" i="0" sz="1400" u="none" cap="none" strike="noStrike">
+      <a:defRPr sz="1400" b="0" i="0" u="none" strike="noStrike" cap="none">
         <a:solidFill>
           <a:srgbClr val="000000"/>
         </a:solidFill>
@@ -232,7 +233,7 @@
         <a:sym typeface="Arial"/>
       </a:defRPr>
     </a:lvl8pPr>
-    <a:lvl9pPr lvl="8" marR="0" rtl="0" algn="l">
+    <a:lvl9pPr marR="0" lvl="8" algn="l" rtl="0">
       <a:lnSpc>
         <a:spcPct val="100000"/>
       </a:lnSpc>
@@ -246,7 +247,7 @@
         <a:srgbClr val="000000"/>
       </a:buClr>
       <a:buFont typeface="Arial"/>
-      <a:defRPr b="0" i="0" sz="1400" u="none" cap="none" strike="noStrike">
+      <a:defRPr sz="1400" b="0" i="0" u="none" strike="noStrike" cap="none">
         <a:solidFill>
           <a:srgbClr val="000000"/>
         </a:solidFill>
@@ -259,7 +260,7 @@
   </p:defaultTextStyle>
   <p:extLst>
     <p:ext uri="{EFAFB233-063F-42B5-8137-9DF3F51BA10A}">
-      <p15:sldGuideLst>
+      <p15:sldGuideLst xmlns:p15="http://schemas.microsoft.com/office/powerpoint/2012/main">
         <p15:guide id="1" orient="horz" pos="1620">
           <p15:clr>
             <a:srgbClr val="747775"/>
@@ -276,12 +277,69 @@
 </p:presentation>
 </file>
 
+<file path=ppt/changesInfos/changesInfo1.xml><?xml version="1.0" encoding="utf-8"?>
+<pc:chgInfo xmlns:a="http://schemas.openxmlformats.org/drawingml/2006/main" xmlns:r="http://schemas.openxmlformats.org/officeDocument/2006/relationships" xmlns:ac="http://schemas.microsoft.com/office/drawing/2013/main/command" xmlns:pc="http://schemas.microsoft.com/office/powerpoint/2013/main/command">
+  <pc:docChgLst>
+    <pc:chgData name="1.0 Programming" userId="d9944a5f9a1f43e9" providerId="LiveId" clId="{D0B60A7B-E903-4DE3-AED3-77EFD1F68258}"/>
+    <pc:docChg chg="custSel addSld modSld">
+      <pc:chgData name="1.0 Programming" userId="d9944a5f9a1f43e9" providerId="LiveId" clId="{D0B60A7B-E903-4DE3-AED3-77EFD1F68258}" dt="2025-03-10T10:36:56.150" v="32" actId="1076"/>
+      <pc:docMkLst>
+        <pc:docMk/>
+      </pc:docMkLst>
+      <pc:sldChg chg="modSp">
+        <pc:chgData name="1.0 Programming" userId="d9944a5f9a1f43e9" providerId="LiveId" clId="{D0B60A7B-E903-4DE3-AED3-77EFD1F68258}" dt="2025-03-10T10:14:37.405" v="0" actId="1076"/>
+        <pc:sldMkLst>
+          <pc:docMk/>
+          <pc:sldMk cId="0" sldId="264"/>
+        </pc:sldMkLst>
+        <pc:picChg chg="mod">
+          <ac:chgData name="1.0 Programming" userId="d9944a5f9a1f43e9" providerId="LiveId" clId="{D0B60A7B-E903-4DE3-AED3-77EFD1F68258}" dt="2025-03-10T10:14:37.405" v="0" actId="1076"/>
+          <ac:picMkLst>
+            <pc:docMk/>
+            <pc:sldMk cId="0" sldId="264"/>
+            <ac:picMk id="107" creationId="{00000000-0000-0000-0000-000000000000}"/>
+          </ac:picMkLst>
+        </pc:picChg>
+      </pc:sldChg>
+      <pc:sldChg chg="modSp new add">
+        <pc:chgData name="1.0 Programming" userId="d9944a5f9a1f43e9" providerId="LiveId" clId="{D0B60A7B-E903-4DE3-AED3-77EFD1F68258}" dt="2025-03-10T10:36:56.150" v="32" actId="1076"/>
+        <pc:sldMkLst>
+          <pc:docMk/>
+          <pc:sldMk cId="231038530" sldId="273"/>
+        </pc:sldMkLst>
+        <pc:spChg chg="mod">
+          <ac:chgData name="1.0 Programming" userId="d9944a5f9a1f43e9" providerId="LiveId" clId="{D0B60A7B-E903-4DE3-AED3-77EFD1F68258}" dt="2025-03-10T10:36:56.150" v="32" actId="1076"/>
+          <ac:spMkLst>
+            <pc:docMk/>
+            <pc:sldMk cId="231038530" sldId="273"/>
+            <ac:spMk id="2" creationId="{F4B664F2-8A3B-4051-84E6-3B14E2DA5073}"/>
+          </ac:spMkLst>
+        </pc:spChg>
+        <pc:spChg chg="mod">
+          <ac:chgData name="1.0 Programming" userId="d9944a5f9a1f43e9" providerId="LiveId" clId="{D0B60A7B-E903-4DE3-AED3-77EFD1F68258}" dt="2025-03-10T10:36:53.470" v="31" actId="14100"/>
+          <ac:spMkLst>
+            <pc:docMk/>
+            <pc:sldMk cId="231038530" sldId="273"/>
+            <ac:spMk id="3" creationId="{B63E6563-C609-42CF-ADD4-9926791F8909}"/>
+          </ac:spMkLst>
+        </pc:spChg>
+      </pc:sldChg>
+    </pc:docChg>
+  </pc:docChgLst>
+</pc:chgInfo>
+</file>
+
 <file path=ppt/notesMasters/notesMaster1.xml><?xml version="1.0" encoding="utf-8"?>
-<p:notesMaster xmlns:a="http://schemas.openxmlformats.org/drawingml/2006/main" xmlns:r="http://schemas.openxmlformats.org/officeDocument/2006/relationships" xmlns:mc="http://schemas.openxmlformats.org/markup-compatibility/2006" xmlns:mv="urn:schemas-microsoft-com:mac:vml" xmlns:p="http://schemas.openxmlformats.org/presentationml/2006/main" xmlns:c="http://schemas.openxmlformats.org/drawingml/2006/chart" xmlns:dgm="http://schemas.openxmlformats.org/drawingml/2006/diagram" xmlns:o="urn:schemas-microsoft-com:office:office" xmlns:v="urn:schemas-microsoft-com:vml" xmlns:pvml="urn:schemas-microsoft-com:office:powerpoint" xmlns:com="http://schemas.openxmlformats.org/drawingml/2006/compatibility" xmlns:p14="http://schemas.microsoft.com/office/powerpoint/2010/main" xmlns:p15="http://schemas.microsoft.com/office/powerpoint/2012/main" xmlns:ahyp="http://schemas.microsoft.com/office/drawing/2018/hyperlinkcolor">
+<p:notesMaster xmlns:a="http://schemas.openxmlformats.org/drawingml/2006/main" xmlns:r="http://schemas.openxmlformats.org/officeDocument/2006/relationships" xmlns:p="http://schemas.openxmlformats.org/presentationml/2006/main">
   <p:cSld>
+    <p:bg>
+      <p:bgRef idx="1001">
+        <a:schemeClr val="bg1"/>
+      </p:bgRef>
+    </p:bg>
     <p:spTree>
       <p:nvGrpSpPr>
-        <p:cNvPr id="2" name="Shape 2"/>
+        <p:cNvPr id="1" name="Shape 2"/>
         <p:cNvGrpSpPr/>
         <p:nvPr/>
       </p:nvGrpSpPr>
@@ -296,9 +354,11 @@
       <p:sp>
         <p:nvSpPr>
           <p:cNvPr id="3" name="Google Shape;3;n"/>
-          <p:cNvSpPr/>
+          <p:cNvSpPr>
+            <a:spLocks noGrp="1" noRot="1" noChangeAspect="1"/>
+          </p:cNvSpPr>
           <p:nvPr>
-            <p:ph idx="2" type="sldImg"/>
+            <p:ph type="sldImg" idx="2"/>
           </p:nvPr>
         </p:nvSpPr>
         <p:spPr>
@@ -307,9 +367,13 @@
             <a:ext cx="6096075" cy="3429000"/>
           </a:xfrm>
           <a:custGeom>
-            <a:rect b="b" l="l" r="r" t="t"/>
+            <a:avLst/>
+            <a:gdLst/>
+            <a:ahLst/>
+            <a:cxnLst/>
+            <a:rect l="l" t="t" r="r" b="b"/>
             <a:pathLst>
-              <a:path extrusionOk="0" h="120000" w="120000">
+              <a:path w="120000" h="120000" extrusionOk="0">
                 <a:moveTo>
                   <a:pt x="0" y="0"/>
                 </a:moveTo>
@@ -327,23 +391,25 @@
             </a:pathLst>
           </a:custGeom>
           <a:noFill/>
-          <a:ln cap="flat" cmpd="sng" w="9525">
+          <a:ln w="9525" cap="flat" cmpd="sng">
             <a:solidFill>
               <a:srgbClr val="000000"/>
             </a:solidFill>
             <a:prstDash val="solid"/>
             <a:round/>
-            <a:headEnd len="sm" w="sm" type="none"/>
-            <a:tailEnd len="sm" w="sm" type="none"/>
+            <a:headEnd type="none" w="sm" len="sm"/>
+            <a:tailEnd type="none" w="sm" len="sm"/>
           </a:ln>
         </p:spPr>
       </p:sp>
       <p:sp>
         <p:nvSpPr>
           <p:cNvPr id="4" name="Google Shape;4;n"/>
-          <p:cNvSpPr txBox="1"/>
+          <p:cNvSpPr txBox="1">
+            <a:spLocks noGrp="1"/>
+          </p:cNvSpPr>
           <p:nvPr>
-            <p:ph idx="1" type="body"/>
+            <p:ph type="body" idx="1"/>
           </p:nvPr>
         </p:nvSpPr>
         <p:spPr>
@@ -360,11 +426,11 @@
           </a:ln>
         </p:spPr>
         <p:txBody>
-          <a:bodyPr anchorCtr="0" anchor="t" bIns="91425" lIns="91425" spcFirstLastPara="1" rIns="91425" wrap="square" tIns="91425">
+          <a:bodyPr spcFirstLastPara="1" wrap="square" lIns="91425" tIns="91425" rIns="91425" bIns="91425" anchor="t" anchorCtr="0">
             <a:noAutofit/>
           </a:bodyPr>
           <a:lstStyle>
-            <a:lvl1pPr indent="-298450" lvl="0" marL="457200">
+            <a:lvl1pPr marL="457200" lvl="0" indent="-298450">
               <a:spcBef>
                 <a:spcPts val="0"/>
               </a:spcBef>
@@ -375,7 +441,7 @@
               <a:buChar char="●"/>
               <a:defRPr sz="1100"/>
             </a:lvl1pPr>
-            <a:lvl2pPr indent="-298450" lvl="1" marL="914400">
+            <a:lvl2pPr marL="914400" lvl="1" indent="-298450">
               <a:spcBef>
                 <a:spcPts val="0"/>
               </a:spcBef>
@@ -386,7 +452,7 @@
               <a:buChar char="○"/>
               <a:defRPr sz="1100"/>
             </a:lvl2pPr>
-            <a:lvl3pPr indent="-298450" lvl="2" marL="1371600">
+            <a:lvl3pPr marL="1371600" lvl="2" indent="-298450">
               <a:spcBef>
                 <a:spcPts val="0"/>
               </a:spcBef>
@@ -397,7 +463,7 @@
               <a:buChar char="■"/>
               <a:defRPr sz="1100"/>
             </a:lvl3pPr>
-            <a:lvl4pPr indent="-298450" lvl="3" marL="1828800">
+            <a:lvl4pPr marL="1828800" lvl="3" indent="-298450">
               <a:spcBef>
                 <a:spcPts val="0"/>
               </a:spcBef>
@@ -408,7 +474,7 @@
               <a:buChar char="●"/>
               <a:defRPr sz="1100"/>
             </a:lvl4pPr>
-            <a:lvl5pPr indent="-298450" lvl="4" marL="2286000">
+            <a:lvl5pPr marL="2286000" lvl="4" indent="-298450">
               <a:spcBef>
                 <a:spcPts val="0"/>
               </a:spcBef>
@@ -419,7 +485,7 @@
               <a:buChar char="○"/>
               <a:defRPr sz="1100"/>
             </a:lvl5pPr>
-            <a:lvl6pPr indent="-298450" lvl="5" marL="2743200">
+            <a:lvl6pPr marL="2743200" lvl="5" indent="-298450">
               <a:spcBef>
                 <a:spcPts val="0"/>
               </a:spcBef>
@@ -430,7 +496,7 @@
               <a:buChar char="■"/>
               <a:defRPr sz="1100"/>
             </a:lvl6pPr>
-            <a:lvl7pPr indent="-298450" lvl="6" marL="3200400">
+            <a:lvl7pPr marL="3200400" lvl="6" indent="-298450">
               <a:spcBef>
                 <a:spcPts val="0"/>
               </a:spcBef>
@@ -441,7 +507,7 @@
               <a:buChar char="●"/>
               <a:defRPr sz="1100"/>
             </a:lvl7pPr>
-            <a:lvl8pPr indent="-298450" lvl="7" marL="3657600">
+            <a:lvl8pPr marL="3657600" lvl="7" indent="-298450">
               <a:spcBef>
                 <a:spcPts val="0"/>
               </a:spcBef>
@@ -452,7 +518,7 @@
               <a:buChar char="○"/>
               <a:defRPr sz="1100"/>
             </a:lvl8pPr>
-            <a:lvl9pPr indent="-298450" lvl="8" marL="4114800">
+            <a:lvl9pPr marL="4114800" lvl="8" indent="-298450">
               <a:spcBef>
                 <a:spcPts val="0"/>
               </a:spcBef>
@@ -464,14 +530,16 @@
               <a:defRPr sz="1100"/>
             </a:lvl9pPr>
           </a:lstStyle>
-          <a:p/>
+          <a:p>
+            <a:endParaRPr/>
+          </a:p>
         </p:txBody>
       </p:sp>
     </p:spTree>
   </p:cSld>
-  <p:clrMap accent1="accent1" accent2="accent2" accent3="accent3" accent4="accent4" accent5="accent5" accent6="accent6" bg1="lt1" bg2="dk2" tx1="dk1" tx2="lt2" folHlink="folHlink" hlink="hlink"/>
+  <p:clrMap bg1="lt1" tx1="dk1" bg2="dk2" tx2="lt2" accent1="accent1" accent2="accent2" accent3="accent3" accent4="accent4" accent5="accent5" accent6="accent6" hlink="hlink" folHlink="folHlink"/>
   <p:notesStyle>
-    <a:defPPr lvl="0" marR="0" rtl="0" algn="l">
+    <a:defPPr marR="0" lvl="0" algn="l" rtl="0">
       <a:lnSpc>
         <a:spcPct val="100000"/>
       </a:lnSpc>
@@ -482,7 +550,7 @@
         <a:spcPts val="0"/>
       </a:spcAft>
     </a:defPPr>
-    <a:lvl1pPr lvl="0" marR="0" rtl="0" algn="l">
+    <a:lvl1pPr marR="0" lvl="0" algn="l" rtl="0">
       <a:lnSpc>
         <a:spcPct val="100000"/>
       </a:lnSpc>
@@ -496,7 +564,7 @@
         <a:srgbClr val="000000"/>
       </a:buClr>
       <a:buFont typeface="Arial"/>
-      <a:defRPr b="0" i="0" sz="1400" u="none" cap="none" strike="noStrike">
+      <a:defRPr sz="1400" b="0" i="0" u="none" strike="noStrike" cap="none">
         <a:solidFill>
           <a:srgbClr val="000000"/>
         </a:solidFill>
@@ -506,7 +574,7 @@
         <a:sym typeface="Arial"/>
       </a:defRPr>
     </a:lvl1pPr>
-    <a:lvl2pPr lvl="1" marR="0" rtl="0" algn="l">
+    <a:lvl2pPr marR="0" lvl="1" algn="l" rtl="0">
       <a:lnSpc>
         <a:spcPct val="100000"/>
       </a:lnSpc>
@@ -520,7 +588,7 @@
         <a:srgbClr val="000000"/>
       </a:buClr>
       <a:buFont typeface="Arial"/>
-      <a:defRPr b="0" i="0" sz="1400" u="none" cap="none" strike="noStrike">
+      <a:defRPr sz="1400" b="0" i="0" u="none" strike="noStrike" cap="none">
         <a:solidFill>
           <a:srgbClr val="000000"/>
         </a:solidFill>
@@ -530,7 +598,7 @@
         <a:sym typeface="Arial"/>
       </a:defRPr>
     </a:lvl2pPr>
-    <a:lvl3pPr lvl="2" marR="0" rtl="0" algn="l">
+    <a:lvl3pPr marR="0" lvl="2" algn="l" rtl="0">
       <a:lnSpc>
         <a:spcPct val="100000"/>
       </a:lnSpc>
@@ -544,7 +612,7 @@
         <a:srgbClr val="000000"/>
       </a:buClr>
       <a:buFont typeface="Arial"/>
-      <a:defRPr b="0" i="0" sz="1400" u="none" cap="none" strike="noStrike">
+      <a:defRPr sz="1400" b="0" i="0" u="none" strike="noStrike" cap="none">
         <a:solidFill>
           <a:srgbClr val="000000"/>
         </a:solidFill>
@@ -554,7 +622,7 @@
         <a:sym typeface="Arial"/>
       </a:defRPr>
     </a:lvl3pPr>
-    <a:lvl4pPr lvl="3" marR="0" rtl="0" algn="l">
+    <a:lvl4pPr marR="0" lvl="3" algn="l" rtl="0">
       <a:lnSpc>
         <a:spcPct val="100000"/>
       </a:lnSpc>
@@ -568,7 +636,7 @@
         <a:srgbClr val="000000"/>
       </a:buClr>
       <a:buFont typeface="Arial"/>
-      <a:defRPr b="0" i="0" sz="1400" u="none" cap="none" strike="noStrike">
+      <a:defRPr sz="1400" b="0" i="0" u="none" strike="noStrike" cap="none">
         <a:solidFill>
           <a:srgbClr val="000000"/>
         </a:solidFill>
@@ -578,7 +646,7 @@
         <a:sym typeface="Arial"/>
       </a:defRPr>
     </a:lvl4pPr>
-    <a:lvl5pPr lvl="4" marR="0" rtl="0" algn="l">
+    <a:lvl5pPr marR="0" lvl="4" algn="l" rtl="0">
       <a:lnSpc>
         <a:spcPct val="100000"/>
       </a:lnSpc>
@@ -592,7 +660,7 @@
         <a:srgbClr val="000000"/>
       </a:buClr>
       <a:buFont typeface="Arial"/>
-      <a:defRPr b="0" i="0" sz="1400" u="none" cap="none" strike="noStrike">
+      <a:defRPr sz="1400" b="0" i="0" u="none" strike="noStrike" cap="none">
         <a:solidFill>
           <a:srgbClr val="000000"/>
         </a:solidFill>
@@ -602,7 +670,7 @@
         <a:sym typeface="Arial"/>
       </a:defRPr>
     </a:lvl5pPr>
-    <a:lvl6pPr lvl="5" marR="0" rtl="0" algn="l">
+    <a:lvl6pPr marR="0" lvl="5" algn="l" rtl="0">
       <a:lnSpc>
         <a:spcPct val="100000"/>
       </a:lnSpc>
@@ -616,7 +684,7 @@
         <a:srgbClr val="000000"/>
       </a:buClr>
       <a:buFont typeface="Arial"/>
-      <a:defRPr b="0" i="0" sz="1400" u="none" cap="none" strike="noStrike">
+      <a:defRPr sz="1400" b="0" i="0" u="none" strike="noStrike" cap="none">
         <a:solidFill>
           <a:srgbClr val="000000"/>
         </a:solidFill>
@@ -626,7 +694,7 @@
         <a:sym typeface="Arial"/>
       </a:defRPr>
     </a:lvl6pPr>
-    <a:lvl7pPr lvl="6" marR="0" rtl="0" algn="l">
+    <a:lvl7pPr marR="0" lvl="6" algn="l" rtl="0">
       <a:lnSpc>
         <a:spcPct val="100000"/>
       </a:lnSpc>
@@ -640,7 +708,7 @@
         <a:srgbClr val="000000"/>
       </a:buClr>
       <a:buFont typeface="Arial"/>
-      <a:defRPr b="0" i="0" sz="1400" u="none" cap="none" strike="noStrike">
+      <a:defRPr sz="1400" b="0" i="0" u="none" strike="noStrike" cap="none">
         <a:solidFill>
           <a:srgbClr val="000000"/>
         </a:solidFill>
@@ -650,7 +718,7 @@
         <a:sym typeface="Arial"/>
       </a:defRPr>
     </a:lvl7pPr>
-    <a:lvl8pPr lvl="7" marR="0" rtl="0" algn="l">
+    <a:lvl8pPr marR="0" lvl="7" algn="l" rtl="0">
       <a:lnSpc>
         <a:spcPct val="100000"/>
       </a:lnSpc>
@@ -664,7 +732,7 @@
         <a:srgbClr val="000000"/>
       </a:buClr>
       <a:buFont typeface="Arial"/>
-      <a:defRPr b="0" i="0" sz="1400" u="none" cap="none" strike="noStrike">
+      <a:defRPr sz="1400" b="0" i="0" u="none" strike="noStrike" cap="none">
         <a:solidFill>
           <a:srgbClr val="000000"/>
         </a:solidFill>
@@ -674,7 +742,7 @@
         <a:sym typeface="Arial"/>
       </a:defRPr>
     </a:lvl8pPr>
-    <a:lvl9pPr lvl="8" marR="0" rtl="0" algn="l">
+    <a:lvl9pPr marR="0" lvl="8" algn="l" rtl="0">
       <a:lnSpc>
         <a:spcPct val="100000"/>
       </a:lnSpc>
@@ -688,7 +756,7 @@
         <a:srgbClr val="000000"/>
       </a:buClr>
       <a:buFont typeface="Arial"/>
-      <a:defRPr b="0" i="0" sz="1400" u="none" cap="none" strike="noStrike">
+      <a:defRPr sz="1400" b="0" i="0" u="none" strike="noStrike" cap="none">
         <a:solidFill>
           <a:srgbClr val="000000"/>
         </a:solidFill>
@@ -703,11 +771,11 @@
 </file>
 
 <file path=ppt/notesSlides/notesSlide1.xml><?xml version="1.0" encoding="utf-8"?>
-<p:notes xmlns:a="http://schemas.openxmlformats.org/drawingml/2006/main" xmlns:r="http://schemas.openxmlformats.org/officeDocument/2006/relationships" xmlns:mc="http://schemas.openxmlformats.org/markup-compatibility/2006" xmlns:mv="urn:schemas-microsoft-com:mac:vml" xmlns:p="http://schemas.openxmlformats.org/presentationml/2006/main" xmlns:c="http://schemas.openxmlformats.org/drawingml/2006/chart" xmlns:dgm="http://schemas.openxmlformats.org/drawingml/2006/diagram" xmlns:o="urn:schemas-microsoft-com:office:office" xmlns:v="urn:schemas-microsoft-com:vml" xmlns:pvml="urn:schemas-microsoft-com:office:powerpoint" xmlns:com="http://schemas.openxmlformats.org/drawingml/2006/compatibility" xmlns:p14="http://schemas.microsoft.com/office/powerpoint/2010/main" xmlns:p15="http://schemas.microsoft.com/office/powerpoint/2012/main" xmlns:ahyp="http://schemas.microsoft.com/office/drawing/2018/hyperlinkcolor" showMasterPhAnim="0" showMasterSp="0">
+<p:notes xmlns:a="http://schemas.openxmlformats.org/drawingml/2006/main" xmlns:r="http://schemas.openxmlformats.org/officeDocument/2006/relationships" xmlns:p="http://schemas.openxmlformats.org/presentationml/2006/main" showMasterSp="0" showMasterPhAnim="0">
   <p:cSld>
     <p:spTree>
       <p:nvGrpSpPr>
-        <p:cNvPr id="50" name="Shape 50"/>
+        <p:cNvPr id="1" name="Shape 50"/>
         <p:cNvGrpSpPr/>
         <p:nvPr/>
       </p:nvGrpSpPr>
@@ -722,9 +790,11 @@
       <p:sp>
         <p:nvSpPr>
           <p:cNvPr id="51" name="Google Shape;51;p:notes"/>
-          <p:cNvSpPr/>
+          <p:cNvSpPr>
+            <a:spLocks noGrp="1" noRot="1" noChangeAspect="1"/>
+          </p:cNvSpPr>
           <p:nvPr>
-            <p:ph idx="2" type="sldImg"/>
+            <p:ph type="sldImg" idx="2"/>
           </p:nvPr>
         </p:nvSpPr>
         <p:spPr>
@@ -733,9 +803,13 @@
             <a:ext cx="6096075" cy="3429000"/>
           </a:xfrm>
           <a:custGeom>
-            <a:rect b="b" l="l" r="r" t="t"/>
+            <a:avLst/>
+            <a:gdLst/>
+            <a:ahLst/>
+            <a:cxnLst/>
+            <a:rect l="l" t="t" r="r" b="b"/>
             <a:pathLst>
-              <a:path extrusionOk="0" h="120000" w="120000">
+              <a:path w="120000" h="120000" extrusionOk="0">
                 <a:moveTo>
                   <a:pt x="0" y="0"/>
                 </a:moveTo>
@@ -757,9 +831,11 @@
       <p:sp>
         <p:nvSpPr>
           <p:cNvPr id="52" name="Google Shape;52;p:notes"/>
-          <p:cNvSpPr txBox="1"/>
+          <p:cNvSpPr txBox="1">
+            <a:spLocks noGrp="1"/>
+          </p:cNvSpPr>
           <p:nvPr>
-            <p:ph idx="1" type="body"/>
+            <p:ph type="body" idx="1"/>
           </p:nvPr>
         </p:nvSpPr>
         <p:spPr>
@@ -772,12 +848,12 @@
           </a:prstGeom>
         </p:spPr>
         <p:txBody>
-          <a:bodyPr anchorCtr="0" anchor="t" bIns="91425" lIns="91425" spcFirstLastPara="1" rIns="91425" wrap="square" tIns="91425">
+          <a:bodyPr spcFirstLastPara="1" wrap="square" lIns="91425" tIns="91425" rIns="91425" bIns="91425" anchor="t" anchorCtr="0">
             <a:noAutofit/>
           </a:bodyPr>
           <a:lstStyle/>
           <a:p>
-            <a:pPr indent="0" lvl="0" marL="0" rtl="0" algn="l">
+            <a:pPr marL="0" lvl="0" indent="0" algn="l" rtl="0">
               <a:spcBef>
                 <a:spcPts val="0"/>
               </a:spcBef>
@@ -786,9 +862,6 @@
               </a:spcAft>
               <a:buNone/>
             </a:pPr>
-            <a:r>
-              <a:t/>
-            </a:r>
             <a:endParaRPr/>
           </a:p>
         </p:txBody>
@@ -802,11 +875,11 @@
 </file>
 
 <file path=ppt/notesSlides/notesSlide10.xml><?xml version="1.0" encoding="utf-8"?>
-<p:notes xmlns:a="http://schemas.openxmlformats.org/drawingml/2006/main" xmlns:r="http://schemas.openxmlformats.org/officeDocument/2006/relationships" xmlns:mc="http://schemas.openxmlformats.org/markup-compatibility/2006" xmlns:mv="urn:schemas-microsoft-com:mac:vml" xmlns:p="http://schemas.openxmlformats.org/presentationml/2006/main" xmlns:c="http://schemas.openxmlformats.org/drawingml/2006/chart" xmlns:dgm="http://schemas.openxmlformats.org/drawingml/2006/diagram" xmlns:o="urn:schemas-microsoft-com:office:office" xmlns:v="urn:schemas-microsoft-com:vml" xmlns:pvml="urn:schemas-microsoft-com:office:powerpoint" xmlns:com="http://schemas.openxmlformats.org/drawingml/2006/compatibility" xmlns:p14="http://schemas.microsoft.com/office/powerpoint/2010/main" xmlns:p15="http://schemas.microsoft.com/office/powerpoint/2012/main" xmlns:ahyp="http://schemas.microsoft.com/office/drawing/2018/hyperlinkcolor" showMasterPhAnim="0" showMasterSp="0">
+<p:notes xmlns:a="http://schemas.openxmlformats.org/drawingml/2006/main" xmlns:r="http://schemas.openxmlformats.org/officeDocument/2006/relationships" xmlns:p="http://schemas.openxmlformats.org/presentationml/2006/main" showMasterSp="0" showMasterPhAnim="0">
   <p:cSld>
     <p:spTree>
       <p:nvGrpSpPr>
-        <p:cNvPr id="108" name="Shape 108"/>
+        <p:cNvPr id="1" name="Shape 108"/>
         <p:cNvGrpSpPr/>
         <p:nvPr/>
       </p:nvGrpSpPr>
@@ -821,9 +894,11 @@
       <p:sp>
         <p:nvSpPr>
           <p:cNvPr id="109" name="Google Shape;109;g33ea798d2bb_0_89:notes"/>
-          <p:cNvSpPr/>
+          <p:cNvSpPr>
+            <a:spLocks noGrp="1" noRot="1" noChangeAspect="1"/>
+          </p:cNvSpPr>
           <p:nvPr>
-            <p:ph idx="2" type="sldImg"/>
+            <p:ph type="sldImg" idx="2"/>
           </p:nvPr>
         </p:nvSpPr>
         <p:spPr>
@@ -832,9 +907,13 @@
             <a:ext cx="6096000" cy="3429000"/>
           </a:xfrm>
           <a:custGeom>
-            <a:rect b="b" l="l" r="r" t="t"/>
+            <a:avLst/>
+            <a:gdLst/>
+            <a:ahLst/>
+            <a:cxnLst/>
+            <a:rect l="l" t="t" r="r" b="b"/>
             <a:pathLst>
-              <a:path extrusionOk="0" h="120000" w="120000">
+              <a:path w="120000" h="120000" extrusionOk="0">
                 <a:moveTo>
                   <a:pt x="0" y="0"/>
                 </a:moveTo>
@@ -856,9 +935,11 @@
       <p:sp>
         <p:nvSpPr>
           <p:cNvPr id="110" name="Google Shape;110;g33ea798d2bb_0_89:notes"/>
-          <p:cNvSpPr txBox="1"/>
+          <p:cNvSpPr txBox="1">
+            <a:spLocks noGrp="1"/>
+          </p:cNvSpPr>
           <p:nvPr>
-            <p:ph idx="1" type="body"/>
+            <p:ph type="body" idx="1"/>
           </p:nvPr>
         </p:nvSpPr>
         <p:spPr>
@@ -871,12 +952,12 @@
           </a:prstGeom>
         </p:spPr>
         <p:txBody>
-          <a:bodyPr anchorCtr="0" anchor="t" bIns="91425" lIns="91425" spcFirstLastPara="1" rIns="91425" wrap="square" tIns="91425">
+          <a:bodyPr spcFirstLastPara="1" wrap="square" lIns="91425" tIns="91425" rIns="91425" bIns="91425" anchor="t" anchorCtr="0">
             <a:noAutofit/>
           </a:bodyPr>
           <a:lstStyle/>
           <a:p>
-            <a:pPr indent="0" lvl="0" marL="0" rtl="0" algn="l">
+            <a:pPr marL="0" lvl="0" indent="0" algn="l" rtl="0">
               <a:spcBef>
                 <a:spcPts val="0"/>
               </a:spcBef>
@@ -892,7 +973,7 @@
             <a:endParaRPr/>
           </a:p>
           <a:p>
-            <a:pPr indent="0" lvl="0" marL="0" rtl="0" algn="l">
+            <a:pPr marL="0" lvl="0" indent="0" algn="l" rtl="0">
               <a:spcBef>
                 <a:spcPts val="0"/>
               </a:spcBef>
@@ -901,13 +982,10 @@
               </a:spcAft>
               <a:buNone/>
             </a:pPr>
-            <a:r>
-              <a:t/>
-            </a:r>
             <a:endParaRPr/>
           </a:p>
           <a:p>
-            <a:pPr indent="0" lvl="0" marL="0" rtl="0" algn="l">
+            <a:pPr marL="0" lvl="0" indent="0" algn="l" rtl="0">
               <a:spcBef>
                 <a:spcPts val="0"/>
               </a:spcBef>
@@ -933,11 +1011,11 @@
 </file>
 
 <file path=ppt/notesSlides/notesSlide11.xml><?xml version="1.0" encoding="utf-8"?>
-<p:notes xmlns:a="http://schemas.openxmlformats.org/drawingml/2006/main" xmlns:r="http://schemas.openxmlformats.org/officeDocument/2006/relationships" xmlns:mc="http://schemas.openxmlformats.org/markup-compatibility/2006" xmlns:mv="urn:schemas-microsoft-com:mac:vml" xmlns:p="http://schemas.openxmlformats.org/presentationml/2006/main" xmlns:c="http://schemas.openxmlformats.org/drawingml/2006/chart" xmlns:dgm="http://schemas.openxmlformats.org/drawingml/2006/diagram" xmlns:o="urn:schemas-microsoft-com:office:office" xmlns:v="urn:schemas-microsoft-com:vml" xmlns:pvml="urn:schemas-microsoft-com:office:powerpoint" xmlns:com="http://schemas.openxmlformats.org/drawingml/2006/compatibility" xmlns:p14="http://schemas.microsoft.com/office/powerpoint/2010/main" xmlns:p15="http://schemas.microsoft.com/office/powerpoint/2012/main" xmlns:ahyp="http://schemas.microsoft.com/office/drawing/2018/hyperlinkcolor" showMasterPhAnim="0" showMasterSp="0">
+<p:notes xmlns:a="http://schemas.openxmlformats.org/drawingml/2006/main" xmlns:r="http://schemas.openxmlformats.org/officeDocument/2006/relationships" xmlns:p="http://schemas.openxmlformats.org/presentationml/2006/main" showMasterSp="0" showMasterPhAnim="0">
   <p:cSld>
     <p:spTree>
       <p:nvGrpSpPr>
-        <p:cNvPr id="116" name="Shape 116"/>
+        <p:cNvPr id="1" name="Shape 116"/>
         <p:cNvGrpSpPr/>
         <p:nvPr/>
       </p:nvGrpSpPr>
@@ -952,9 +1030,11 @@
       <p:sp>
         <p:nvSpPr>
           <p:cNvPr id="117" name="Google Shape;117;g33ea798d2bb_0_96:notes"/>
-          <p:cNvSpPr/>
+          <p:cNvSpPr>
+            <a:spLocks noGrp="1" noRot="1" noChangeAspect="1"/>
+          </p:cNvSpPr>
           <p:nvPr>
-            <p:ph idx="2" type="sldImg"/>
+            <p:ph type="sldImg" idx="2"/>
           </p:nvPr>
         </p:nvSpPr>
         <p:spPr>
@@ -963,9 +1043,13 @@
             <a:ext cx="6096000" cy="3429000"/>
           </a:xfrm>
           <a:custGeom>
-            <a:rect b="b" l="l" r="r" t="t"/>
+            <a:avLst/>
+            <a:gdLst/>
+            <a:ahLst/>
+            <a:cxnLst/>
+            <a:rect l="l" t="t" r="r" b="b"/>
             <a:pathLst>
-              <a:path extrusionOk="0" h="120000" w="120000">
+              <a:path w="120000" h="120000" extrusionOk="0">
                 <a:moveTo>
                   <a:pt x="0" y="0"/>
                 </a:moveTo>
@@ -987,9 +1071,11 @@
       <p:sp>
         <p:nvSpPr>
           <p:cNvPr id="118" name="Google Shape;118;g33ea798d2bb_0_96:notes"/>
-          <p:cNvSpPr txBox="1"/>
+          <p:cNvSpPr txBox="1">
+            <a:spLocks noGrp="1"/>
+          </p:cNvSpPr>
           <p:nvPr>
-            <p:ph idx="1" type="body"/>
+            <p:ph type="body" idx="1"/>
           </p:nvPr>
         </p:nvSpPr>
         <p:spPr>
@@ -1002,12 +1088,12 @@
           </a:prstGeom>
         </p:spPr>
         <p:txBody>
-          <a:bodyPr anchorCtr="0" anchor="t" bIns="91425" lIns="91425" spcFirstLastPara="1" rIns="91425" wrap="square" tIns="91425">
+          <a:bodyPr spcFirstLastPara="1" wrap="square" lIns="91425" tIns="91425" rIns="91425" bIns="91425" anchor="t" anchorCtr="0">
             <a:noAutofit/>
           </a:bodyPr>
           <a:lstStyle/>
           <a:p>
-            <a:pPr indent="0" lvl="0" marL="0" rtl="0" algn="l">
+            <a:pPr marL="0" lvl="0" indent="0" algn="l" rtl="0">
               <a:spcBef>
                 <a:spcPts val="0"/>
               </a:spcBef>
@@ -1033,11 +1119,11 @@
 </file>
 
 <file path=ppt/notesSlides/notesSlide12.xml><?xml version="1.0" encoding="utf-8"?>
-<p:notes xmlns:a="http://schemas.openxmlformats.org/drawingml/2006/main" xmlns:r="http://schemas.openxmlformats.org/officeDocument/2006/relationships" xmlns:mc="http://schemas.openxmlformats.org/markup-compatibility/2006" xmlns:mv="urn:schemas-microsoft-com:mac:vml" xmlns:p="http://schemas.openxmlformats.org/presentationml/2006/main" xmlns:c="http://schemas.openxmlformats.org/drawingml/2006/chart" xmlns:dgm="http://schemas.openxmlformats.org/drawingml/2006/diagram" xmlns:o="urn:schemas-microsoft-com:office:office" xmlns:v="urn:schemas-microsoft-com:vml" xmlns:pvml="urn:schemas-microsoft-com:office:powerpoint" xmlns:com="http://schemas.openxmlformats.org/drawingml/2006/compatibility" xmlns:p14="http://schemas.microsoft.com/office/powerpoint/2010/main" xmlns:p15="http://schemas.microsoft.com/office/powerpoint/2012/main" xmlns:ahyp="http://schemas.microsoft.com/office/drawing/2018/hyperlinkcolor" showMasterPhAnim="0" showMasterSp="0">
+<p:notes xmlns:a="http://schemas.openxmlformats.org/drawingml/2006/main" xmlns:r="http://schemas.openxmlformats.org/officeDocument/2006/relationships" xmlns:p="http://schemas.openxmlformats.org/presentationml/2006/main" showMasterSp="0" showMasterPhAnim="0">
   <p:cSld>
     <p:spTree>
       <p:nvGrpSpPr>
-        <p:cNvPr id="123" name="Shape 123"/>
+        <p:cNvPr id="1" name="Shape 123"/>
         <p:cNvGrpSpPr/>
         <p:nvPr/>
       </p:nvGrpSpPr>
@@ -1052,9 +1138,11 @@
       <p:sp>
         <p:nvSpPr>
           <p:cNvPr id="124" name="Google Shape;124;g33ea798d2bb_0_104:notes"/>
-          <p:cNvSpPr/>
+          <p:cNvSpPr>
+            <a:spLocks noGrp="1" noRot="1" noChangeAspect="1"/>
+          </p:cNvSpPr>
           <p:nvPr>
-            <p:ph idx="2" type="sldImg"/>
+            <p:ph type="sldImg" idx="2"/>
           </p:nvPr>
         </p:nvSpPr>
         <p:spPr>
@@ -1063,9 +1151,13 @@
             <a:ext cx="6096000" cy="3429000"/>
           </a:xfrm>
           <a:custGeom>
-            <a:rect b="b" l="l" r="r" t="t"/>
+            <a:avLst/>
+            <a:gdLst/>
+            <a:ahLst/>
+            <a:cxnLst/>
+            <a:rect l="l" t="t" r="r" b="b"/>
             <a:pathLst>
-              <a:path extrusionOk="0" h="120000" w="120000">
+              <a:path w="120000" h="120000" extrusionOk="0">
                 <a:moveTo>
                   <a:pt x="0" y="0"/>
                 </a:moveTo>
@@ -1087,9 +1179,11 @@
       <p:sp>
         <p:nvSpPr>
           <p:cNvPr id="125" name="Google Shape;125;g33ea798d2bb_0_104:notes"/>
-          <p:cNvSpPr txBox="1"/>
+          <p:cNvSpPr txBox="1">
+            <a:spLocks noGrp="1"/>
+          </p:cNvSpPr>
           <p:nvPr>
-            <p:ph idx="1" type="body"/>
+            <p:ph type="body" idx="1"/>
           </p:nvPr>
         </p:nvSpPr>
         <p:spPr>
@@ -1102,12 +1196,12 @@
           </a:prstGeom>
         </p:spPr>
         <p:txBody>
-          <a:bodyPr anchorCtr="0" anchor="t" bIns="91425" lIns="91425" spcFirstLastPara="1" rIns="91425" wrap="square" tIns="91425">
+          <a:bodyPr spcFirstLastPara="1" wrap="square" lIns="91425" tIns="91425" rIns="91425" bIns="91425" anchor="t" anchorCtr="0">
             <a:noAutofit/>
           </a:bodyPr>
           <a:lstStyle/>
           <a:p>
-            <a:pPr indent="0" lvl="0" marL="0" rtl="0" algn="l">
+            <a:pPr marL="0" lvl="0" indent="0" algn="l" rtl="0">
               <a:spcBef>
                 <a:spcPts val="0"/>
               </a:spcBef>
@@ -1116,9 +1210,6 @@
               </a:spcAft>
               <a:buNone/>
             </a:pPr>
-            <a:r>
-              <a:t/>
-            </a:r>
             <a:endParaRPr/>
           </a:p>
         </p:txBody>
@@ -1132,11 +1223,11 @@
 </file>
 
 <file path=ppt/notesSlides/notesSlide13.xml><?xml version="1.0" encoding="utf-8"?>
-<p:notes xmlns:a="http://schemas.openxmlformats.org/drawingml/2006/main" xmlns:r="http://schemas.openxmlformats.org/officeDocument/2006/relationships" xmlns:mc="http://schemas.openxmlformats.org/markup-compatibility/2006" xmlns:mv="urn:schemas-microsoft-com:mac:vml" xmlns:p="http://schemas.openxmlformats.org/presentationml/2006/main" xmlns:c="http://schemas.openxmlformats.org/drawingml/2006/chart" xmlns:dgm="http://schemas.openxmlformats.org/drawingml/2006/diagram" xmlns:o="urn:schemas-microsoft-com:office:office" xmlns:v="urn:schemas-microsoft-com:vml" xmlns:pvml="urn:schemas-microsoft-com:office:powerpoint" xmlns:com="http://schemas.openxmlformats.org/drawingml/2006/compatibility" xmlns:p14="http://schemas.microsoft.com/office/powerpoint/2010/main" xmlns:p15="http://schemas.microsoft.com/office/powerpoint/2012/main" xmlns:ahyp="http://schemas.microsoft.com/office/drawing/2018/hyperlinkcolor" showMasterPhAnim="0" showMasterSp="0">
+<p:notes xmlns:a="http://schemas.openxmlformats.org/drawingml/2006/main" xmlns:r="http://schemas.openxmlformats.org/officeDocument/2006/relationships" xmlns:p="http://schemas.openxmlformats.org/presentationml/2006/main" showMasterSp="0" showMasterPhAnim="0">
   <p:cSld>
     <p:spTree>
       <p:nvGrpSpPr>
-        <p:cNvPr id="130" name="Shape 130"/>
+        <p:cNvPr id="1" name="Shape 130"/>
         <p:cNvGrpSpPr/>
         <p:nvPr/>
       </p:nvGrpSpPr>
@@ -1151,9 +1242,11 @@
       <p:sp>
         <p:nvSpPr>
           <p:cNvPr id="131" name="Google Shape;131;g33ea798d2bb_0_110:notes"/>
-          <p:cNvSpPr/>
+          <p:cNvSpPr>
+            <a:spLocks noGrp="1" noRot="1" noChangeAspect="1"/>
+          </p:cNvSpPr>
           <p:nvPr>
-            <p:ph idx="2" type="sldImg"/>
+            <p:ph type="sldImg" idx="2"/>
           </p:nvPr>
         </p:nvSpPr>
         <p:spPr>
@@ -1162,9 +1255,13 @@
             <a:ext cx="6096000" cy="3429000"/>
           </a:xfrm>
           <a:custGeom>
-            <a:rect b="b" l="l" r="r" t="t"/>
+            <a:avLst/>
+            <a:gdLst/>
+            <a:ahLst/>
+            <a:cxnLst/>
+            <a:rect l="l" t="t" r="r" b="b"/>
             <a:pathLst>
-              <a:path extrusionOk="0" h="120000" w="120000">
+              <a:path w="120000" h="120000" extrusionOk="0">
                 <a:moveTo>
                   <a:pt x="0" y="0"/>
                 </a:moveTo>
@@ -1186,9 +1283,11 @@
       <p:sp>
         <p:nvSpPr>
           <p:cNvPr id="132" name="Google Shape;132;g33ea798d2bb_0_110:notes"/>
-          <p:cNvSpPr txBox="1"/>
+          <p:cNvSpPr txBox="1">
+            <a:spLocks noGrp="1"/>
+          </p:cNvSpPr>
           <p:nvPr>
-            <p:ph idx="1" type="body"/>
+            <p:ph type="body" idx="1"/>
           </p:nvPr>
         </p:nvSpPr>
         <p:spPr>
@@ -1201,12 +1300,12 @@
           </a:prstGeom>
         </p:spPr>
         <p:txBody>
-          <a:bodyPr anchorCtr="0" anchor="t" bIns="91425" lIns="91425" spcFirstLastPara="1" rIns="91425" wrap="square" tIns="91425">
+          <a:bodyPr spcFirstLastPara="1" wrap="square" lIns="91425" tIns="91425" rIns="91425" bIns="91425" anchor="t" anchorCtr="0">
             <a:noAutofit/>
           </a:bodyPr>
           <a:lstStyle/>
           <a:p>
-            <a:pPr indent="0" lvl="0" marL="0" rtl="0" algn="l">
+            <a:pPr marL="0" lvl="0" indent="0" algn="l" rtl="0">
               <a:spcBef>
                 <a:spcPts val="0"/>
               </a:spcBef>
@@ -1215,9 +1314,6 @@
               </a:spcAft>
               <a:buNone/>
             </a:pPr>
-            <a:r>
-              <a:t/>
-            </a:r>
             <a:endParaRPr/>
           </a:p>
         </p:txBody>
@@ -1231,11 +1327,11 @@
 </file>
 
 <file path=ppt/notesSlides/notesSlide14.xml><?xml version="1.0" encoding="utf-8"?>
-<p:notes xmlns:a="http://schemas.openxmlformats.org/drawingml/2006/main" xmlns:r="http://schemas.openxmlformats.org/officeDocument/2006/relationships" xmlns:mc="http://schemas.openxmlformats.org/markup-compatibility/2006" xmlns:mv="urn:schemas-microsoft-com:mac:vml" xmlns:p="http://schemas.openxmlformats.org/presentationml/2006/main" xmlns:c="http://schemas.openxmlformats.org/drawingml/2006/chart" xmlns:dgm="http://schemas.openxmlformats.org/drawingml/2006/diagram" xmlns:o="urn:schemas-microsoft-com:office:office" xmlns:v="urn:schemas-microsoft-com:vml" xmlns:pvml="urn:schemas-microsoft-com:office:powerpoint" xmlns:com="http://schemas.openxmlformats.org/drawingml/2006/compatibility" xmlns:p14="http://schemas.microsoft.com/office/powerpoint/2010/main" xmlns:p15="http://schemas.microsoft.com/office/powerpoint/2012/main" xmlns:ahyp="http://schemas.microsoft.com/office/drawing/2018/hyperlinkcolor" showMasterPhAnim="0" showMasterSp="0">
+<p:notes xmlns:a="http://schemas.openxmlformats.org/drawingml/2006/main" xmlns:r="http://schemas.openxmlformats.org/officeDocument/2006/relationships" xmlns:p="http://schemas.openxmlformats.org/presentationml/2006/main" showMasterSp="0" showMasterPhAnim="0">
   <p:cSld>
     <p:spTree>
       <p:nvGrpSpPr>
-        <p:cNvPr id="137" name="Shape 137"/>
+        <p:cNvPr id="1" name="Shape 137"/>
         <p:cNvGrpSpPr/>
         <p:nvPr/>
       </p:nvGrpSpPr>
@@ -1250,9 +1346,11 @@
       <p:sp>
         <p:nvSpPr>
           <p:cNvPr id="138" name="Google Shape;138;g33ea798d2bb_0_117:notes"/>
-          <p:cNvSpPr/>
+          <p:cNvSpPr>
+            <a:spLocks noGrp="1" noRot="1" noChangeAspect="1"/>
+          </p:cNvSpPr>
           <p:nvPr>
-            <p:ph idx="2" type="sldImg"/>
+            <p:ph type="sldImg" idx="2"/>
           </p:nvPr>
         </p:nvSpPr>
         <p:spPr>
@@ -1261,9 +1359,13 @@
             <a:ext cx="6096000" cy="3429000"/>
           </a:xfrm>
           <a:custGeom>
-            <a:rect b="b" l="l" r="r" t="t"/>
+            <a:avLst/>
+            <a:gdLst/>
+            <a:ahLst/>
+            <a:cxnLst/>
+            <a:rect l="l" t="t" r="r" b="b"/>
             <a:pathLst>
-              <a:path extrusionOk="0" h="120000" w="120000">
+              <a:path w="120000" h="120000" extrusionOk="0">
                 <a:moveTo>
                   <a:pt x="0" y="0"/>
                 </a:moveTo>
@@ -1285,9 +1387,11 @@
       <p:sp>
         <p:nvSpPr>
           <p:cNvPr id="139" name="Google Shape;139;g33ea798d2bb_0_117:notes"/>
-          <p:cNvSpPr txBox="1"/>
+          <p:cNvSpPr txBox="1">
+            <a:spLocks noGrp="1"/>
+          </p:cNvSpPr>
           <p:nvPr>
-            <p:ph idx="1" type="body"/>
+            <p:ph type="body" idx="1"/>
           </p:nvPr>
         </p:nvSpPr>
         <p:spPr>
@@ -1300,12 +1404,12 @@
           </a:prstGeom>
         </p:spPr>
         <p:txBody>
-          <a:bodyPr anchorCtr="0" anchor="t" bIns="91425" lIns="91425" spcFirstLastPara="1" rIns="91425" wrap="square" tIns="91425">
+          <a:bodyPr spcFirstLastPara="1" wrap="square" lIns="91425" tIns="91425" rIns="91425" bIns="91425" anchor="t" anchorCtr="0">
             <a:noAutofit/>
           </a:bodyPr>
           <a:lstStyle/>
           <a:p>
-            <a:pPr indent="0" lvl="0" marL="0" rtl="0" algn="l">
+            <a:pPr marL="0" lvl="0" indent="0" algn="l" rtl="0">
               <a:spcBef>
                 <a:spcPts val="0"/>
               </a:spcBef>
@@ -1314,9 +1418,6 @@
               </a:spcAft>
               <a:buNone/>
             </a:pPr>
-            <a:r>
-              <a:t/>
-            </a:r>
             <a:endParaRPr/>
           </a:p>
         </p:txBody>
@@ -1330,11 +1431,11 @@
 </file>
 
 <file path=ppt/notesSlides/notesSlide15.xml><?xml version="1.0" encoding="utf-8"?>
-<p:notes xmlns:a="http://schemas.openxmlformats.org/drawingml/2006/main" xmlns:r="http://schemas.openxmlformats.org/officeDocument/2006/relationships" xmlns:mc="http://schemas.openxmlformats.org/markup-compatibility/2006" xmlns:mv="urn:schemas-microsoft-com:mac:vml" xmlns:p="http://schemas.openxmlformats.org/presentationml/2006/main" xmlns:c="http://schemas.openxmlformats.org/drawingml/2006/chart" xmlns:dgm="http://schemas.openxmlformats.org/drawingml/2006/diagram" xmlns:o="urn:schemas-microsoft-com:office:office" xmlns:v="urn:schemas-microsoft-com:vml" xmlns:pvml="urn:schemas-microsoft-com:office:powerpoint" xmlns:com="http://schemas.openxmlformats.org/drawingml/2006/compatibility" xmlns:p14="http://schemas.microsoft.com/office/powerpoint/2010/main" xmlns:p15="http://schemas.microsoft.com/office/powerpoint/2012/main" xmlns:ahyp="http://schemas.microsoft.com/office/drawing/2018/hyperlinkcolor" showMasterPhAnim="0" showMasterSp="0">
+<p:notes xmlns:a="http://schemas.openxmlformats.org/drawingml/2006/main" xmlns:r="http://schemas.openxmlformats.org/officeDocument/2006/relationships" xmlns:p="http://schemas.openxmlformats.org/presentationml/2006/main" showMasterSp="0" showMasterPhAnim="0">
   <p:cSld>
     <p:spTree>
       <p:nvGrpSpPr>
-        <p:cNvPr id="144" name="Shape 144"/>
+        <p:cNvPr id="1" name="Shape 144"/>
         <p:cNvGrpSpPr/>
         <p:nvPr/>
       </p:nvGrpSpPr>
@@ -1349,9 +1450,11 @@
       <p:sp>
         <p:nvSpPr>
           <p:cNvPr id="145" name="Google Shape;145;g33ea798d2bb_0_123:notes"/>
-          <p:cNvSpPr/>
+          <p:cNvSpPr>
+            <a:spLocks noGrp="1" noRot="1" noChangeAspect="1"/>
+          </p:cNvSpPr>
           <p:nvPr>
-            <p:ph idx="2" type="sldImg"/>
+            <p:ph type="sldImg" idx="2"/>
           </p:nvPr>
         </p:nvSpPr>
         <p:spPr>
@@ -1360,9 +1463,13 @@
             <a:ext cx="6096000" cy="3429000"/>
           </a:xfrm>
           <a:custGeom>
-            <a:rect b="b" l="l" r="r" t="t"/>
+            <a:avLst/>
+            <a:gdLst/>
+            <a:ahLst/>
+            <a:cxnLst/>
+            <a:rect l="l" t="t" r="r" b="b"/>
             <a:pathLst>
-              <a:path extrusionOk="0" h="120000" w="120000">
+              <a:path w="120000" h="120000" extrusionOk="0">
                 <a:moveTo>
                   <a:pt x="0" y="0"/>
                 </a:moveTo>
@@ -1384,9 +1491,11 @@
       <p:sp>
         <p:nvSpPr>
           <p:cNvPr id="146" name="Google Shape;146;g33ea798d2bb_0_123:notes"/>
-          <p:cNvSpPr txBox="1"/>
+          <p:cNvSpPr txBox="1">
+            <a:spLocks noGrp="1"/>
+          </p:cNvSpPr>
           <p:nvPr>
-            <p:ph idx="1" type="body"/>
+            <p:ph type="body" idx="1"/>
           </p:nvPr>
         </p:nvSpPr>
         <p:spPr>
@@ -1399,12 +1508,12 @@
           </a:prstGeom>
         </p:spPr>
         <p:txBody>
-          <a:bodyPr anchorCtr="0" anchor="t" bIns="91425" lIns="91425" spcFirstLastPara="1" rIns="91425" wrap="square" tIns="91425">
+          <a:bodyPr spcFirstLastPara="1" wrap="square" lIns="91425" tIns="91425" rIns="91425" bIns="91425" anchor="t" anchorCtr="0">
             <a:noAutofit/>
           </a:bodyPr>
           <a:lstStyle/>
           <a:p>
-            <a:pPr indent="0" lvl="0" marL="0" rtl="0" algn="l">
+            <a:pPr marL="0" lvl="0" indent="0" algn="l" rtl="0">
               <a:spcBef>
                 <a:spcPts val="0"/>
               </a:spcBef>
@@ -1413,9 +1522,6 @@
               </a:spcAft>
               <a:buNone/>
             </a:pPr>
-            <a:r>
-              <a:t/>
-            </a:r>
             <a:endParaRPr/>
           </a:p>
         </p:txBody>
@@ -1429,11 +1535,11 @@
 </file>
 
 <file path=ppt/notesSlides/notesSlide16.xml><?xml version="1.0" encoding="utf-8"?>
-<p:notes xmlns:a="http://schemas.openxmlformats.org/drawingml/2006/main" xmlns:r="http://schemas.openxmlformats.org/officeDocument/2006/relationships" xmlns:mc="http://schemas.openxmlformats.org/markup-compatibility/2006" xmlns:mv="urn:schemas-microsoft-com:mac:vml" xmlns:p="http://schemas.openxmlformats.org/presentationml/2006/main" xmlns:c="http://schemas.openxmlformats.org/drawingml/2006/chart" xmlns:dgm="http://schemas.openxmlformats.org/drawingml/2006/diagram" xmlns:o="urn:schemas-microsoft-com:office:office" xmlns:v="urn:schemas-microsoft-com:vml" xmlns:pvml="urn:schemas-microsoft-com:office:powerpoint" xmlns:com="http://schemas.openxmlformats.org/drawingml/2006/compatibility" xmlns:p14="http://schemas.microsoft.com/office/powerpoint/2010/main" xmlns:p15="http://schemas.microsoft.com/office/powerpoint/2012/main" xmlns:ahyp="http://schemas.microsoft.com/office/drawing/2018/hyperlinkcolor" showMasterPhAnim="0" showMasterSp="0">
+<p:notes xmlns:a="http://schemas.openxmlformats.org/drawingml/2006/main" xmlns:r="http://schemas.openxmlformats.org/officeDocument/2006/relationships" xmlns:p="http://schemas.openxmlformats.org/presentationml/2006/main" showMasterSp="0" showMasterPhAnim="0">
   <p:cSld>
     <p:spTree>
       <p:nvGrpSpPr>
-        <p:cNvPr id="150" name="Shape 150"/>
+        <p:cNvPr id="1" name="Shape 150"/>
         <p:cNvGrpSpPr/>
         <p:nvPr/>
       </p:nvGrpSpPr>
@@ -1448,9 +1554,11 @@
       <p:sp>
         <p:nvSpPr>
           <p:cNvPr id="151" name="Google Shape;151;g33ea798d2bb_0_129:notes"/>
-          <p:cNvSpPr/>
+          <p:cNvSpPr>
+            <a:spLocks noGrp="1" noRot="1" noChangeAspect="1"/>
+          </p:cNvSpPr>
           <p:nvPr>
-            <p:ph idx="2" type="sldImg"/>
+            <p:ph type="sldImg" idx="2"/>
           </p:nvPr>
         </p:nvSpPr>
         <p:spPr>
@@ -1459,9 +1567,13 @@
             <a:ext cx="6096000" cy="3429000"/>
           </a:xfrm>
           <a:custGeom>
-            <a:rect b="b" l="l" r="r" t="t"/>
+            <a:avLst/>
+            <a:gdLst/>
+            <a:ahLst/>
+            <a:cxnLst/>
+            <a:rect l="l" t="t" r="r" b="b"/>
             <a:pathLst>
-              <a:path extrusionOk="0" h="120000" w="120000">
+              <a:path w="120000" h="120000" extrusionOk="0">
                 <a:moveTo>
                   <a:pt x="0" y="0"/>
                 </a:moveTo>
@@ -1483,9 +1595,11 @@
       <p:sp>
         <p:nvSpPr>
           <p:cNvPr id="152" name="Google Shape;152;g33ea798d2bb_0_129:notes"/>
-          <p:cNvSpPr txBox="1"/>
+          <p:cNvSpPr txBox="1">
+            <a:spLocks noGrp="1"/>
+          </p:cNvSpPr>
           <p:nvPr>
-            <p:ph idx="1" type="body"/>
+            <p:ph type="body" idx="1"/>
           </p:nvPr>
         </p:nvSpPr>
         <p:spPr>
@@ -1498,12 +1612,12 @@
           </a:prstGeom>
         </p:spPr>
         <p:txBody>
-          <a:bodyPr anchorCtr="0" anchor="t" bIns="91425" lIns="91425" spcFirstLastPara="1" rIns="91425" wrap="square" tIns="91425">
+          <a:bodyPr spcFirstLastPara="1" wrap="square" lIns="91425" tIns="91425" rIns="91425" bIns="91425" anchor="t" anchorCtr="0">
             <a:noAutofit/>
           </a:bodyPr>
           <a:lstStyle/>
           <a:p>
-            <a:pPr indent="0" lvl="0" marL="0" rtl="0" algn="l">
+            <a:pPr marL="0" lvl="0" indent="0" algn="l" rtl="0">
               <a:spcBef>
                 <a:spcPts val="0"/>
               </a:spcBef>
@@ -1512,9 +1626,6 @@
               </a:spcAft>
               <a:buNone/>
             </a:pPr>
-            <a:r>
-              <a:t/>
-            </a:r>
             <a:endParaRPr/>
           </a:p>
         </p:txBody>
@@ -1528,11 +1639,11 @@
 </file>
 
 <file path=ppt/notesSlides/notesSlide17.xml><?xml version="1.0" encoding="utf-8"?>
-<p:notes xmlns:a="http://schemas.openxmlformats.org/drawingml/2006/main" xmlns:r="http://schemas.openxmlformats.org/officeDocument/2006/relationships" xmlns:mc="http://schemas.openxmlformats.org/markup-compatibility/2006" xmlns:mv="urn:schemas-microsoft-com:mac:vml" xmlns:p="http://schemas.openxmlformats.org/presentationml/2006/main" xmlns:c="http://schemas.openxmlformats.org/drawingml/2006/chart" xmlns:dgm="http://schemas.openxmlformats.org/drawingml/2006/diagram" xmlns:o="urn:schemas-microsoft-com:office:office" xmlns:v="urn:schemas-microsoft-com:vml" xmlns:pvml="urn:schemas-microsoft-com:office:powerpoint" xmlns:com="http://schemas.openxmlformats.org/drawingml/2006/compatibility" xmlns:p14="http://schemas.microsoft.com/office/powerpoint/2010/main" xmlns:p15="http://schemas.microsoft.com/office/powerpoint/2012/main" xmlns:ahyp="http://schemas.microsoft.com/office/drawing/2018/hyperlinkcolor" showMasterPhAnim="0" showMasterSp="0">
+<p:notes xmlns:a="http://schemas.openxmlformats.org/drawingml/2006/main" xmlns:r="http://schemas.openxmlformats.org/officeDocument/2006/relationships" xmlns:p="http://schemas.openxmlformats.org/presentationml/2006/main" showMasterSp="0" showMasterPhAnim="0">
   <p:cSld>
     <p:spTree>
       <p:nvGrpSpPr>
-        <p:cNvPr id="156" name="Shape 156"/>
+        <p:cNvPr id="1" name="Shape 156"/>
         <p:cNvGrpSpPr/>
         <p:nvPr/>
       </p:nvGrpSpPr>
@@ -1547,9 +1658,11 @@
       <p:sp>
         <p:nvSpPr>
           <p:cNvPr id="157" name="Google Shape;157;g33ea798d2bb_0_135:notes"/>
-          <p:cNvSpPr/>
+          <p:cNvSpPr>
+            <a:spLocks noGrp="1" noRot="1" noChangeAspect="1"/>
+          </p:cNvSpPr>
           <p:nvPr>
-            <p:ph idx="2" type="sldImg"/>
+            <p:ph type="sldImg" idx="2"/>
           </p:nvPr>
         </p:nvSpPr>
         <p:spPr>
@@ -1558,9 +1671,13 @@
             <a:ext cx="6096000" cy="3429000"/>
           </a:xfrm>
           <a:custGeom>
-            <a:rect b="b" l="l" r="r" t="t"/>
+            <a:avLst/>
+            <a:gdLst/>
+            <a:ahLst/>
+            <a:cxnLst/>
+            <a:rect l="l" t="t" r="r" b="b"/>
             <a:pathLst>
-              <a:path extrusionOk="0" h="120000" w="120000">
+              <a:path w="120000" h="120000" extrusionOk="0">
                 <a:moveTo>
                   <a:pt x="0" y="0"/>
                 </a:moveTo>
@@ -1582,9 +1699,11 @@
       <p:sp>
         <p:nvSpPr>
           <p:cNvPr id="158" name="Google Shape;158;g33ea798d2bb_0_135:notes"/>
-          <p:cNvSpPr txBox="1"/>
+          <p:cNvSpPr txBox="1">
+            <a:spLocks noGrp="1"/>
+          </p:cNvSpPr>
           <p:nvPr>
-            <p:ph idx="1" type="body"/>
+            <p:ph type="body" idx="1"/>
           </p:nvPr>
         </p:nvSpPr>
         <p:spPr>
@@ -1597,12 +1716,12 @@
           </a:prstGeom>
         </p:spPr>
         <p:txBody>
-          <a:bodyPr anchorCtr="0" anchor="t" bIns="91425" lIns="91425" spcFirstLastPara="1" rIns="91425" wrap="square" tIns="91425">
+          <a:bodyPr spcFirstLastPara="1" wrap="square" lIns="91425" tIns="91425" rIns="91425" bIns="91425" anchor="t" anchorCtr="0">
             <a:noAutofit/>
           </a:bodyPr>
           <a:lstStyle/>
           <a:p>
-            <a:pPr indent="0" lvl="0" marL="0" rtl="0" algn="l">
+            <a:pPr marL="0" lvl="0" indent="0" algn="l" rtl="0">
               <a:spcBef>
                 <a:spcPts val="0"/>
               </a:spcBef>
@@ -1611,9 +1730,6 @@
               </a:spcAft>
               <a:buNone/>
             </a:pPr>
-            <a:r>
-              <a:t/>
-            </a:r>
             <a:endParaRPr/>
           </a:p>
         </p:txBody>
@@ -1627,11 +1743,11 @@
 </file>
 
 <file path=ppt/notesSlides/notesSlide2.xml><?xml version="1.0" encoding="utf-8"?>
-<p:notes xmlns:a="http://schemas.openxmlformats.org/drawingml/2006/main" xmlns:r="http://schemas.openxmlformats.org/officeDocument/2006/relationships" xmlns:mc="http://schemas.openxmlformats.org/markup-compatibility/2006" xmlns:mv="urn:schemas-microsoft-com:mac:vml" xmlns:p="http://schemas.openxmlformats.org/presentationml/2006/main" xmlns:c="http://schemas.openxmlformats.org/drawingml/2006/chart" xmlns:dgm="http://schemas.openxmlformats.org/drawingml/2006/diagram" xmlns:o="urn:schemas-microsoft-com:office:office" xmlns:v="urn:schemas-microsoft-com:vml" xmlns:pvml="urn:schemas-microsoft-com:office:powerpoint" xmlns:com="http://schemas.openxmlformats.org/drawingml/2006/compatibility" xmlns:p14="http://schemas.microsoft.com/office/powerpoint/2010/main" xmlns:p15="http://schemas.microsoft.com/office/powerpoint/2012/main" xmlns:ahyp="http://schemas.microsoft.com/office/drawing/2018/hyperlinkcolor" showMasterPhAnim="0" showMasterSp="0">
+<p:notes xmlns:a="http://schemas.openxmlformats.org/drawingml/2006/main" xmlns:r="http://schemas.openxmlformats.org/officeDocument/2006/relationships" xmlns:p="http://schemas.openxmlformats.org/presentationml/2006/main" showMasterSp="0" showMasterPhAnim="0">
   <p:cSld>
     <p:spTree>
       <p:nvGrpSpPr>
-        <p:cNvPr id="56" name="Shape 56"/>
+        <p:cNvPr id="1" name="Shape 56"/>
         <p:cNvGrpSpPr/>
         <p:nvPr/>
       </p:nvGrpSpPr>
@@ -1646,9 +1762,11 @@
       <p:sp>
         <p:nvSpPr>
           <p:cNvPr id="57" name="Google Shape;57;g33ea798d2bb_0_45:notes"/>
-          <p:cNvSpPr/>
+          <p:cNvSpPr>
+            <a:spLocks noGrp="1" noRot="1" noChangeAspect="1"/>
+          </p:cNvSpPr>
           <p:nvPr>
-            <p:ph idx="2" type="sldImg"/>
+            <p:ph type="sldImg" idx="2"/>
           </p:nvPr>
         </p:nvSpPr>
         <p:spPr>
@@ -1657,9 +1775,13 @@
             <a:ext cx="6096000" cy="3429000"/>
           </a:xfrm>
           <a:custGeom>
-            <a:rect b="b" l="l" r="r" t="t"/>
+            <a:avLst/>
+            <a:gdLst/>
+            <a:ahLst/>
+            <a:cxnLst/>
+            <a:rect l="l" t="t" r="r" b="b"/>
             <a:pathLst>
-              <a:path extrusionOk="0" h="120000" w="120000">
+              <a:path w="120000" h="120000" extrusionOk="0">
                 <a:moveTo>
                   <a:pt x="0" y="0"/>
                 </a:moveTo>
@@ -1681,9 +1803,11 @@
       <p:sp>
         <p:nvSpPr>
           <p:cNvPr id="58" name="Google Shape;58;g33ea798d2bb_0_45:notes"/>
-          <p:cNvSpPr txBox="1"/>
+          <p:cNvSpPr txBox="1">
+            <a:spLocks noGrp="1"/>
+          </p:cNvSpPr>
           <p:nvPr>
-            <p:ph idx="1" type="body"/>
+            <p:ph type="body" idx="1"/>
           </p:nvPr>
         </p:nvSpPr>
         <p:spPr>
@@ -1696,12 +1820,12 @@
           </a:prstGeom>
         </p:spPr>
         <p:txBody>
-          <a:bodyPr anchorCtr="0" anchor="t" bIns="91425" lIns="91425" spcFirstLastPara="1" rIns="91425" wrap="square" tIns="91425">
+          <a:bodyPr spcFirstLastPara="1" wrap="square" lIns="91425" tIns="91425" rIns="91425" bIns="91425" anchor="t" anchorCtr="0">
             <a:noAutofit/>
           </a:bodyPr>
           <a:lstStyle/>
           <a:p>
-            <a:pPr indent="0" lvl="0" marL="0" rtl="0" algn="l">
+            <a:pPr marL="0" lvl="0" indent="0" algn="l" rtl="0">
               <a:spcBef>
                 <a:spcPts val="0"/>
               </a:spcBef>
@@ -1710,9 +1834,6 @@
               </a:spcAft>
               <a:buNone/>
             </a:pPr>
-            <a:r>
-              <a:t/>
-            </a:r>
             <a:endParaRPr/>
           </a:p>
         </p:txBody>
@@ -1726,11 +1847,11 @@
 </file>
 
 <file path=ppt/notesSlides/notesSlide3.xml><?xml version="1.0" encoding="utf-8"?>
-<p:notes xmlns:a="http://schemas.openxmlformats.org/drawingml/2006/main" xmlns:r="http://schemas.openxmlformats.org/officeDocument/2006/relationships" xmlns:mc="http://schemas.openxmlformats.org/markup-compatibility/2006" xmlns:mv="urn:schemas-microsoft-com:mac:vml" xmlns:p="http://schemas.openxmlformats.org/presentationml/2006/main" xmlns:c="http://schemas.openxmlformats.org/drawingml/2006/chart" xmlns:dgm="http://schemas.openxmlformats.org/drawingml/2006/diagram" xmlns:o="urn:schemas-microsoft-com:office:office" xmlns:v="urn:schemas-microsoft-com:vml" xmlns:pvml="urn:schemas-microsoft-com:office:powerpoint" xmlns:com="http://schemas.openxmlformats.org/drawingml/2006/compatibility" xmlns:p14="http://schemas.microsoft.com/office/powerpoint/2010/main" xmlns:p15="http://schemas.microsoft.com/office/powerpoint/2012/main" xmlns:ahyp="http://schemas.microsoft.com/office/drawing/2018/hyperlinkcolor" showMasterPhAnim="0" showMasterSp="0">
+<p:notes xmlns:a="http://schemas.openxmlformats.org/drawingml/2006/main" xmlns:r="http://schemas.openxmlformats.org/officeDocument/2006/relationships" xmlns:p="http://schemas.openxmlformats.org/presentationml/2006/main" showMasterSp="0" showMasterPhAnim="0">
   <p:cSld>
     <p:spTree>
       <p:nvGrpSpPr>
-        <p:cNvPr id="63" name="Shape 63"/>
+        <p:cNvPr id="1" name="Shape 63"/>
         <p:cNvGrpSpPr/>
         <p:nvPr/>
       </p:nvGrpSpPr>
@@ -1745,9 +1866,11 @@
       <p:sp>
         <p:nvSpPr>
           <p:cNvPr id="64" name="Google Shape;64;g33ea798d2bb_0_51:notes"/>
-          <p:cNvSpPr/>
+          <p:cNvSpPr>
+            <a:spLocks noGrp="1" noRot="1" noChangeAspect="1"/>
+          </p:cNvSpPr>
           <p:nvPr>
-            <p:ph idx="2" type="sldImg"/>
+            <p:ph type="sldImg" idx="2"/>
           </p:nvPr>
         </p:nvSpPr>
         <p:spPr>
@@ -1756,9 +1879,13 @@
             <a:ext cx="6096000" cy="3429000"/>
           </a:xfrm>
           <a:custGeom>
-            <a:rect b="b" l="l" r="r" t="t"/>
+            <a:avLst/>
+            <a:gdLst/>
+            <a:ahLst/>
+            <a:cxnLst/>
+            <a:rect l="l" t="t" r="r" b="b"/>
             <a:pathLst>
-              <a:path extrusionOk="0" h="120000" w="120000">
+              <a:path w="120000" h="120000" extrusionOk="0">
                 <a:moveTo>
                   <a:pt x="0" y="0"/>
                 </a:moveTo>
@@ -1780,9 +1907,11 @@
       <p:sp>
         <p:nvSpPr>
           <p:cNvPr id="65" name="Google Shape;65;g33ea798d2bb_0_51:notes"/>
-          <p:cNvSpPr txBox="1"/>
+          <p:cNvSpPr txBox="1">
+            <a:spLocks noGrp="1"/>
+          </p:cNvSpPr>
           <p:nvPr>
-            <p:ph idx="1" type="body"/>
+            <p:ph type="body" idx="1"/>
           </p:nvPr>
         </p:nvSpPr>
         <p:spPr>
@@ -1795,12 +1924,12 @@
           </a:prstGeom>
         </p:spPr>
         <p:txBody>
-          <a:bodyPr anchorCtr="0" anchor="t" bIns="91425" lIns="91425" spcFirstLastPara="1" rIns="91425" wrap="square" tIns="91425">
+          <a:bodyPr spcFirstLastPara="1" wrap="square" lIns="91425" tIns="91425" rIns="91425" bIns="91425" anchor="t" anchorCtr="0">
             <a:noAutofit/>
           </a:bodyPr>
           <a:lstStyle/>
           <a:p>
-            <a:pPr indent="0" lvl="0" marL="0" rtl="0" algn="l">
+            <a:pPr marL="0" lvl="0" indent="0" algn="l" rtl="0">
               <a:spcBef>
                 <a:spcPts val="0"/>
               </a:spcBef>
@@ -1809,9 +1938,6 @@
               </a:spcAft>
               <a:buNone/>
             </a:pPr>
-            <a:r>
-              <a:t/>
-            </a:r>
             <a:endParaRPr/>
           </a:p>
         </p:txBody>
@@ -1825,11 +1951,11 @@
 </file>
 
 <file path=ppt/notesSlides/notesSlide4.xml><?xml version="1.0" encoding="utf-8"?>
-<p:notes xmlns:a="http://schemas.openxmlformats.org/drawingml/2006/main" xmlns:r="http://schemas.openxmlformats.org/officeDocument/2006/relationships" xmlns:mc="http://schemas.openxmlformats.org/markup-compatibility/2006" xmlns:mv="urn:schemas-microsoft-com:mac:vml" xmlns:p="http://schemas.openxmlformats.org/presentationml/2006/main" xmlns:c="http://schemas.openxmlformats.org/drawingml/2006/chart" xmlns:dgm="http://schemas.openxmlformats.org/drawingml/2006/diagram" xmlns:o="urn:schemas-microsoft-com:office:office" xmlns:v="urn:schemas-microsoft-com:vml" xmlns:pvml="urn:schemas-microsoft-com:office:powerpoint" xmlns:com="http://schemas.openxmlformats.org/drawingml/2006/compatibility" xmlns:p14="http://schemas.microsoft.com/office/powerpoint/2010/main" xmlns:p15="http://schemas.microsoft.com/office/powerpoint/2012/main" xmlns:ahyp="http://schemas.microsoft.com/office/drawing/2018/hyperlinkcolor" showMasterPhAnim="0" showMasterSp="0">
+<p:notes xmlns:a="http://schemas.openxmlformats.org/drawingml/2006/main" xmlns:r="http://schemas.openxmlformats.org/officeDocument/2006/relationships" xmlns:p="http://schemas.openxmlformats.org/presentationml/2006/main" showMasterSp="0" showMasterPhAnim="0">
   <p:cSld>
     <p:spTree>
       <p:nvGrpSpPr>
-        <p:cNvPr id="69" name="Shape 69"/>
+        <p:cNvPr id="1" name="Shape 69"/>
         <p:cNvGrpSpPr/>
         <p:nvPr/>
       </p:nvGrpSpPr>
@@ -1844,9 +1970,11 @@
       <p:sp>
         <p:nvSpPr>
           <p:cNvPr id="70" name="Google Shape;70;g33ea798d2bb_0_56:notes"/>
-          <p:cNvSpPr/>
+          <p:cNvSpPr>
+            <a:spLocks noGrp="1" noRot="1" noChangeAspect="1"/>
+          </p:cNvSpPr>
           <p:nvPr>
-            <p:ph idx="2" type="sldImg"/>
+            <p:ph type="sldImg" idx="2"/>
           </p:nvPr>
         </p:nvSpPr>
         <p:spPr>
@@ -1855,9 +1983,13 @@
             <a:ext cx="6096000" cy="3429000"/>
           </a:xfrm>
           <a:custGeom>
-            <a:rect b="b" l="l" r="r" t="t"/>
+            <a:avLst/>
+            <a:gdLst/>
+            <a:ahLst/>
+            <a:cxnLst/>
+            <a:rect l="l" t="t" r="r" b="b"/>
             <a:pathLst>
-              <a:path extrusionOk="0" h="120000" w="120000">
+              <a:path w="120000" h="120000" extrusionOk="0">
                 <a:moveTo>
                   <a:pt x="0" y="0"/>
                 </a:moveTo>
@@ -1879,9 +2011,11 @@
       <p:sp>
         <p:nvSpPr>
           <p:cNvPr id="71" name="Google Shape;71;g33ea798d2bb_0_56:notes"/>
-          <p:cNvSpPr txBox="1"/>
+          <p:cNvSpPr txBox="1">
+            <a:spLocks noGrp="1"/>
+          </p:cNvSpPr>
           <p:nvPr>
-            <p:ph idx="1" type="body"/>
+            <p:ph type="body" idx="1"/>
           </p:nvPr>
         </p:nvSpPr>
         <p:spPr>
@@ -1894,12 +2028,12 @@
           </a:prstGeom>
         </p:spPr>
         <p:txBody>
-          <a:bodyPr anchorCtr="0" anchor="t" bIns="91425" lIns="91425" spcFirstLastPara="1" rIns="91425" wrap="square" tIns="91425">
+          <a:bodyPr spcFirstLastPara="1" wrap="square" lIns="91425" tIns="91425" rIns="91425" bIns="91425" anchor="t" anchorCtr="0">
             <a:noAutofit/>
           </a:bodyPr>
           <a:lstStyle/>
           <a:p>
-            <a:pPr indent="0" lvl="0" marL="0" rtl="0" algn="l">
+            <a:pPr marL="0" lvl="0" indent="0" algn="l" rtl="0">
               <a:spcBef>
                 <a:spcPts val="0"/>
               </a:spcBef>
@@ -1908,9 +2042,6 @@
               </a:spcAft>
               <a:buNone/>
             </a:pPr>
-            <a:r>
-              <a:t/>
-            </a:r>
             <a:endParaRPr/>
           </a:p>
         </p:txBody>
@@ -1924,11 +2055,11 @@
 </file>
 
 <file path=ppt/notesSlides/notesSlide5.xml><?xml version="1.0" encoding="utf-8"?>
-<p:notes xmlns:a="http://schemas.openxmlformats.org/drawingml/2006/main" xmlns:r="http://schemas.openxmlformats.org/officeDocument/2006/relationships" xmlns:mc="http://schemas.openxmlformats.org/markup-compatibility/2006" xmlns:mv="urn:schemas-microsoft-com:mac:vml" xmlns:p="http://schemas.openxmlformats.org/presentationml/2006/main" xmlns:c="http://schemas.openxmlformats.org/drawingml/2006/chart" xmlns:dgm="http://schemas.openxmlformats.org/drawingml/2006/diagram" xmlns:o="urn:schemas-microsoft-com:office:office" xmlns:v="urn:schemas-microsoft-com:vml" xmlns:pvml="urn:schemas-microsoft-com:office:powerpoint" xmlns:com="http://schemas.openxmlformats.org/drawingml/2006/compatibility" xmlns:p14="http://schemas.microsoft.com/office/powerpoint/2010/main" xmlns:p15="http://schemas.microsoft.com/office/powerpoint/2012/main" xmlns:ahyp="http://schemas.microsoft.com/office/drawing/2018/hyperlinkcolor" showMasterPhAnim="0" showMasterSp="0">
+<p:notes xmlns:a="http://schemas.openxmlformats.org/drawingml/2006/main" xmlns:r="http://schemas.openxmlformats.org/officeDocument/2006/relationships" xmlns:p="http://schemas.openxmlformats.org/presentationml/2006/main" showMasterSp="0" showMasterPhAnim="0">
   <p:cSld>
     <p:spTree>
       <p:nvGrpSpPr>
-        <p:cNvPr id="75" name="Shape 75"/>
+        <p:cNvPr id="1" name="Shape 75"/>
         <p:cNvGrpSpPr/>
         <p:nvPr/>
       </p:nvGrpSpPr>
@@ -1943,9 +2074,11 @@
       <p:sp>
         <p:nvSpPr>
           <p:cNvPr id="76" name="Google Shape;76;g33ea798d2bb_0_66:notes"/>
-          <p:cNvSpPr/>
+          <p:cNvSpPr>
+            <a:spLocks noGrp="1" noRot="1" noChangeAspect="1"/>
+          </p:cNvSpPr>
           <p:nvPr>
-            <p:ph idx="2" type="sldImg"/>
+            <p:ph type="sldImg" idx="2"/>
           </p:nvPr>
         </p:nvSpPr>
         <p:spPr>
@@ -1954,9 +2087,13 @@
             <a:ext cx="6096000" cy="3429000"/>
           </a:xfrm>
           <a:custGeom>
-            <a:rect b="b" l="l" r="r" t="t"/>
+            <a:avLst/>
+            <a:gdLst/>
+            <a:ahLst/>
+            <a:cxnLst/>
+            <a:rect l="l" t="t" r="r" b="b"/>
             <a:pathLst>
-              <a:path extrusionOk="0" h="120000" w="120000">
+              <a:path w="120000" h="120000" extrusionOk="0">
                 <a:moveTo>
                   <a:pt x="0" y="0"/>
                 </a:moveTo>
@@ -1978,9 +2115,11 @@
       <p:sp>
         <p:nvSpPr>
           <p:cNvPr id="77" name="Google Shape;77;g33ea798d2bb_0_66:notes"/>
-          <p:cNvSpPr txBox="1"/>
+          <p:cNvSpPr txBox="1">
+            <a:spLocks noGrp="1"/>
+          </p:cNvSpPr>
           <p:nvPr>
-            <p:ph idx="1" type="body"/>
+            <p:ph type="body" idx="1"/>
           </p:nvPr>
         </p:nvSpPr>
         <p:spPr>
@@ -1993,12 +2132,12 @@
           </a:prstGeom>
         </p:spPr>
         <p:txBody>
-          <a:bodyPr anchorCtr="0" anchor="t" bIns="91425" lIns="91425" spcFirstLastPara="1" rIns="91425" wrap="square" tIns="91425">
+          <a:bodyPr spcFirstLastPara="1" wrap="square" lIns="91425" tIns="91425" rIns="91425" bIns="91425" anchor="t" anchorCtr="0">
             <a:noAutofit/>
           </a:bodyPr>
           <a:lstStyle/>
           <a:p>
-            <a:pPr indent="0" lvl="0" marL="0" rtl="0" algn="l">
+            <a:pPr marL="0" lvl="0" indent="0" algn="l" rtl="0">
               <a:spcBef>
                 <a:spcPts val="0"/>
               </a:spcBef>
@@ -2007,9 +2146,6 @@
               </a:spcAft>
               <a:buNone/>
             </a:pPr>
-            <a:r>
-              <a:t/>
-            </a:r>
             <a:endParaRPr/>
           </a:p>
         </p:txBody>
@@ -2023,11 +2159,11 @@
 </file>
 
 <file path=ppt/notesSlides/notesSlide6.xml><?xml version="1.0" encoding="utf-8"?>
-<p:notes xmlns:a="http://schemas.openxmlformats.org/drawingml/2006/main" xmlns:r="http://schemas.openxmlformats.org/officeDocument/2006/relationships" xmlns:mc="http://schemas.openxmlformats.org/markup-compatibility/2006" xmlns:mv="urn:schemas-microsoft-com:mac:vml" xmlns:p="http://schemas.openxmlformats.org/presentationml/2006/main" xmlns:c="http://schemas.openxmlformats.org/drawingml/2006/chart" xmlns:dgm="http://schemas.openxmlformats.org/drawingml/2006/diagram" xmlns:o="urn:schemas-microsoft-com:office:office" xmlns:v="urn:schemas-microsoft-com:vml" xmlns:pvml="urn:schemas-microsoft-com:office:powerpoint" xmlns:com="http://schemas.openxmlformats.org/drawingml/2006/compatibility" xmlns:p14="http://schemas.microsoft.com/office/powerpoint/2010/main" xmlns:p15="http://schemas.microsoft.com/office/powerpoint/2012/main" xmlns:ahyp="http://schemas.microsoft.com/office/drawing/2018/hyperlinkcolor" showMasterPhAnim="0" showMasterSp="0">
+<p:notes xmlns:a="http://schemas.openxmlformats.org/drawingml/2006/main" xmlns:r="http://schemas.openxmlformats.org/officeDocument/2006/relationships" xmlns:p="http://schemas.openxmlformats.org/presentationml/2006/main" showMasterSp="0" showMasterPhAnim="0">
   <p:cSld>
     <p:spTree>
       <p:nvGrpSpPr>
-        <p:cNvPr id="81" name="Shape 81"/>
+        <p:cNvPr id="1" name="Shape 81"/>
         <p:cNvGrpSpPr/>
         <p:nvPr/>
       </p:nvGrpSpPr>
@@ -2042,9 +2178,11 @@
       <p:sp>
         <p:nvSpPr>
           <p:cNvPr id="82" name="Google Shape;82;g33ea798d2bb_0_61:notes"/>
-          <p:cNvSpPr/>
+          <p:cNvSpPr>
+            <a:spLocks noGrp="1" noRot="1" noChangeAspect="1"/>
+          </p:cNvSpPr>
           <p:nvPr>
-            <p:ph idx="2" type="sldImg"/>
+            <p:ph type="sldImg" idx="2"/>
           </p:nvPr>
         </p:nvSpPr>
         <p:spPr>
@@ -2053,9 +2191,13 @@
             <a:ext cx="6096000" cy="3429000"/>
           </a:xfrm>
           <a:custGeom>
-            <a:rect b="b" l="l" r="r" t="t"/>
+            <a:avLst/>
+            <a:gdLst/>
+            <a:ahLst/>
+            <a:cxnLst/>
+            <a:rect l="l" t="t" r="r" b="b"/>
             <a:pathLst>
-              <a:path extrusionOk="0" h="120000" w="120000">
+              <a:path w="120000" h="120000" extrusionOk="0">
                 <a:moveTo>
                   <a:pt x="0" y="0"/>
                 </a:moveTo>
@@ -2077,9 +2219,11 @@
       <p:sp>
         <p:nvSpPr>
           <p:cNvPr id="83" name="Google Shape;83;g33ea798d2bb_0_61:notes"/>
-          <p:cNvSpPr txBox="1"/>
+          <p:cNvSpPr txBox="1">
+            <a:spLocks noGrp="1"/>
+          </p:cNvSpPr>
           <p:nvPr>
-            <p:ph idx="1" type="body"/>
+            <p:ph type="body" idx="1"/>
           </p:nvPr>
         </p:nvSpPr>
         <p:spPr>
@@ -2092,12 +2236,12 @@
           </a:prstGeom>
         </p:spPr>
         <p:txBody>
-          <a:bodyPr anchorCtr="0" anchor="t" bIns="91425" lIns="91425" spcFirstLastPara="1" rIns="91425" wrap="square" tIns="91425">
+          <a:bodyPr spcFirstLastPara="1" wrap="square" lIns="91425" tIns="91425" rIns="91425" bIns="91425" anchor="t" anchorCtr="0">
             <a:noAutofit/>
           </a:bodyPr>
           <a:lstStyle/>
           <a:p>
-            <a:pPr indent="0" lvl="0" marL="0" rtl="0" algn="l">
+            <a:pPr marL="0" lvl="0" indent="0" algn="l" rtl="0">
               <a:spcBef>
                 <a:spcPts val="0"/>
               </a:spcBef>
@@ -2106,9 +2250,6 @@
               </a:spcAft>
               <a:buNone/>
             </a:pPr>
-            <a:r>
-              <a:t/>
-            </a:r>
             <a:endParaRPr/>
           </a:p>
         </p:txBody>
@@ -2122,11 +2263,11 @@
 </file>
 
 <file path=ppt/notesSlides/notesSlide7.xml><?xml version="1.0" encoding="utf-8"?>
-<p:notes xmlns:a="http://schemas.openxmlformats.org/drawingml/2006/main" xmlns:r="http://schemas.openxmlformats.org/officeDocument/2006/relationships" xmlns:mc="http://schemas.openxmlformats.org/markup-compatibility/2006" xmlns:mv="urn:schemas-microsoft-com:mac:vml" xmlns:p="http://schemas.openxmlformats.org/presentationml/2006/main" xmlns:c="http://schemas.openxmlformats.org/drawingml/2006/chart" xmlns:dgm="http://schemas.openxmlformats.org/drawingml/2006/diagram" xmlns:o="urn:schemas-microsoft-com:office:office" xmlns:v="urn:schemas-microsoft-com:vml" xmlns:pvml="urn:schemas-microsoft-com:office:powerpoint" xmlns:com="http://schemas.openxmlformats.org/drawingml/2006/compatibility" xmlns:p14="http://schemas.microsoft.com/office/powerpoint/2010/main" xmlns:p15="http://schemas.microsoft.com/office/powerpoint/2012/main" xmlns:ahyp="http://schemas.microsoft.com/office/drawing/2018/hyperlinkcolor" showMasterPhAnim="0" showMasterSp="0">
+<p:notes xmlns:a="http://schemas.openxmlformats.org/drawingml/2006/main" xmlns:r="http://schemas.openxmlformats.org/officeDocument/2006/relationships" xmlns:p="http://schemas.openxmlformats.org/presentationml/2006/main" showMasterSp="0" showMasterPhAnim="0">
   <p:cSld>
     <p:spTree>
       <p:nvGrpSpPr>
-        <p:cNvPr id="87" name="Shape 87"/>
+        <p:cNvPr id="1" name="Shape 87"/>
         <p:cNvGrpSpPr/>
         <p:nvPr/>
       </p:nvGrpSpPr>
@@ -2141,9 +2282,11 @@
       <p:sp>
         <p:nvSpPr>
           <p:cNvPr id="88" name="Google Shape;88;g33ea798d2bb_0_71:notes"/>
-          <p:cNvSpPr/>
+          <p:cNvSpPr>
+            <a:spLocks noGrp="1" noRot="1" noChangeAspect="1"/>
+          </p:cNvSpPr>
           <p:nvPr>
-            <p:ph idx="2" type="sldImg"/>
+            <p:ph type="sldImg" idx="2"/>
           </p:nvPr>
         </p:nvSpPr>
         <p:spPr>
@@ -2152,9 +2295,13 @@
             <a:ext cx="6096000" cy="3429000"/>
           </a:xfrm>
           <a:custGeom>
-            <a:rect b="b" l="l" r="r" t="t"/>
+            <a:avLst/>
+            <a:gdLst/>
+            <a:ahLst/>
+            <a:cxnLst/>
+            <a:rect l="l" t="t" r="r" b="b"/>
             <a:pathLst>
-              <a:path extrusionOk="0" h="120000" w="120000">
+              <a:path w="120000" h="120000" extrusionOk="0">
                 <a:moveTo>
                   <a:pt x="0" y="0"/>
                 </a:moveTo>
@@ -2176,9 +2323,11 @@
       <p:sp>
         <p:nvSpPr>
           <p:cNvPr id="89" name="Google Shape;89;g33ea798d2bb_0_71:notes"/>
-          <p:cNvSpPr txBox="1"/>
+          <p:cNvSpPr txBox="1">
+            <a:spLocks noGrp="1"/>
+          </p:cNvSpPr>
           <p:nvPr>
-            <p:ph idx="1" type="body"/>
+            <p:ph type="body" idx="1"/>
           </p:nvPr>
         </p:nvSpPr>
         <p:spPr>
@@ -2191,12 +2340,12 @@
           </a:prstGeom>
         </p:spPr>
         <p:txBody>
-          <a:bodyPr anchorCtr="0" anchor="t" bIns="91425" lIns="91425" spcFirstLastPara="1" rIns="91425" wrap="square" tIns="91425">
+          <a:bodyPr spcFirstLastPara="1" wrap="square" lIns="91425" tIns="91425" rIns="91425" bIns="91425" anchor="t" anchorCtr="0">
             <a:noAutofit/>
           </a:bodyPr>
           <a:lstStyle/>
           <a:p>
-            <a:pPr indent="0" lvl="0" marL="0" rtl="0" algn="l">
+            <a:pPr marL="0" lvl="0" indent="0" algn="l" rtl="0">
               <a:spcBef>
                 <a:spcPts val="0"/>
               </a:spcBef>
@@ -2205,9 +2354,6 @@
               </a:spcAft>
               <a:buNone/>
             </a:pPr>
-            <a:r>
-              <a:t/>
-            </a:r>
             <a:endParaRPr/>
           </a:p>
         </p:txBody>
@@ -2221,11 +2367,11 @@
 </file>
 
 <file path=ppt/notesSlides/notesSlide8.xml><?xml version="1.0" encoding="utf-8"?>
-<p:notes xmlns:a="http://schemas.openxmlformats.org/drawingml/2006/main" xmlns:r="http://schemas.openxmlformats.org/officeDocument/2006/relationships" xmlns:mc="http://schemas.openxmlformats.org/markup-compatibility/2006" xmlns:mv="urn:schemas-microsoft-com:mac:vml" xmlns:p="http://schemas.openxmlformats.org/presentationml/2006/main" xmlns:c="http://schemas.openxmlformats.org/drawingml/2006/chart" xmlns:dgm="http://schemas.openxmlformats.org/drawingml/2006/diagram" xmlns:o="urn:schemas-microsoft-com:office:office" xmlns:v="urn:schemas-microsoft-com:vml" xmlns:pvml="urn:schemas-microsoft-com:office:powerpoint" xmlns:com="http://schemas.openxmlformats.org/drawingml/2006/compatibility" xmlns:p14="http://schemas.microsoft.com/office/powerpoint/2010/main" xmlns:p15="http://schemas.microsoft.com/office/powerpoint/2012/main" xmlns:ahyp="http://schemas.microsoft.com/office/drawing/2018/hyperlinkcolor" showMasterPhAnim="0" showMasterSp="0">
+<p:notes xmlns:a="http://schemas.openxmlformats.org/drawingml/2006/main" xmlns:r="http://schemas.openxmlformats.org/officeDocument/2006/relationships" xmlns:p="http://schemas.openxmlformats.org/presentationml/2006/main" showMasterSp="0" showMasterPhAnim="0">
   <p:cSld>
     <p:spTree>
       <p:nvGrpSpPr>
-        <p:cNvPr id="94" name="Shape 94"/>
+        <p:cNvPr id="1" name="Shape 94"/>
         <p:cNvGrpSpPr/>
         <p:nvPr/>
       </p:nvGrpSpPr>
@@ -2240,9 +2386,11 @@
       <p:sp>
         <p:nvSpPr>
           <p:cNvPr id="95" name="Google Shape;95;g33ea798d2bb_0_77:notes"/>
-          <p:cNvSpPr/>
+          <p:cNvSpPr>
+            <a:spLocks noGrp="1" noRot="1" noChangeAspect="1"/>
+          </p:cNvSpPr>
           <p:nvPr>
-            <p:ph idx="2" type="sldImg"/>
+            <p:ph type="sldImg" idx="2"/>
           </p:nvPr>
         </p:nvSpPr>
         <p:spPr>
@@ -2251,9 +2399,13 @@
             <a:ext cx="6096000" cy="3429000"/>
           </a:xfrm>
           <a:custGeom>
-            <a:rect b="b" l="l" r="r" t="t"/>
+            <a:avLst/>
+            <a:gdLst/>
+            <a:ahLst/>
+            <a:cxnLst/>
+            <a:rect l="l" t="t" r="r" b="b"/>
             <a:pathLst>
-              <a:path extrusionOk="0" h="120000" w="120000">
+              <a:path w="120000" h="120000" extrusionOk="0">
                 <a:moveTo>
                   <a:pt x="0" y="0"/>
                 </a:moveTo>
@@ -2275,9 +2427,11 @@
       <p:sp>
         <p:nvSpPr>
           <p:cNvPr id="96" name="Google Shape;96;g33ea798d2bb_0_77:notes"/>
-          <p:cNvSpPr txBox="1"/>
+          <p:cNvSpPr txBox="1">
+            <a:spLocks noGrp="1"/>
+          </p:cNvSpPr>
           <p:nvPr>
-            <p:ph idx="1" type="body"/>
+            <p:ph type="body" idx="1"/>
           </p:nvPr>
         </p:nvSpPr>
         <p:spPr>
@@ -2290,12 +2444,12 @@
           </a:prstGeom>
         </p:spPr>
         <p:txBody>
-          <a:bodyPr anchorCtr="0" anchor="t" bIns="91425" lIns="91425" spcFirstLastPara="1" rIns="91425" wrap="square" tIns="91425">
+          <a:bodyPr spcFirstLastPara="1" wrap="square" lIns="91425" tIns="91425" rIns="91425" bIns="91425" anchor="t" anchorCtr="0">
             <a:noAutofit/>
           </a:bodyPr>
           <a:lstStyle/>
           <a:p>
-            <a:pPr indent="0" lvl="0" marL="0" rtl="0" algn="l">
+            <a:pPr marL="0" lvl="0" indent="0" algn="l" rtl="0">
               <a:spcBef>
                 <a:spcPts val="0"/>
               </a:spcBef>
@@ -2321,11 +2475,11 @@
 </file>
 
 <file path=ppt/notesSlides/notesSlide9.xml><?xml version="1.0" encoding="utf-8"?>
-<p:notes xmlns:a="http://schemas.openxmlformats.org/drawingml/2006/main" xmlns:r="http://schemas.openxmlformats.org/officeDocument/2006/relationships" xmlns:mc="http://schemas.openxmlformats.org/markup-compatibility/2006" xmlns:mv="urn:schemas-microsoft-com:mac:vml" xmlns:p="http://schemas.openxmlformats.org/presentationml/2006/main" xmlns:c="http://schemas.openxmlformats.org/drawingml/2006/chart" xmlns:dgm="http://schemas.openxmlformats.org/drawingml/2006/diagram" xmlns:o="urn:schemas-microsoft-com:office:office" xmlns:v="urn:schemas-microsoft-com:vml" xmlns:pvml="urn:schemas-microsoft-com:office:powerpoint" xmlns:com="http://schemas.openxmlformats.org/drawingml/2006/compatibility" xmlns:p14="http://schemas.microsoft.com/office/powerpoint/2010/main" xmlns:p15="http://schemas.microsoft.com/office/powerpoint/2012/main" xmlns:ahyp="http://schemas.microsoft.com/office/drawing/2018/hyperlinkcolor" showMasterPhAnim="0" showMasterSp="0">
+<p:notes xmlns:a="http://schemas.openxmlformats.org/drawingml/2006/main" xmlns:r="http://schemas.openxmlformats.org/officeDocument/2006/relationships" xmlns:p="http://schemas.openxmlformats.org/presentationml/2006/main" showMasterSp="0" showMasterPhAnim="0">
   <p:cSld>
     <p:spTree>
       <p:nvGrpSpPr>
-        <p:cNvPr id="101" name="Shape 101"/>
+        <p:cNvPr id="1" name="Shape 101"/>
         <p:cNvGrpSpPr/>
         <p:nvPr/>
       </p:nvGrpSpPr>
@@ -2340,20 +2494,26 @@
       <p:sp>
         <p:nvSpPr>
           <p:cNvPr id="102" name="Google Shape;102;g33ea798d2bb_0_83:notes"/>
-          <p:cNvSpPr/>
+          <p:cNvSpPr>
+            <a:spLocks noGrp="1" noRot="1" noChangeAspect="1"/>
+          </p:cNvSpPr>
           <p:nvPr>
-            <p:ph idx="2" type="sldImg"/>
+            <p:ph type="sldImg" idx="2"/>
           </p:nvPr>
         </p:nvSpPr>
         <p:spPr>
           <a:xfrm>
-            <a:off x="381300" y="685800"/>
+            <a:off x="381000" y="685800"/>
             <a:ext cx="6096000" cy="3429000"/>
           </a:xfrm>
           <a:custGeom>
-            <a:rect b="b" l="l" r="r" t="t"/>
+            <a:avLst/>
+            <a:gdLst/>
+            <a:ahLst/>
+            <a:cxnLst/>
+            <a:rect l="l" t="t" r="r" b="b"/>
             <a:pathLst>
-              <a:path extrusionOk="0" h="120000" w="120000">
+              <a:path w="120000" h="120000" extrusionOk="0">
                 <a:moveTo>
                   <a:pt x="0" y="0"/>
                 </a:moveTo>
@@ -2375,9 +2535,11 @@
       <p:sp>
         <p:nvSpPr>
           <p:cNvPr id="103" name="Google Shape;103;g33ea798d2bb_0_83:notes"/>
-          <p:cNvSpPr txBox="1"/>
+          <p:cNvSpPr txBox="1">
+            <a:spLocks noGrp="1"/>
+          </p:cNvSpPr>
           <p:nvPr>
-            <p:ph idx="1" type="body"/>
+            <p:ph type="body" idx="1"/>
           </p:nvPr>
         </p:nvSpPr>
         <p:spPr>
@@ -2390,12 +2552,12 @@
           </a:prstGeom>
         </p:spPr>
         <p:txBody>
-          <a:bodyPr anchorCtr="0" anchor="t" bIns="91425" lIns="91425" spcFirstLastPara="1" rIns="91425" wrap="square" tIns="91425">
+          <a:bodyPr spcFirstLastPara="1" wrap="square" lIns="91425" tIns="91425" rIns="91425" bIns="91425" anchor="t" anchorCtr="0">
             <a:noAutofit/>
           </a:bodyPr>
           <a:lstStyle/>
           <a:p>
-            <a:pPr indent="0" lvl="0" marL="0" rtl="0" algn="l">
+            <a:pPr marL="0" lvl="0" indent="0" algn="l" rtl="0">
               <a:spcBef>
                 <a:spcPts val="0"/>
               </a:spcBef>
@@ -2421,11 +2583,11 @@
 </file>
 
 <file path=ppt/slideLayouts/slideLayout1.xml><?xml version="1.0" encoding="utf-8"?>
-<p:sldLayout xmlns:a="http://schemas.openxmlformats.org/drawingml/2006/main" xmlns:r="http://schemas.openxmlformats.org/officeDocument/2006/relationships" xmlns:mc="http://schemas.openxmlformats.org/markup-compatibility/2006" xmlns:mv="urn:schemas-microsoft-com:mac:vml" xmlns:p="http://schemas.openxmlformats.org/presentationml/2006/main" xmlns:c="http://schemas.openxmlformats.org/drawingml/2006/chart" xmlns:dgm="http://schemas.openxmlformats.org/drawingml/2006/diagram" xmlns:o="urn:schemas-microsoft-com:office:office" xmlns:v="urn:schemas-microsoft-com:vml" xmlns:pvml="urn:schemas-microsoft-com:office:powerpoint" xmlns:com="http://schemas.openxmlformats.org/drawingml/2006/compatibility" xmlns:p14="http://schemas.microsoft.com/office/powerpoint/2010/main" xmlns:p15="http://schemas.microsoft.com/office/powerpoint/2012/main" xmlns:ahyp="http://schemas.microsoft.com/office/drawing/2018/hyperlinkcolor" matchingName="Title slide" type="title">
+<p:sldLayout xmlns:a="http://schemas.openxmlformats.org/drawingml/2006/main" xmlns:r="http://schemas.openxmlformats.org/officeDocument/2006/relationships" xmlns:p="http://schemas.openxmlformats.org/presentationml/2006/main" matchingName="Title slide" type="title">
   <p:cSld name="TITLE">
     <p:spTree>
       <p:nvGrpSpPr>
-        <p:cNvPr id="9" name="Shape 9"/>
+        <p:cNvPr id="1" name="Shape 9"/>
         <p:cNvGrpSpPr/>
         <p:nvPr/>
       </p:nvGrpSpPr>
@@ -2440,7 +2602,9 @@
       <p:sp>
         <p:nvSpPr>
           <p:cNvPr id="10" name="Google Shape;10;p2"/>
-          <p:cNvSpPr txBox="1"/>
+          <p:cNvSpPr txBox="1">
+            <a:spLocks noGrp="1"/>
+          </p:cNvSpPr>
           <p:nvPr>
             <p:ph type="ctrTitle"/>
           </p:nvPr>
@@ -2455,7 +2619,7 @@
           </a:prstGeom>
         </p:spPr>
         <p:txBody>
-          <a:bodyPr anchorCtr="0" anchor="b" bIns="91425" lIns="91425" spcFirstLastPara="1" rIns="91425" wrap="square" tIns="91425">
+          <a:bodyPr spcFirstLastPara="1" wrap="square" lIns="91425" tIns="91425" rIns="91425" bIns="91425" anchor="b" anchorCtr="0">
             <a:normAutofit/>
           </a:bodyPr>
           <a:lstStyle>
@@ -2559,15 +2723,19 @@
               <a:defRPr sz="5200"/>
             </a:lvl9pPr>
           </a:lstStyle>
-          <a:p/>
+          <a:p>
+            <a:endParaRPr/>
+          </a:p>
         </p:txBody>
       </p:sp>
       <p:sp>
         <p:nvSpPr>
           <p:cNvPr id="11" name="Google Shape;11;p2"/>
-          <p:cNvSpPr txBox="1"/>
+          <p:cNvSpPr txBox="1">
+            <a:spLocks noGrp="1"/>
+          </p:cNvSpPr>
           <p:nvPr>
-            <p:ph idx="1" type="subTitle"/>
+            <p:ph type="subTitle" idx="1"/>
           </p:nvPr>
         </p:nvSpPr>
         <p:spPr>
@@ -2580,7 +2748,7 @@
           </a:prstGeom>
         </p:spPr>
         <p:txBody>
-          <a:bodyPr anchorCtr="0" anchor="t" bIns="91425" lIns="91425" spcFirstLastPara="1" rIns="91425" wrap="square" tIns="91425">
+          <a:bodyPr spcFirstLastPara="1" wrap="square" lIns="91425" tIns="91425" rIns="91425" bIns="91425" anchor="t" anchorCtr="0">
             <a:normAutofit/>
           </a:bodyPr>
           <a:lstStyle>
@@ -2711,15 +2879,19 @@
               <a:defRPr sz="2800"/>
             </a:lvl9pPr>
           </a:lstStyle>
-          <a:p/>
+          <a:p>
+            <a:endParaRPr/>
+          </a:p>
         </p:txBody>
       </p:sp>
       <p:sp>
         <p:nvSpPr>
           <p:cNvPr id="12" name="Google Shape;12;p2"/>
-          <p:cNvSpPr txBox="1"/>
+          <p:cNvSpPr txBox="1">
+            <a:spLocks noGrp="1"/>
+          </p:cNvSpPr>
           <p:nvPr>
-            <p:ph idx="12" type="sldNum"/>
+            <p:ph type="sldNum" idx="12"/>
           </p:nvPr>
         </p:nvSpPr>
         <p:spPr>
@@ -2732,7 +2904,7 @@
           </a:prstGeom>
         </p:spPr>
         <p:txBody>
-          <a:bodyPr anchorCtr="0" anchor="ctr" bIns="91425" lIns="91425" spcFirstLastPara="1" rIns="91425" wrap="square" tIns="91425">
+          <a:bodyPr spcFirstLastPara="1" wrap="square" lIns="91425" tIns="91425" rIns="91425" bIns="91425" anchor="ctr" anchorCtr="0">
             <a:normAutofit/>
           </a:bodyPr>
           <a:lstStyle>
@@ -2774,7 +2946,7 @@
             </a:lvl9pPr>
           </a:lstStyle>
           <a:p>
-            <a:pPr indent="0" lvl="0" marL="0" rtl="0" algn="r">
+            <a:pPr marL="0" lvl="0" indent="0" algn="r" rtl="0">
               <a:spcBef>
                 <a:spcPts val="0"/>
               </a:spcBef>
@@ -2800,11 +2972,11 @@
 </file>
 
 <file path=ppt/slideLayouts/slideLayout10.xml><?xml version="1.0" encoding="utf-8"?>
-<p:sldLayout xmlns:a="http://schemas.openxmlformats.org/drawingml/2006/main" xmlns:r="http://schemas.openxmlformats.org/officeDocument/2006/relationships" xmlns:mc="http://schemas.openxmlformats.org/markup-compatibility/2006" xmlns:mv="urn:schemas-microsoft-com:mac:vml" xmlns:p="http://schemas.openxmlformats.org/presentationml/2006/main" xmlns:c="http://schemas.openxmlformats.org/drawingml/2006/chart" xmlns:dgm="http://schemas.openxmlformats.org/drawingml/2006/diagram" xmlns:o="urn:schemas-microsoft-com:office:office" xmlns:v="urn:schemas-microsoft-com:vml" xmlns:pvml="urn:schemas-microsoft-com:office:powerpoint" xmlns:com="http://schemas.openxmlformats.org/drawingml/2006/compatibility" xmlns:p14="http://schemas.microsoft.com/office/powerpoint/2010/main" xmlns:p15="http://schemas.microsoft.com/office/powerpoint/2012/main" xmlns:ahyp="http://schemas.microsoft.com/office/drawing/2018/hyperlinkcolor" matchingName="Big number">
+<p:sldLayout xmlns:a="http://schemas.openxmlformats.org/drawingml/2006/main" xmlns:r="http://schemas.openxmlformats.org/officeDocument/2006/relationships" xmlns:p="http://schemas.openxmlformats.org/presentationml/2006/main" matchingName="Big number">
   <p:cSld name="BIG_NUMBER">
     <p:spTree>
       <p:nvGrpSpPr>
-        <p:cNvPr id="44" name="Shape 44"/>
+        <p:cNvPr id="1" name="Shape 44"/>
         <p:cNvGrpSpPr/>
         <p:nvPr/>
       </p:nvGrpSpPr>
@@ -2819,9 +2991,11 @@
       <p:sp>
         <p:nvSpPr>
           <p:cNvPr id="45" name="Google Shape;45;p11"/>
-          <p:cNvSpPr txBox="1"/>
+          <p:cNvSpPr txBox="1">
+            <a:spLocks noGrp="1"/>
+          </p:cNvSpPr>
           <p:nvPr>
-            <p:ph hasCustomPrompt="1" type="title"/>
+            <p:ph type="title" hasCustomPrompt="1"/>
           </p:nvPr>
         </p:nvSpPr>
         <p:spPr>
@@ -2834,7 +3008,7 @@
           </a:prstGeom>
         </p:spPr>
         <p:txBody>
-          <a:bodyPr anchorCtr="0" anchor="b" bIns="91425" lIns="91425" spcFirstLastPara="1" rIns="91425" wrap="square" tIns="91425">
+          <a:bodyPr spcFirstLastPara="1" wrap="square" lIns="91425" tIns="91425" rIns="91425" bIns="91425" anchor="b" anchorCtr="0">
             <a:normAutofit/>
           </a:bodyPr>
           <a:lstStyle>
@@ -2948,9 +3122,11 @@
       <p:sp>
         <p:nvSpPr>
           <p:cNvPr id="46" name="Google Shape;46;p11"/>
-          <p:cNvSpPr txBox="1"/>
+          <p:cNvSpPr txBox="1">
+            <a:spLocks noGrp="1"/>
+          </p:cNvSpPr>
           <p:nvPr>
-            <p:ph idx="1" type="body"/>
+            <p:ph type="body" idx="1"/>
           </p:nvPr>
         </p:nvSpPr>
         <p:spPr>
@@ -2963,11 +3139,11 @@
           </a:prstGeom>
         </p:spPr>
         <p:txBody>
-          <a:bodyPr anchorCtr="0" anchor="t" bIns="91425" lIns="91425" spcFirstLastPara="1" rIns="91425" wrap="square" tIns="91425">
+          <a:bodyPr spcFirstLastPara="1" wrap="square" lIns="91425" tIns="91425" rIns="91425" bIns="91425" anchor="t" anchorCtr="0">
             <a:normAutofit/>
           </a:bodyPr>
           <a:lstStyle>
-            <a:lvl1pPr indent="-342900" lvl="0" marL="457200" algn="ctr">
+            <a:lvl1pPr marL="457200" lvl="0" indent="-342900" algn="ctr">
               <a:spcBef>
                 <a:spcPts val="0"/>
               </a:spcBef>
@@ -2978,7 +3154,7 @@
               <a:buChar char="●"/>
               <a:defRPr/>
             </a:lvl1pPr>
-            <a:lvl2pPr indent="-317500" lvl="1" marL="914400" algn="ctr">
+            <a:lvl2pPr marL="914400" lvl="1" indent="-317500" algn="ctr">
               <a:spcBef>
                 <a:spcPts val="0"/>
               </a:spcBef>
@@ -2989,7 +3165,7 @@
               <a:buChar char="○"/>
               <a:defRPr/>
             </a:lvl2pPr>
-            <a:lvl3pPr indent="-317500" lvl="2" marL="1371600" algn="ctr">
+            <a:lvl3pPr marL="1371600" lvl="2" indent="-317500" algn="ctr">
               <a:spcBef>
                 <a:spcPts val="0"/>
               </a:spcBef>
@@ -3000,7 +3176,7 @@
               <a:buChar char="■"/>
               <a:defRPr/>
             </a:lvl3pPr>
-            <a:lvl4pPr indent="-317500" lvl="3" marL="1828800" algn="ctr">
+            <a:lvl4pPr marL="1828800" lvl="3" indent="-317500" algn="ctr">
               <a:spcBef>
                 <a:spcPts val="0"/>
               </a:spcBef>
@@ -3011,7 +3187,7 @@
               <a:buChar char="●"/>
               <a:defRPr/>
             </a:lvl4pPr>
-            <a:lvl5pPr indent="-317500" lvl="4" marL="2286000" algn="ctr">
+            <a:lvl5pPr marL="2286000" lvl="4" indent="-317500" algn="ctr">
               <a:spcBef>
                 <a:spcPts val="0"/>
               </a:spcBef>
@@ -3022,7 +3198,7 @@
               <a:buChar char="○"/>
               <a:defRPr/>
             </a:lvl5pPr>
-            <a:lvl6pPr indent="-317500" lvl="5" marL="2743200" algn="ctr">
+            <a:lvl6pPr marL="2743200" lvl="5" indent="-317500" algn="ctr">
               <a:spcBef>
                 <a:spcPts val="0"/>
               </a:spcBef>
@@ -3033,7 +3209,7 @@
               <a:buChar char="■"/>
               <a:defRPr/>
             </a:lvl6pPr>
-            <a:lvl7pPr indent="-317500" lvl="6" marL="3200400" algn="ctr">
+            <a:lvl7pPr marL="3200400" lvl="6" indent="-317500" algn="ctr">
               <a:spcBef>
                 <a:spcPts val="0"/>
               </a:spcBef>
@@ -3044,7 +3220,7 @@
               <a:buChar char="●"/>
               <a:defRPr/>
             </a:lvl7pPr>
-            <a:lvl8pPr indent="-317500" lvl="7" marL="3657600" algn="ctr">
+            <a:lvl8pPr marL="3657600" lvl="7" indent="-317500" algn="ctr">
               <a:spcBef>
                 <a:spcPts val="0"/>
               </a:spcBef>
@@ -3055,7 +3231,7 @@
               <a:buChar char="○"/>
               <a:defRPr/>
             </a:lvl8pPr>
-            <a:lvl9pPr indent="-317500" lvl="8" marL="4114800" algn="ctr">
+            <a:lvl9pPr marL="4114800" lvl="8" indent="-317500" algn="ctr">
               <a:spcBef>
                 <a:spcPts val="0"/>
               </a:spcBef>
@@ -3067,15 +3243,19 @@
               <a:defRPr/>
             </a:lvl9pPr>
           </a:lstStyle>
-          <a:p/>
+          <a:p>
+            <a:endParaRPr/>
+          </a:p>
         </p:txBody>
       </p:sp>
       <p:sp>
         <p:nvSpPr>
           <p:cNvPr id="47" name="Google Shape;47;p11"/>
-          <p:cNvSpPr txBox="1"/>
+          <p:cNvSpPr txBox="1">
+            <a:spLocks noGrp="1"/>
+          </p:cNvSpPr>
           <p:nvPr>
-            <p:ph idx="12" type="sldNum"/>
+            <p:ph type="sldNum" idx="12"/>
           </p:nvPr>
         </p:nvSpPr>
         <p:spPr>
@@ -3088,7 +3268,7 @@
           </a:prstGeom>
         </p:spPr>
         <p:txBody>
-          <a:bodyPr anchorCtr="0" anchor="ctr" bIns="91425" lIns="91425" spcFirstLastPara="1" rIns="91425" wrap="square" tIns="91425">
+          <a:bodyPr spcFirstLastPara="1" wrap="square" lIns="91425" tIns="91425" rIns="91425" bIns="91425" anchor="ctr" anchorCtr="0">
             <a:normAutofit/>
           </a:bodyPr>
           <a:lstStyle>
@@ -3130,7 +3310,7 @@
             </a:lvl9pPr>
           </a:lstStyle>
           <a:p>
-            <a:pPr indent="0" lvl="0" marL="0" rtl="0" algn="r">
+            <a:pPr marL="0" lvl="0" indent="0" algn="r" rtl="0">
               <a:spcBef>
                 <a:spcPts val="0"/>
               </a:spcBef>
@@ -3156,11 +3336,11 @@
 </file>
 
 <file path=ppt/slideLayouts/slideLayout11.xml><?xml version="1.0" encoding="utf-8"?>
-<p:sldLayout xmlns:a="http://schemas.openxmlformats.org/drawingml/2006/main" xmlns:r="http://schemas.openxmlformats.org/officeDocument/2006/relationships" xmlns:mc="http://schemas.openxmlformats.org/markup-compatibility/2006" xmlns:mv="urn:schemas-microsoft-com:mac:vml" xmlns:p="http://schemas.openxmlformats.org/presentationml/2006/main" xmlns:c="http://schemas.openxmlformats.org/drawingml/2006/chart" xmlns:dgm="http://schemas.openxmlformats.org/drawingml/2006/diagram" xmlns:o="urn:schemas-microsoft-com:office:office" xmlns:v="urn:schemas-microsoft-com:vml" xmlns:pvml="urn:schemas-microsoft-com:office:powerpoint" xmlns:com="http://schemas.openxmlformats.org/drawingml/2006/compatibility" xmlns:p14="http://schemas.microsoft.com/office/powerpoint/2010/main" xmlns:p15="http://schemas.microsoft.com/office/powerpoint/2012/main" xmlns:ahyp="http://schemas.microsoft.com/office/drawing/2018/hyperlinkcolor" matchingName="Blank" type="blank">
+<p:sldLayout xmlns:a="http://schemas.openxmlformats.org/drawingml/2006/main" xmlns:r="http://schemas.openxmlformats.org/officeDocument/2006/relationships" xmlns:p="http://schemas.openxmlformats.org/presentationml/2006/main" matchingName="Blank" type="blank">
   <p:cSld name="BLANK">
     <p:spTree>
       <p:nvGrpSpPr>
-        <p:cNvPr id="48" name="Shape 48"/>
+        <p:cNvPr id="1" name="Shape 48"/>
         <p:cNvGrpSpPr/>
         <p:nvPr/>
       </p:nvGrpSpPr>
@@ -3175,9 +3355,11 @@
       <p:sp>
         <p:nvSpPr>
           <p:cNvPr id="49" name="Google Shape;49;p12"/>
-          <p:cNvSpPr txBox="1"/>
+          <p:cNvSpPr txBox="1">
+            <a:spLocks noGrp="1"/>
+          </p:cNvSpPr>
           <p:nvPr>
-            <p:ph idx="12" type="sldNum"/>
+            <p:ph type="sldNum" idx="12"/>
           </p:nvPr>
         </p:nvSpPr>
         <p:spPr>
@@ -3190,7 +3372,7 @@
           </a:prstGeom>
         </p:spPr>
         <p:txBody>
-          <a:bodyPr anchorCtr="0" anchor="ctr" bIns="91425" lIns="91425" spcFirstLastPara="1" rIns="91425" wrap="square" tIns="91425">
+          <a:bodyPr spcFirstLastPara="1" wrap="square" lIns="91425" tIns="91425" rIns="91425" bIns="91425" anchor="ctr" anchorCtr="0">
             <a:normAutofit/>
           </a:bodyPr>
           <a:lstStyle>
@@ -3232,7 +3414,7 @@
             </a:lvl9pPr>
           </a:lstStyle>
           <a:p>
-            <a:pPr indent="0" lvl="0" marL="0" rtl="0" algn="r">
+            <a:pPr marL="0" lvl="0" indent="0" algn="r" rtl="0">
               <a:spcBef>
                 <a:spcPts val="0"/>
               </a:spcBef>
@@ -3258,11 +3440,11 @@
 </file>
 
 <file path=ppt/slideLayouts/slideLayout2.xml><?xml version="1.0" encoding="utf-8"?>
-<p:sldLayout xmlns:a="http://schemas.openxmlformats.org/drawingml/2006/main" xmlns:r="http://schemas.openxmlformats.org/officeDocument/2006/relationships" xmlns:mc="http://schemas.openxmlformats.org/markup-compatibility/2006" xmlns:mv="urn:schemas-microsoft-com:mac:vml" xmlns:p="http://schemas.openxmlformats.org/presentationml/2006/main" xmlns:c="http://schemas.openxmlformats.org/drawingml/2006/chart" xmlns:dgm="http://schemas.openxmlformats.org/drawingml/2006/diagram" xmlns:o="urn:schemas-microsoft-com:office:office" xmlns:v="urn:schemas-microsoft-com:vml" xmlns:pvml="urn:schemas-microsoft-com:office:powerpoint" xmlns:com="http://schemas.openxmlformats.org/drawingml/2006/compatibility" xmlns:p14="http://schemas.microsoft.com/office/powerpoint/2010/main" xmlns:p15="http://schemas.microsoft.com/office/powerpoint/2012/main" xmlns:ahyp="http://schemas.microsoft.com/office/drawing/2018/hyperlinkcolor" matchingName="Section header" type="secHead">
+<p:sldLayout xmlns:a="http://schemas.openxmlformats.org/drawingml/2006/main" xmlns:r="http://schemas.openxmlformats.org/officeDocument/2006/relationships" xmlns:p="http://schemas.openxmlformats.org/presentationml/2006/main" matchingName="Section header" type="secHead">
   <p:cSld name="SECTION_HEADER">
     <p:spTree>
       <p:nvGrpSpPr>
-        <p:cNvPr id="13" name="Shape 13"/>
+        <p:cNvPr id="1" name="Shape 13"/>
         <p:cNvGrpSpPr/>
         <p:nvPr/>
       </p:nvGrpSpPr>
@@ -3277,7 +3459,9 @@
       <p:sp>
         <p:nvSpPr>
           <p:cNvPr id="14" name="Google Shape;14;p3"/>
-          <p:cNvSpPr txBox="1"/>
+          <p:cNvSpPr txBox="1">
+            <a:spLocks noGrp="1"/>
+          </p:cNvSpPr>
           <p:nvPr>
             <p:ph type="title"/>
           </p:nvPr>
@@ -3292,7 +3476,7 @@
           </a:prstGeom>
         </p:spPr>
         <p:txBody>
-          <a:bodyPr anchorCtr="0" anchor="ctr" bIns="91425" lIns="91425" spcFirstLastPara="1" rIns="91425" wrap="square" tIns="91425">
+          <a:bodyPr spcFirstLastPara="1" wrap="square" lIns="91425" tIns="91425" rIns="91425" bIns="91425" anchor="ctr" anchorCtr="0">
             <a:normAutofit/>
           </a:bodyPr>
           <a:lstStyle>
@@ -3396,15 +3580,19 @@
               <a:defRPr sz="3600"/>
             </a:lvl9pPr>
           </a:lstStyle>
-          <a:p/>
+          <a:p>
+            <a:endParaRPr/>
+          </a:p>
         </p:txBody>
       </p:sp>
       <p:sp>
         <p:nvSpPr>
           <p:cNvPr id="15" name="Google Shape;15;p3"/>
-          <p:cNvSpPr txBox="1"/>
+          <p:cNvSpPr txBox="1">
+            <a:spLocks noGrp="1"/>
+          </p:cNvSpPr>
           <p:nvPr>
-            <p:ph idx="12" type="sldNum"/>
+            <p:ph type="sldNum" idx="12"/>
           </p:nvPr>
         </p:nvSpPr>
         <p:spPr>
@@ -3417,7 +3605,7 @@
           </a:prstGeom>
         </p:spPr>
         <p:txBody>
-          <a:bodyPr anchorCtr="0" anchor="ctr" bIns="91425" lIns="91425" spcFirstLastPara="1" rIns="91425" wrap="square" tIns="91425">
+          <a:bodyPr spcFirstLastPara="1" wrap="square" lIns="91425" tIns="91425" rIns="91425" bIns="91425" anchor="ctr" anchorCtr="0">
             <a:normAutofit/>
           </a:bodyPr>
           <a:lstStyle>
@@ -3459,7 +3647,7 @@
             </a:lvl9pPr>
           </a:lstStyle>
           <a:p>
-            <a:pPr indent="0" lvl="0" marL="0" rtl="0" algn="r">
+            <a:pPr marL="0" lvl="0" indent="0" algn="r" rtl="0">
               <a:spcBef>
                 <a:spcPts val="0"/>
               </a:spcBef>
@@ -3485,11 +3673,11 @@
 </file>
 
 <file path=ppt/slideLayouts/slideLayout3.xml><?xml version="1.0" encoding="utf-8"?>
-<p:sldLayout xmlns:a="http://schemas.openxmlformats.org/drawingml/2006/main" xmlns:r="http://schemas.openxmlformats.org/officeDocument/2006/relationships" xmlns:mc="http://schemas.openxmlformats.org/markup-compatibility/2006" xmlns:mv="urn:schemas-microsoft-com:mac:vml" xmlns:p="http://schemas.openxmlformats.org/presentationml/2006/main" xmlns:c="http://schemas.openxmlformats.org/drawingml/2006/chart" xmlns:dgm="http://schemas.openxmlformats.org/drawingml/2006/diagram" xmlns:o="urn:schemas-microsoft-com:office:office" xmlns:v="urn:schemas-microsoft-com:vml" xmlns:pvml="urn:schemas-microsoft-com:office:powerpoint" xmlns:com="http://schemas.openxmlformats.org/drawingml/2006/compatibility" xmlns:p14="http://schemas.microsoft.com/office/powerpoint/2010/main" xmlns:p15="http://schemas.microsoft.com/office/powerpoint/2012/main" xmlns:ahyp="http://schemas.microsoft.com/office/drawing/2018/hyperlinkcolor" matchingName="Title and body" type="tx">
+<p:sldLayout xmlns:a="http://schemas.openxmlformats.org/drawingml/2006/main" xmlns:r="http://schemas.openxmlformats.org/officeDocument/2006/relationships" xmlns:p="http://schemas.openxmlformats.org/presentationml/2006/main" matchingName="Title and body" type="tx">
   <p:cSld name="TITLE_AND_BODY">
     <p:spTree>
       <p:nvGrpSpPr>
-        <p:cNvPr id="16" name="Shape 16"/>
+        <p:cNvPr id="1" name="Shape 16"/>
         <p:cNvGrpSpPr/>
         <p:nvPr/>
       </p:nvGrpSpPr>
@@ -3504,7 +3692,9 @@
       <p:sp>
         <p:nvSpPr>
           <p:cNvPr id="17" name="Google Shape;17;p4"/>
-          <p:cNvSpPr txBox="1"/>
+          <p:cNvSpPr txBox="1">
+            <a:spLocks noGrp="1"/>
+          </p:cNvSpPr>
           <p:nvPr>
             <p:ph type="title"/>
           </p:nvPr>
@@ -3519,7 +3709,7 @@
           </a:prstGeom>
         </p:spPr>
         <p:txBody>
-          <a:bodyPr anchorCtr="0" anchor="t" bIns="91425" lIns="91425" spcFirstLastPara="1" rIns="91425" wrap="square" tIns="91425">
+          <a:bodyPr spcFirstLastPara="1" wrap="square" lIns="91425" tIns="91425" rIns="91425" bIns="91425" anchor="t" anchorCtr="0">
             <a:normAutofit/>
           </a:bodyPr>
           <a:lstStyle>
@@ -3623,15 +3813,19 @@
               <a:defRPr/>
             </a:lvl9pPr>
           </a:lstStyle>
-          <a:p/>
+          <a:p>
+            <a:endParaRPr/>
+          </a:p>
         </p:txBody>
       </p:sp>
       <p:sp>
         <p:nvSpPr>
           <p:cNvPr id="18" name="Google Shape;18;p4"/>
-          <p:cNvSpPr txBox="1"/>
+          <p:cNvSpPr txBox="1">
+            <a:spLocks noGrp="1"/>
+          </p:cNvSpPr>
           <p:nvPr>
-            <p:ph idx="1" type="body"/>
+            <p:ph type="body" idx="1"/>
           </p:nvPr>
         </p:nvSpPr>
         <p:spPr>
@@ -3644,11 +3838,11 @@
           </a:prstGeom>
         </p:spPr>
         <p:txBody>
-          <a:bodyPr anchorCtr="0" anchor="t" bIns="91425" lIns="91425" spcFirstLastPara="1" rIns="91425" wrap="square" tIns="91425">
+          <a:bodyPr spcFirstLastPara="1" wrap="square" lIns="91425" tIns="91425" rIns="91425" bIns="91425" anchor="t" anchorCtr="0">
             <a:normAutofit/>
           </a:bodyPr>
           <a:lstStyle>
-            <a:lvl1pPr indent="-342900" lvl="0" marL="457200">
+            <a:lvl1pPr marL="457200" lvl="0" indent="-342900">
               <a:spcBef>
                 <a:spcPts val="0"/>
               </a:spcBef>
@@ -3659,7 +3853,7 @@
               <a:buChar char="●"/>
               <a:defRPr/>
             </a:lvl1pPr>
-            <a:lvl2pPr indent="-317500" lvl="1" marL="914400">
+            <a:lvl2pPr marL="914400" lvl="1" indent="-317500">
               <a:spcBef>
                 <a:spcPts val="0"/>
               </a:spcBef>
@@ -3670,7 +3864,7 @@
               <a:buChar char="○"/>
               <a:defRPr/>
             </a:lvl2pPr>
-            <a:lvl3pPr indent="-317500" lvl="2" marL="1371600">
+            <a:lvl3pPr marL="1371600" lvl="2" indent="-317500">
               <a:spcBef>
                 <a:spcPts val="0"/>
               </a:spcBef>
@@ -3681,7 +3875,7 @@
               <a:buChar char="■"/>
               <a:defRPr/>
             </a:lvl3pPr>
-            <a:lvl4pPr indent="-317500" lvl="3" marL="1828800">
+            <a:lvl4pPr marL="1828800" lvl="3" indent="-317500">
               <a:spcBef>
                 <a:spcPts val="0"/>
               </a:spcBef>
@@ -3692,7 +3886,7 @@
               <a:buChar char="●"/>
               <a:defRPr/>
             </a:lvl4pPr>
-            <a:lvl5pPr indent="-317500" lvl="4" marL="2286000">
+            <a:lvl5pPr marL="2286000" lvl="4" indent="-317500">
               <a:spcBef>
                 <a:spcPts val="0"/>
               </a:spcBef>
@@ -3703,7 +3897,7 @@
               <a:buChar char="○"/>
               <a:defRPr/>
             </a:lvl5pPr>
-            <a:lvl6pPr indent="-317500" lvl="5" marL="2743200">
+            <a:lvl6pPr marL="2743200" lvl="5" indent="-317500">
               <a:spcBef>
                 <a:spcPts val="0"/>
               </a:spcBef>
@@ -3714,7 +3908,7 @@
               <a:buChar char="■"/>
               <a:defRPr/>
             </a:lvl6pPr>
-            <a:lvl7pPr indent="-317500" lvl="6" marL="3200400">
+            <a:lvl7pPr marL="3200400" lvl="6" indent="-317500">
               <a:spcBef>
                 <a:spcPts val="0"/>
               </a:spcBef>
@@ -3725,7 +3919,7 @@
               <a:buChar char="●"/>
               <a:defRPr/>
             </a:lvl7pPr>
-            <a:lvl8pPr indent="-317500" lvl="7" marL="3657600">
+            <a:lvl8pPr marL="3657600" lvl="7" indent="-317500">
               <a:spcBef>
                 <a:spcPts val="0"/>
               </a:spcBef>
@@ -3736,7 +3930,7 @@
               <a:buChar char="○"/>
               <a:defRPr/>
             </a:lvl8pPr>
-            <a:lvl9pPr indent="-317500" lvl="8" marL="4114800">
+            <a:lvl9pPr marL="4114800" lvl="8" indent="-317500">
               <a:spcBef>
                 <a:spcPts val="0"/>
               </a:spcBef>
@@ -3748,15 +3942,19 @@
               <a:defRPr/>
             </a:lvl9pPr>
           </a:lstStyle>
-          <a:p/>
+          <a:p>
+            <a:endParaRPr/>
+          </a:p>
         </p:txBody>
       </p:sp>
       <p:sp>
         <p:nvSpPr>
           <p:cNvPr id="19" name="Google Shape;19;p4"/>
-          <p:cNvSpPr txBox="1"/>
+          <p:cNvSpPr txBox="1">
+            <a:spLocks noGrp="1"/>
+          </p:cNvSpPr>
           <p:nvPr>
-            <p:ph idx="12" type="sldNum"/>
+            <p:ph type="sldNum" idx="12"/>
           </p:nvPr>
         </p:nvSpPr>
         <p:spPr>
@@ -3769,7 +3967,7 @@
           </a:prstGeom>
         </p:spPr>
         <p:txBody>
-          <a:bodyPr anchorCtr="0" anchor="ctr" bIns="91425" lIns="91425" spcFirstLastPara="1" rIns="91425" wrap="square" tIns="91425">
+          <a:bodyPr spcFirstLastPara="1" wrap="square" lIns="91425" tIns="91425" rIns="91425" bIns="91425" anchor="ctr" anchorCtr="0">
             <a:normAutofit/>
           </a:bodyPr>
           <a:lstStyle>
@@ -3811,7 +4009,7 @@
             </a:lvl9pPr>
           </a:lstStyle>
           <a:p>
-            <a:pPr indent="0" lvl="0" marL="0" rtl="0" algn="r">
+            <a:pPr marL="0" lvl="0" indent="0" algn="r" rtl="0">
               <a:spcBef>
                 <a:spcPts val="0"/>
               </a:spcBef>
@@ -3837,11 +4035,11 @@
 </file>
 
 <file path=ppt/slideLayouts/slideLayout4.xml><?xml version="1.0" encoding="utf-8"?>
-<p:sldLayout xmlns:a="http://schemas.openxmlformats.org/drawingml/2006/main" xmlns:r="http://schemas.openxmlformats.org/officeDocument/2006/relationships" xmlns:mc="http://schemas.openxmlformats.org/markup-compatibility/2006" xmlns:mv="urn:schemas-microsoft-com:mac:vml" xmlns:p="http://schemas.openxmlformats.org/presentationml/2006/main" xmlns:c="http://schemas.openxmlformats.org/drawingml/2006/chart" xmlns:dgm="http://schemas.openxmlformats.org/drawingml/2006/diagram" xmlns:o="urn:schemas-microsoft-com:office:office" xmlns:v="urn:schemas-microsoft-com:vml" xmlns:pvml="urn:schemas-microsoft-com:office:powerpoint" xmlns:com="http://schemas.openxmlformats.org/drawingml/2006/compatibility" xmlns:p14="http://schemas.microsoft.com/office/powerpoint/2010/main" xmlns:p15="http://schemas.microsoft.com/office/powerpoint/2012/main" xmlns:ahyp="http://schemas.microsoft.com/office/drawing/2018/hyperlinkcolor" matchingName="Title and two columns" type="twoColTx">
+<p:sldLayout xmlns:a="http://schemas.openxmlformats.org/drawingml/2006/main" xmlns:r="http://schemas.openxmlformats.org/officeDocument/2006/relationships" xmlns:p="http://schemas.openxmlformats.org/presentationml/2006/main" matchingName="Title and two columns" type="twoColTx">
   <p:cSld name="TITLE_AND_TWO_COLUMNS">
     <p:spTree>
       <p:nvGrpSpPr>
-        <p:cNvPr id="20" name="Shape 20"/>
+        <p:cNvPr id="1" name="Shape 20"/>
         <p:cNvGrpSpPr/>
         <p:nvPr/>
       </p:nvGrpSpPr>
@@ -3856,7 +4054,9 @@
       <p:sp>
         <p:nvSpPr>
           <p:cNvPr id="21" name="Google Shape;21;p5"/>
-          <p:cNvSpPr txBox="1"/>
+          <p:cNvSpPr txBox="1">
+            <a:spLocks noGrp="1"/>
+          </p:cNvSpPr>
           <p:nvPr>
             <p:ph type="title"/>
           </p:nvPr>
@@ -3871,7 +4071,7 @@
           </a:prstGeom>
         </p:spPr>
         <p:txBody>
-          <a:bodyPr anchorCtr="0" anchor="t" bIns="91425" lIns="91425" spcFirstLastPara="1" rIns="91425" wrap="square" tIns="91425">
+          <a:bodyPr spcFirstLastPara="1" wrap="square" lIns="91425" tIns="91425" rIns="91425" bIns="91425" anchor="t" anchorCtr="0">
             <a:normAutofit/>
           </a:bodyPr>
           <a:lstStyle>
@@ -3975,15 +4175,19 @@
               <a:defRPr/>
             </a:lvl9pPr>
           </a:lstStyle>
-          <a:p/>
+          <a:p>
+            <a:endParaRPr/>
+          </a:p>
         </p:txBody>
       </p:sp>
       <p:sp>
         <p:nvSpPr>
           <p:cNvPr id="22" name="Google Shape;22;p5"/>
-          <p:cNvSpPr txBox="1"/>
+          <p:cNvSpPr txBox="1">
+            <a:spLocks noGrp="1"/>
+          </p:cNvSpPr>
           <p:nvPr>
-            <p:ph idx="1" type="body"/>
+            <p:ph type="body" idx="1"/>
           </p:nvPr>
         </p:nvSpPr>
         <p:spPr>
@@ -3996,11 +4200,11 @@
           </a:prstGeom>
         </p:spPr>
         <p:txBody>
-          <a:bodyPr anchorCtr="0" anchor="t" bIns="91425" lIns="91425" spcFirstLastPara="1" rIns="91425" wrap="square" tIns="91425">
+          <a:bodyPr spcFirstLastPara="1" wrap="square" lIns="91425" tIns="91425" rIns="91425" bIns="91425" anchor="t" anchorCtr="0">
             <a:normAutofit/>
           </a:bodyPr>
           <a:lstStyle>
-            <a:lvl1pPr indent="-317500" lvl="0" marL="457200">
+            <a:lvl1pPr marL="457200" lvl="0" indent="-317500">
               <a:spcBef>
                 <a:spcPts val="0"/>
               </a:spcBef>
@@ -4011,7 +4215,7 @@
               <a:buChar char="●"/>
               <a:defRPr sz="1400"/>
             </a:lvl1pPr>
-            <a:lvl2pPr indent="-304800" lvl="1" marL="914400">
+            <a:lvl2pPr marL="914400" lvl="1" indent="-304800">
               <a:spcBef>
                 <a:spcPts val="0"/>
               </a:spcBef>
@@ -4022,7 +4226,7 @@
               <a:buChar char="○"/>
               <a:defRPr sz="1200"/>
             </a:lvl2pPr>
-            <a:lvl3pPr indent="-304800" lvl="2" marL="1371600">
+            <a:lvl3pPr marL="1371600" lvl="2" indent="-304800">
               <a:spcBef>
                 <a:spcPts val="0"/>
               </a:spcBef>
@@ -4033,7 +4237,7 @@
               <a:buChar char="■"/>
               <a:defRPr sz="1200"/>
             </a:lvl3pPr>
-            <a:lvl4pPr indent="-304800" lvl="3" marL="1828800">
+            <a:lvl4pPr marL="1828800" lvl="3" indent="-304800">
               <a:spcBef>
                 <a:spcPts val="0"/>
               </a:spcBef>
@@ -4044,7 +4248,7 @@
               <a:buChar char="●"/>
               <a:defRPr sz="1200"/>
             </a:lvl4pPr>
-            <a:lvl5pPr indent="-304800" lvl="4" marL="2286000">
+            <a:lvl5pPr marL="2286000" lvl="4" indent="-304800">
               <a:spcBef>
                 <a:spcPts val="0"/>
               </a:spcBef>
@@ -4055,7 +4259,7 @@
               <a:buChar char="○"/>
               <a:defRPr sz="1200"/>
             </a:lvl5pPr>
-            <a:lvl6pPr indent="-304800" lvl="5" marL="2743200">
+            <a:lvl6pPr marL="2743200" lvl="5" indent="-304800">
               <a:spcBef>
                 <a:spcPts val="0"/>
               </a:spcBef>
@@ -4066,7 +4270,7 @@
               <a:buChar char="■"/>
               <a:defRPr sz="1200"/>
             </a:lvl6pPr>
-            <a:lvl7pPr indent="-304800" lvl="6" marL="3200400">
+            <a:lvl7pPr marL="3200400" lvl="6" indent="-304800">
               <a:spcBef>
                 <a:spcPts val="0"/>
               </a:spcBef>
@@ -4077,7 +4281,7 @@
               <a:buChar char="●"/>
               <a:defRPr sz="1200"/>
             </a:lvl7pPr>
-            <a:lvl8pPr indent="-304800" lvl="7" marL="3657600">
+            <a:lvl8pPr marL="3657600" lvl="7" indent="-304800">
               <a:spcBef>
                 <a:spcPts val="0"/>
               </a:spcBef>
@@ -4088,7 +4292,7 @@
               <a:buChar char="○"/>
               <a:defRPr sz="1200"/>
             </a:lvl8pPr>
-            <a:lvl9pPr indent="-304800" lvl="8" marL="4114800">
+            <a:lvl9pPr marL="4114800" lvl="8" indent="-304800">
               <a:spcBef>
                 <a:spcPts val="0"/>
               </a:spcBef>
@@ -4100,15 +4304,19 @@
               <a:defRPr sz="1200"/>
             </a:lvl9pPr>
           </a:lstStyle>
-          <a:p/>
+          <a:p>
+            <a:endParaRPr/>
+          </a:p>
         </p:txBody>
       </p:sp>
       <p:sp>
         <p:nvSpPr>
           <p:cNvPr id="23" name="Google Shape;23;p5"/>
-          <p:cNvSpPr txBox="1"/>
+          <p:cNvSpPr txBox="1">
+            <a:spLocks noGrp="1"/>
+          </p:cNvSpPr>
           <p:nvPr>
-            <p:ph idx="2" type="body"/>
+            <p:ph type="body" idx="2"/>
           </p:nvPr>
         </p:nvSpPr>
         <p:spPr>
@@ -4121,11 +4329,11 @@
           </a:prstGeom>
         </p:spPr>
         <p:txBody>
-          <a:bodyPr anchorCtr="0" anchor="t" bIns="91425" lIns="91425" spcFirstLastPara="1" rIns="91425" wrap="square" tIns="91425">
+          <a:bodyPr spcFirstLastPara="1" wrap="square" lIns="91425" tIns="91425" rIns="91425" bIns="91425" anchor="t" anchorCtr="0">
             <a:normAutofit/>
           </a:bodyPr>
           <a:lstStyle>
-            <a:lvl1pPr indent="-317500" lvl="0" marL="457200">
+            <a:lvl1pPr marL="457200" lvl="0" indent="-317500">
               <a:spcBef>
                 <a:spcPts val="0"/>
               </a:spcBef>
@@ -4136,7 +4344,7 @@
               <a:buChar char="●"/>
               <a:defRPr sz="1400"/>
             </a:lvl1pPr>
-            <a:lvl2pPr indent="-304800" lvl="1" marL="914400">
+            <a:lvl2pPr marL="914400" lvl="1" indent="-304800">
               <a:spcBef>
                 <a:spcPts val="0"/>
               </a:spcBef>
@@ -4147,7 +4355,7 @@
               <a:buChar char="○"/>
               <a:defRPr sz="1200"/>
             </a:lvl2pPr>
-            <a:lvl3pPr indent="-304800" lvl="2" marL="1371600">
+            <a:lvl3pPr marL="1371600" lvl="2" indent="-304800">
               <a:spcBef>
                 <a:spcPts val="0"/>
               </a:spcBef>
@@ -4158,7 +4366,7 @@
               <a:buChar char="■"/>
               <a:defRPr sz="1200"/>
             </a:lvl3pPr>
-            <a:lvl4pPr indent="-304800" lvl="3" marL="1828800">
+            <a:lvl4pPr marL="1828800" lvl="3" indent="-304800">
               <a:spcBef>
                 <a:spcPts val="0"/>
               </a:spcBef>
@@ -4169,7 +4377,7 @@
               <a:buChar char="●"/>
               <a:defRPr sz="1200"/>
             </a:lvl4pPr>
-            <a:lvl5pPr indent="-304800" lvl="4" marL="2286000">
+            <a:lvl5pPr marL="2286000" lvl="4" indent="-304800">
               <a:spcBef>
                 <a:spcPts val="0"/>
               </a:spcBef>
@@ -4180,7 +4388,7 @@
               <a:buChar char="○"/>
               <a:defRPr sz="1200"/>
             </a:lvl5pPr>
-            <a:lvl6pPr indent="-304800" lvl="5" marL="2743200">
+            <a:lvl6pPr marL="2743200" lvl="5" indent="-304800">
               <a:spcBef>
                 <a:spcPts val="0"/>
               </a:spcBef>
@@ -4191,7 +4399,7 @@
               <a:buChar char="■"/>
               <a:defRPr sz="1200"/>
             </a:lvl6pPr>
-            <a:lvl7pPr indent="-304800" lvl="6" marL="3200400">
+            <a:lvl7pPr marL="3200400" lvl="6" indent="-304800">
               <a:spcBef>
                 <a:spcPts val="0"/>
               </a:spcBef>
@@ -4202,7 +4410,7 @@
               <a:buChar char="●"/>
               <a:defRPr sz="1200"/>
             </a:lvl7pPr>
-            <a:lvl8pPr indent="-304800" lvl="7" marL="3657600">
+            <a:lvl8pPr marL="3657600" lvl="7" indent="-304800">
               <a:spcBef>
                 <a:spcPts val="0"/>
               </a:spcBef>
@@ -4213,7 +4421,7 @@
               <a:buChar char="○"/>
               <a:defRPr sz="1200"/>
             </a:lvl8pPr>
-            <a:lvl9pPr indent="-304800" lvl="8" marL="4114800">
+            <a:lvl9pPr marL="4114800" lvl="8" indent="-304800">
               <a:spcBef>
                 <a:spcPts val="0"/>
               </a:spcBef>
@@ -4225,15 +4433,19 @@
               <a:defRPr sz="1200"/>
             </a:lvl9pPr>
           </a:lstStyle>
-          <a:p/>
+          <a:p>
+            <a:endParaRPr/>
+          </a:p>
         </p:txBody>
       </p:sp>
       <p:sp>
         <p:nvSpPr>
           <p:cNvPr id="24" name="Google Shape;24;p5"/>
-          <p:cNvSpPr txBox="1"/>
+          <p:cNvSpPr txBox="1">
+            <a:spLocks noGrp="1"/>
+          </p:cNvSpPr>
           <p:nvPr>
-            <p:ph idx="12" type="sldNum"/>
+            <p:ph type="sldNum" idx="12"/>
           </p:nvPr>
         </p:nvSpPr>
         <p:spPr>
@@ -4246,7 +4458,7 @@
           </a:prstGeom>
         </p:spPr>
         <p:txBody>
-          <a:bodyPr anchorCtr="0" anchor="ctr" bIns="91425" lIns="91425" spcFirstLastPara="1" rIns="91425" wrap="square" tIns="91425">
+          <a:bodyPr spcFirstLastPara="1" wrap="square" lIns="91425" tIns="91425" rIns="91425" bIns="91425" anchor="ctr" anchorCtr="0">
             <a:normAutofit/>
           </a:bodyPr>
           <a:lstStyle>
@@ -4288,7 +4500,7 @@
             </a:lvl9pPr>
           </a:lstStyle>
           <a:p>
-            <a:pPr indent="0" lvl="0" marL="0" rtl="0" algn="r">
+            <a:pPr marL="0" lvl="0" indent="0" algn="r" rtl="0">
               <a:spcBef>
                 <a:spcPts val="0"/>
               </a:spcBef>
@@ -4314,11 +4526,11 @@
 </file>
 
 <file path=ppt/slideLayouts/slideLayout5.xml><?xml version="1.0" encoding="utf-8"?>
-<p:sldLayout xmlns:a="http://schemas.openxmlformats.org/drawingml/2006/main" xmlns:r="http://schemas.openxmlformats.org/officeDocument/2006/relationships" xmlns:mc="http://schemas.openxmlformats.org/markup-compatibility/2006" xmlns:mv="urn:schemas-microsoft-com:mac:vml" xmlns:p="http://schemas.openxmlformats.org/presentationml/2006/main" xmlns:c="http://schemas.openxmlformats.org/drawingml/2006/chart" xmlns:dgm="http://schemas.openxmlformats.org/drawingml/2006/diagram" xmlns:o="urn:schemas-microsoft-com:office:office" xmlns:v="urn:schemas-microsoft-com:vml" xmlns:pvml="urn:schemas-microsoft-com:office:powerpoint" xmlns:com="http://schemas.openxmlformats.org/drawingml/2006/compatibility" xmlns:p14="http://schemas.microsoft.com/office/powerpoint/2010/main" xmlns:p15="http://schemas.microsoft.com/office/powerpoint/2012/main" xmlns:ahyp="http://schemas.microsoft.com/office/drawing/2018/hyperlinkcolor" matchingName="Title only" type="titleOnly">
+<p:sldLayout xmlns:a="http://schemas.openxmlformats.org/drawingml/2006/main" xmlns:r="http://schemas.openxmlformats.org/officeDocument/2006/relationships" xmlns:p="http://schemas.openxmlformats.org/presentationml/2006/main" matchingName="Title only" type="titleOnly">
   <p:cSld name="TITLE_ONLY">
     <p:spTree>
       <p:nvGrpSpPr>
-        <p:cNvPr id="25" name="Shape 25"/>
+        <p:cNvPr id="1" name="Shape 25"/>
         <p:cNvGrpSpPr/>
         <p:nvPr/>
       </p:nvGrpSpPr>
@@ -4333,7 +4545,9 @@
       <p:sp>
         <p:nvSpPr>
           <p:cNvPr id="26" name="Google Shape;26;p6"/>
-          <p:cNvSpPr txBox="1"/>
+          <p:cNvSpPr txBox="1">
+            <a:spLocks noGrp="1"/>
+          </p:cNvSpPr>
           <p:nvPr>
             <p:ph type="title"/>
           </p:nvPr>
@@ -4348,7 +4562,7 @@
           </a:prstGeom>
         </p:spPr>
         <p:txBody>
-          <a:bodyPr anchorCtr="0" anchor="t" bIns="91425" lIns="91425" spcFirstLastPara="1" rIns="91425" wrap="square" tIns="91425">
+          <a:bodyPr spcFirstLastPara="1" wrap="square" lIns="91425" tIns="91425" rIns="91425" bIns="91425" anchor="t" anchorCtr="0">
             <a:normAutofit/>
           </a:bodyPr>
           <a:lstStyle>
@@ -4452,15 +4666,19 @@
               <a:defRPr/>
             </a:lvl9pPr>
           </a:lstStyle>
-          <a:p/>
+          <a:p>
+            <a:endParaRPr/>
+          </a:p>
         </p:txBody>
       </p:sp>
       <p:sp>
         <p:nvSpPr>
           <p:cNvPr id="27" name="Google Shape;27;p6"/>
-          <p:cNvSpPr txBox="1"/>
+          <p:cNvSpPr txBox="1">
+            <a:spLocks noGrp="1"/>
+          </p:cNvSpPr>
           <p:nvPr>
-            <p:ph idx="12" type="sldNum"/>
+            <p:ph type="sldNum" idx="12"/>
           </p:nvPr>
         </p:nvSpPr>
         <p:spPr>
@@ -4473,7 +4691,7 @@
           </a:prstGeom>
         </p:spPr>
         <p:txBody>
-          <a:bodyPr anchorCtr="0" anchor="ctr" bIns="91425" lIns="91425" spcFirstLastPara="1" rIns="91425" wrap="square" tIns="91425">
+          <a:bodyPr spcFirstLastPara="1" wrap="square" lIns="91425" tIns="91425" rIns="91425" bIns="91425" anchor="ctr" anchorCtr="0">
             <a:normAutofit/>
           </a:bodyPr>
           <a:lstStyle>
@@ -4515,7 +4733,7 @@
             </a:lvl9pPr>
           </a:lstStyle>
           <a:p>
-            <a:pPr indent="0" lvl="0" marL="0" rtl="0" algn="r">
+            <a:pPr marL="0" lvl="0" indent="0" algn="r" rtl="0">
               <a:spcBef>
                 <a:spcPts val="0"/>
               </a:spcBef>
@@ -4541,11 +4759,11 @@
 </file>
 
 <file path=ppt/slideLayouts/slideLayout6.xml><?xml version="1.0" encoding="utf-8"?>
-<p:sldLayout xmlns:a="http://schemas.openxmlformats.org/drawingml/2006/main" xmlns:r="http://schemas.openxmlformats.org/officeDocument/2006/relationships" xmlns:mc="http://schemas.openxmlformats.org/markup-compatibility/2006" xmlns:mv="urn:schemas-microsoft-com:mac:vml" xmlns:p="http://schemas.openxmlformats.org/presentationml/2006/main" xmlns:c="http://schemas.openxmlformats.org/drawingml/2006/chart" xmlns:dgm="http://schemas.openxmlformats.org/drawingml/2006/diagram" xmlns:o="urn:schemas-microsoft-com:office:office" xmlns:v="urn:schemas-microsoft-com:vml" xmlns:pvml="urn:schemas-microsoft-com:office:powerpoint" xmlns:com="http://schemas.openxmlformats.org/drawingml/2006/compatibility" xmlns:p14="http://schemas.microsoft.com/office/powerpoint/2010/main" xmlns:p15="http://schemas.microsoft.com/office/powerpoint/2012/main" xmlns:ahyp="http://schemas.microsoft.com/office/drawing/2018/hyperlinkcolor" matchingName="One column text">
+<p:sldLayout xmlns:a="http://schemas.openxmlformats.org/drawingml/2006/main" xmlns:r="http://schemas.openxmlformats.org/officeDocument/2006/relationships" xmlns:p="http://schemas.openxmlformats.org/presentationml/2006/main" matchingName="One column text">
   <p:cSld name="ONE_COLUMN_TEXT">
     <p:spTree>
       <p:nvGrpSpPr>
-        <p:cNvPr id="28" name="Shape 28"/>
+        <p:cNvPr id="1" name="Shape 28"/>
         <p:cNvGrpSpPr/>
         <p:nvPr/>
       </p:nvGrpSpPr>
@@ -4560,7 +4778,9 @@
       <p:sp>
         <p:nvSpPr>
           <p:cNvPr id="29" name="Google Shape;29;p7"/>
-          <p:cNvSpPr txBox="1"/>
+          <p:cNvSpPr txBox="1">
+            <a:spLocks noGrp="1"/>
+          </p:cNvSpPr>
           <p:nvPr>
             <p:ph type="title"/>
           </p:nvPr>
@@ -4575,7 +4795,7 @@
           </a:prstGeom>
         </p:spPr>
         <p:txBody>
-          <a:bodyPr anchorCtr="0" anchor="b" bIns="91425" lIns="91425" spcFirstLastPara="1" rIns="91425" wrap="square" tIns="91425">
+          <a:bodyPr spcFirstLastPara="1" wrap="square" lIns="91425" tIns="91425" rIns="91425" bIns="91425" anchor="b" anchorCtr="0">
             <a:normAutofit/>
           </a:bodyPr>
           <a:lstStyle>
@@ -4679,15 +4899,19 @@
               <a:defRPr sz="2400"/>
             </a:lvl9pPr>
           </a:lstStyle>
-          <a:p/>
+          <a:p>
+            <a:endParaRPr/>
+          </a:p>
         </p:txBody>
       </p:sp>
       <p:sp>
         <p:nvSpPr>
           <p:cNvPr id="30" name="Google Shape;30;p7"/>
-          <p:cNvSpPr txBox="1"/>
+          <p:cNvSpPr txBox="1">
+            <a:spLocks noGrp="1"/>
+          </p:cNvSpPr>
           <p:nvPr>
-            <p:ph idx="1" type="body"/>
+            <p:ph type="body" idx="1"/>
           </p:nvPr>
         </p:nvSpPr>
         <p:spPr>
@@ -4700,11 +4924,11 @@
           </a:prstGeom>
         </p:spPr>
         <p:txBody>
-          <a:bodyPr anchorCtr="0" anchor="t" bIns="91425" lIns="91425" spcFirstLastPara="1" rIns="91425" wrap="square" tIns="91425">
+          <a:bodyPr spcFirstLastPara="1" wrap="square" lIns="91425" tIns="91425" rIns="91425" bIns="91425" anchor="t" anchorCtr="0">
             <a:normAutofit/>
           </a:bodyPr>
           <a:lstStyle>
-            <a:lvl1pPr indent="-304800" lvl="0" marL="457200">
+            <a:lvl1pPr marL="457200" lvl="0" indent="-304800">
               <a:spcBef>
                 <a:spcPts val="0"/>
               </a:spcBef>
@@ -4715,7 +4939,7 @@
               <a:buChar char="●"/>
               <a:defRPr sz="1200"/>
             </a:lvl1pPr>
-            <a:lvl2pPr indent="-304800" lvl="1" marL="914400">
+            <a:lvl2pPr marL="914400" lvl="1" indent="-304800">
               <a:spcBef>
                 <a:spcPts val="0"/>
               </a:spcBef>
@@ -4726,7 +4950,7 @@
               <a:buChar char="○"/>
               <a:defRPr sz="1200"/>
             </a:lvl2pPr>
-            <a:lvl3pPr indent="-304800" lvl="2" marL="1371600">
+            <a:lvl3pPr marL="1371600" lvl="2" indent="-304800">
               <a:spcBef>
                 <a:spcPts val="0"/>
               </a:spcBef>
@@ -4737,7 +4961,7 @@
               <a:buChar char="■"/>
               <a:defRPr sz="1200"/>
             </a:lvl3pPr>
-            <a:lvl4pPr indent="-304800" lvl="3" marL="1828800">
+            <a:lvl4pPr marL="1828800" lvl="3" indent="-304800">
               <a:spcBef>
                 <a:spcPts val="0"/>
               </a:spcBef>
@@ -4748,7 +4972,7 @@
               <a:buChar char="●"/>
               <a:defRPr sz="1200"/>
             </a:lvl4pPr>
-            <a:lvl5pPr indent="-304800" lvl="4" marL="2286000">
+            <a:lvl5pPr marL="2286000" lvl="4" indent="-304800">
               <a:spcBef>
                 <a:spcPts val="0"/>
               </a:spcBef>
@@ -4759,7 +4983,7 @@
               <a:buChar char="○"/>
               <a:defRPr sz="1200"/>
             </a:lvl5pPr>
-            <a:lvl6pPr indent="-304800" lvl="5" marL="2743200">
+            <a:lvl6pPr marL="2743200" lvl="5" indent="-304800">
               <a:spcBef>
                 <a:spcPts val="0"/>
               </a:spcBef>
@@ -4770,7 +4994,7 @@
               <a:buChar char="■"/>
               <a:defRPr sz="1200"/>
             </a:lvl6pPr>
-            <a:lvl7pPr indent="-304800" lvl="6" marL="3200400">
+            <a:lvl7pPr marL="3200400" lvl="6" indent="-304800">
               <a:spcBef>
                 <a:spcPts val="0"/>
               </a:spcBef>
@@ -4781,7 +5005,7 @@
               <a:buChar char="●"/>
               <a:defRPr sz="1200"/>
             </a:lvl7pPr>
-            <a:lvl8pPr indent="-304800" lvl="7" marL="3657600">
+            <a:lvl8pPr marL="3657600" lvl="7" indent="-304800">
               <a:spcBef>
                 <a:spcPts val="0"/>
               </a:spcBef>
@@ -4792,7 +5016,7 @@
               <a:buChar char="○"/>
               <a:defRPr sz="1200"/>
             </a:lvl8pPr>
-            <a:lvl9pPr indent="-304800" lvl="8" marL="4114800">
+            <a:lvl9pPr marL="4114800" lvl="8" indent="-304800">
               <a:spcBef>
                 <a:spcPts val="0"/>
               </a:spcBef>
@@ -4804,15 +5028,19 @@
               <a:defRPr sz="1200"/>
             </a:lvl9pPr>
           </a:lstStyle>
-          <a:p/>
+          <a:p>
+            <a:endParaRPr/>
+          </a:p>
         </p:txBody>
       </p:sp>
       <p:sp>
         <p:nvSpPr>
           <p:cNvPr id="31" name="Google Shape;31;p7"/>
-          <p:cNvSpPr txBox="1"/>
+          <p:cNvSpPr txBox="1">
+            <a:spLocks noGrp="1"/>
+          </p:cNvSpPr>
           <p:nvPr>
-            <p:ph idx="12" type="sldNum"/>
+            <p:ph type="sldNum" idx="12"/>
           </p:nvPr>
         </p:nvSpPr>
         <p:spPr>
@@ -4825,7 +5053,7 @@
           </a:prstGeom>
         </p:spPr>
         <p:txBody>
-          <a:bodyPr anchorCtr="0" anchor="ctr" bIns="91425" lIns="91425" spcFirstLastPara="1" rIns="91425" wrap="square" tIns="91425">
+          <a:bodyPr spcFirstLastPara="1" wrap="square" lIns="91425" tIns="91425" rIns="91425" bIns="91425" anchor="ctr" anchorCtr="0">
             <a:normAutofit/>
           </a:bodyPr>
           <a:lstStyle>
@@ -4867,7 +5095,7 @@
             </a:lvl9pPr>
           </a:lstStyle>
           <a:p>
-            <a:pPr indent="0" lvl="0" marL="0" rtl="0" algn="r">
+            <a:pPr marL="0" lvl="0" indent="0" algn="r" rtl="0">
               <a:spcBef>
                 <a:spcPts val="0"/>
               </a:spcBef>
@@ -4893,11 +5121,11 @@
 </file>
 
 <file path=ppt/slideLayouts/slideLayout7.xml><?xml version="1.0" encoding="utf-8"?>
-<p:sldLayout xmlns:a="http://schemas.openxmlformats.org/drawingml/2006/main" xmlns:r="http://schemas.openxmlformats.org/officeDocument/2006/relationships" xmlns:mc="http://schemas.openxmlformats.org/markup-compatibility/2006" xmlns:mv="urn:schemas-microsoft-com:mac:vml" xmlns:p="http://schemas.openxmlformats.org/presentationml/2006/main" xmlns:c="http://schemas.openxmlformats.org/drawingml/2006/chart" xmlns:dgm="http://schemas.openxmlformats.org/drawingml/2006/diagram" xmlns:o="urn:schemas-microsoft-com:office:office" xmlns:v="urn:schemas-microsoft-com:vml" xmlns:pvml="urn:schemas-microsoft-com:office:powerpoint" xmlns:com="http://schemas.openxmlformats.org/drawingml/2006/compatibility" xmlns:p14="http://schemas.microsoft.com/office/powerpoint/2010/main" xmlns:p15="http://schemas.microsoft.com/office/powerpoint/2012/main" xmlns:ahyp="http://schemas.microsoft.com/office/drawing/2018/hyperlinkcolor" matchingName="Main point">
+<p:sldLayout xmlns:a="http://schemas.openxmlformats.org/drawingml/2006/main" xmlns:r="http://schemas.openxmlformats.org/officeDocument/2006/relationships" xmlns:p="http://schemas.openxmlformats.org/presentationml/2006/main" matchingName="Main point">
   <p:cSld name="MAIN_POINT">
     <p:spTree>
       <p:nvGrpSpPr>
-        <p:cNvPr id="32" name="Shape 32"/>
+        <p:cNvPr id="1" name="Shape 32"/>
         <p:cNvGrpSpPr/>
         <p:nvPr/>
       </p:nvGrpSpPr>
@@ -4912,7 +5140,9 @@
       <p:sp>
         <p:nvSpPr>
           <p:cNvPr id="33" name="Google Shape;33;p8"/>
-          <p:cNvSpPr txBox="1"/>
+          <p:cNvSpPr txBox="1">
+            <a:spLocks noGrp="1"/>
+          </p:cNvSpPr>
           <p:nvPr>
             <p:ph type="title"/>
           </p:nvPr>
@@ -4927,7 +5157,7 @@
           </a:prstGeom>
         </p:spPr>
         <p:txBody>
-          <a:bodyPr anchorCtr="0" anchor="ctr" bIns="91425" lIns="91425" spcFirstLastPara="1" rIns="91425" wrap="square" tIns="91425">
+          <a:bodyPr spcFirstLastPara="1" wrap="square" lIns="91425" tIns="91425" rIns="91425" bIns="91425" anchor="ctr" anchorCtr="0">
             <a:normAutofit/>
           </a:bodyPr>
           <a:lstStyle>
@@ -5031,15 +5261,19 @@
               <a:defRPr sz="4800"/>
             </a:lvl9pPr>
           </a:lstStyle>
-          <a:p/>
+          <a:p>
+            <a:endParaRPr/>
+          </a:p>
         </p:txBody>
       </p:sp>
       <p:sp>
         <p:nvSpPr>
           <p:cNvPr id="34" name="Google Shape;34;p8"/>
-          <p:cNvSpPr txBox="1"/>
+          <p:cNvSpPr txBox="1">
+            <a:spLocks noGrp="1"/>
+          </p:cNvSpPr>
           <p:nvPr>
-            <p:ph idx="12" type="sldNum"/>
+            <p:ph type="sldNum" idx="12"/>
           </p:nvPr>
         </p:nvSpPr>
         <p:spPr>
@@ -5052,7 +5286,7 @@
           </a:prstGeom>
         </p:spPr>
         <p:txBody>
-          <a:bodyPr anchorCtr="0" anchor="ctr" bIns="91425" lIns="91425" spcFirstLastPara="1" rIns="91425" wrap="square" tIns="91425">
+          <a:bodyPr spcFirstLastPara="1" wrap="square" lIns="91425" tIns="91425" rIns="91425" bIns="91425" anchor="ctr" anchorCtr="0">
             <a:normAutofit/>
           </a:bodyPr>
           <a:lstStyle>
@@ -5094,7 +5328,7 @@
             </a:lvl9pPr>
           </a:lstStyle>
           <a:p>
-            <a:pPr indent="0" lvl="0" marL="0" rtl="0" algn="r">
+            <a:pPr marL="0" lvl="0" indent="0" algn="r" rtl="0">
               <a:spcBef>
                 <a:spcPts val="0"/>
               </a:spcBef>
@@ -5120,11 +5354,11 @@
 </file>
 
 <file path=ppt/slideLayouts/slideLayout8.xml><?xml version="1.0" encoding="utf-8"?>
-<p:sldLayout xmlns:a="http://schemas.openxmlformats.org/drawingml/2006/main" xmlns:r="http://schemas.openxmlformats.org/officeDocument/2006/relationships" xmlns:mc="http://schemas.openxmlformats.org/markup-compatibility/2006" xmlns:mv="urn:schemas-microsoft-com:mac:vml" xmlns:p="http://schemas.openxmlformats.org/presentationml/2006/main" xmlns:c="http://schemas.openxmlformats.org/drawingml/2006/chart" xmlns:dgm="http://schemas.openxmlformats.org/drawingml/2006/diagram" xmlns:o="urn:schemas-microsoft-com:office:office" xmlns:v="urn:schemas-microsoft-com:vml" xmlns:pvml="urn:schemas-microsoft-com:office:powerpoint" xmlns:com="http://schemas.openxmlformats.org/drawingml/2006/compatibility" xmlns:p14="http://schemas.microsoft.com/office/powerpoint/2010/main" xmlns:p15="http://schemas.microsoft.com/office/powerpoint/2012/main" xmlns:ahyp="http://schemas.microsoft.com/office/drawing/2018/hyperlinkcolor" matchingName="Section title and description">
+<p:sldLayout xmlns:a="http://schemas.openxmlformats.org/drawingml/2006/main" xmlns:r="http://schemas.openxmlformats.org/officeDocument/2006/relationships" xmlns:p="http://schemas.openxmlformats.org/presentationml/2006/main" matchingName="Section title and description">
   <p:cSld name="SECTION_TITLE_AND_DESCRIPTION">
     <p:spTree>
       <p:nvGrpSpPr>
-        <p:cNvPr id="35" name="Shape 35"/>
+        <p:cNvPr id="1" name="Shape 35"/>
         <p:cNvGrpSpPr/>
         <p:nvPr/>
       </p:nvGrpSpPr>
@@ -5158,12 +5392,12 @@
           </a:ln>
         </p:spPr>
         <p:txBody>
-          <a:bodyPr anchorCtr="0" anchor="ctr" bIns="91425" lIns="91425" spcFirstLastPara="1" rIns="91425" wrap="square" tIns="91425">
+          <a:bodyPr spcFirstLastPara="1" wrap="square" lIns="91425" tIns="91425" rIns="91425" bIns="91425" anchor="ctr" anchorCtr="0">
             <a:noAutofit/>
           </a:bodyPr>
           <a:lstStyle/>
           <a:p>
-            <a:pPr indent="0" lvl="0" marL="0" rtl="0" algn="l">
+            <a:pPr marL="0" lvl="0" indent="0" algn="l" rtl="0">
               <a:spcBef>
                 <a:spcPts val="0"/>
               </a:spcBef>
@@ -5172,9 +5406,6 @@
               </a:spcAft>
               <a:buNone/>
             </a:pPr>
-            <a:r>
-              <a:t/>
-            </a:r>
             <a:endParaRPr/>
           </a:p>
         </p:txBody>
@@ -5182,7 +5413,9 @@
       <p:sp>
         <p:nvSpPr>
           <p:cNvPr id="37" name="Google Shape;37;p9"/>
-          <p:cNvSpPr txBox="1"/>
+          <p:cNvSpPr txBox="1">
+            <a:spLocks noGrp="1"/>
+          </p:cNvSpPr>
           <p:nvPr>
             <p:ph type="title"/>
           </p:nvPr>
@@ -5197,7 +5430,7 @@
           </a:prstGeom>
         </p:spPr>
         <p:txBody>
-          <a:bodyPr anchorCtr="0" anchor="b" bIns="91425" lIns="91425" spcFirstLastPara="1" rIns="91425" wrap="square" tIns="91425">
+          <a:bodyPr spcFirstLastPara="1" wrap="square" lIns="91425" tIns="91425" rIns="91425" bIns="91425" anchor="b" anchorCtr="0">
             <a:normAutofit/>
           </a:bodyPr>
           <a:lstStyle>
@@ -5301,15 +5534,19 @@
               <a:defRPr sz="4200"/>
             </a:lvl9pPr>
           </a:lstStyle>
-          <a:p/>
+          <a:p>
+            <a:endParaRPr/>
+          </a:p>
         </p:txBody>
       </p:sp>
       <p:sp>
         <p:nvSpPr>
           <p:cNvPr id="38" name="Google Shape;38;p9"/>
-          <p:cNvSpPr txBox="1"/>
+          <p:cNvSpPr txBox="1">
+            <a:spLocks noGrp="1"/>
+          </p:cNvSpPr>
           <p:nvPr>
-            <p:ph idx="1" type="subTitle"/>
+            <p:ph type="subTitle" idx="1"/>
           </p:nvPr>
         </p:nvSpPr>
         <p:spPr>
@@ -5322,7 +5559,7 @@
           </a:prstGeom>
         </p:spPr>
         <p:txBody>
-          <a:bodyPr anchorCtr="0" anchor="t" bIns="91425" lIns="91425" spcFirstLastPara="1" rIns="91425" wrap="square" tIns="91425">
+          <a:bodyPr spcFirstLastPara="1" wrap="square" lIns="91425" tIns="91425" rIns="91425" bIns="91425" anchor="t" anchorCtr="0">
             <a:normAutofit/>
           </a:bodyPr>
           <a:lstStyle>
@@ -5453,15 +5690,19 @@
               <a:defRPr sz="2100"/>
             </a:lvl9pPr>
           </a:lstStyle>
-          <a:p/>
+          <a:p>
+            <a:endParaRPr/>
+          </a:p>
         </p:txBody>
       </p:sp>
       <p:sp>
         <p:nvSpPr>
           <p:cNvPr id="39" name="Google Shape;39;p9"/>
-          <p:cNvSpPr txBox="1"/>
+          <p:cNvSpPr txBox="1">
+            <a:spLocks noGrp="1"/>
+          </p:cNvSpPr>
           <p:nvPr>
-            <p:ph idx="2" type="body"/>
+            <p:ph type="body" idx="2"/>
           </p:nvPr>
         </p:nvSpPr>
         <p:spPr>
@@ -5474,11 +5715,11 @@
           </a:prstGeom>
         </p:spPr>
         <p:txBody>
-          <a:bodyPr anchorCtr="0" anchor="ctr" bIns="91425" lIns="91425" spcFirstLastPara="1" rIns="91425" wrap="square" tIns="91425">
+          <a:bodyPr spcFirstLastPara="1" wrap="square" lIns="91425" tIns="91425" rIns="91425" bIns="91425" anchor="ctr" anchorCtr="0">
             <a:normAutofit/>
           </a:bodyPr>
           <a:lstStyle>
-            <a:lvl1pPr indent="-342900" lvl="0" marL="457200">
+            <a:lvl1pPr marL="457200" lvl="0" indent="-342900">
               <a:spcBef>
                 <a:spcPts val="0"/>
               </a:spcBef>
@@ -5496,7 +5737,7 @@
                 </a:solidFill>
               </a:defRPr>
             </a:lvl1pPr>
-            <a:lvl2pPr indent="-317500" lvl="1" marL="914400">
+            <a:lvl2pPr marL="914400" lvl="1" indent="-317500">
               <a:spcBef>
                 <a:spcPts val="0"/>
               </a:spcBef>
@@ -5514,7 +5755,7 @@
                 </a:solidFill>
               </a:defRPr>
             </a:lvl2pPr>
-            <a:lvl3pPr indent="-317500" lvl="2" marL="1371600">
+            <a:lvl3pPr marL="1371600" lvl="2" indent="-317500">
               <a:spcBef>
                 <a:spcPts val="0"/>
               </a:spcBef>
@@ -5532,7 +5773,7 @@
                 </a:solidFill>
               </a:defRPr>
             </a:lvl3pPr>
-            <a:lvl4pPr indent="-317500" lvl="3" marL="1828800">
+            <a:lvl4pPr marL="1828800" lvl="3" indent="-317500">
               <a:spcBef>
                 <a:spcPts val="0"/>
               </a:spcBef>
@@ -5550,7 +5791,7 @@
                 </a:solidFill>
               </a:defRPr>
             </a:lvl4pPr>
-            <a:lvl5pPr indent="-317500" lvl="4" marL="2286000">
+            <a:lvl5pPr marL="2286000" lvl="4" indent="-317500">
               <a:spcBef>
                 <a:spcPts val="0"/>
               </a:spcBef>
@@ -5568,7 +5809,7 @@
                 </a:solidFill>
               </a:defRPr>
             </a:lvl5pPr>
-            <a:lvl6pPr indent="-317500" lvl="5" marL="2743200">
+            <a:lvl6pPr marL="2743200" lvl="5" indent="-317500">
               <a:spcBef>
                 <a:spcPts val="0"/>
               </a:spcBef>
@@ -5586,7 +5827,7 @@
                 </a:solidFill>
               </a:defRPr>
             </a:lvl6pPr>
-            <a:lvl7pPr indent="-317500" lvl="6" marL="3200400">
+            <a:lvl7pPr marL="3200400" lvl="6" indent="-317500">
               <a:spcBef>
                 <a:spcPts val="0"/>
               </a:spcBef>
@@ -5604,7 +5845,7 @@
                 </a:solidFill>
               </a:defRPr>
             </a:lvl7pPr>
-            <a:lvl8pPr indent="-317500" lvl="7" marL="3657600">
+            <a:lvl8pPr marL="3657600" lvl="7" indent="-317500">
               <a:spcBef>
                 <a:spcPts val="0"/>
               </a:spcBef>
@@ -5622,7 +5863,7 @@
                 </a:solidFill>
               </a:defRPr>
             </a:lvl8pPr>
-            <a:lvl9pPr indent="-317500" lvl="8" marL="4114800">
+            <a:lvl9pPr marL="4114800" lvl="8" indent="-317500">
               <a:spcBef>
                 <a:spcPts val="0"/>
               </a:spcBef>
@@ -5641,15 +5882,19 @@
               </a:defRPr>
             </a:lvl9pPr>
           </a:lstStyle>
-          <a:p/>
+          <a:p>
+            <a:endParaRPr/>
+          </a:p>
         </p:txBody>
       </p:sp>
       <p:sp>
         <p:nvSpPr>
           <p:cNvPr id="40" name="Google Shape;40;p9"/>
-          <p:cNvSpPr txBox="1"/>
+          <p:cNvSpPr txBox="1">
+            <a:spLocks noGrp="1"/>
+          </p:cNvSpPr>
           <p:nvPr>
-            <p:ph idx="12" type="sldNum"/>
+            <p:ph type="sldNum" idx="12"/>
           </p:nvPr>
         </p:nvSpPr>
         <p:spPr>
@@ -5662,7 +5907,7 @@
           </a:prstGeom>
         </p:spPr>
         <p:txBody>
-          <a:bodyPr anchorCtr="0" anchor="ctr" bIns="91425" lIns="91425" spcFirstLastPara="1" rIns="91425" wrap="square" tIns="91425">
+          <a:bodyPr spcFirstLastPara="1" wrap="square" lIns="91425" tIns="91425" rIns="91425" bIns="91425" anchor="ctr" anchorCtr="0">
             <a:normAutofit/>
           </a:bodyPr>
           <a:lstStyle>
@@ -5704,7 +5949,7 @@
             </a:lvl9pPr>
           </a:lstStyle>
           <a:p>
-            <a:pPr indent="0" lvl="0" marL="0" rtl="0" algn="r">
+            <a:pPr marL="0" lvl="0" indent="0" algn="r" rtl="0">
               <a:spcBef>
                 <a:spcPts val="0"/>
               </a:spcBef>
@@ -5730,11 +5975,11 @@
 </file>
 
 <file path=ppt/slideLayouts/slideLayout9.xml><?xml version="1.0" encoding="utf-8"?>
-<p:sldLayout xmlns:a="http://schemas.openxmlformats.org/drawingml/2006/main" xmlns:r="http://schemas.openxmlformats.org/officeDocument/2006/relationships" xmlns:mc="http://schemas.openxmlformats.org/markup-compatibility/2006" xmlns:mv="urn:schemas-microsoft-com:mac:vml" xmlns:p="http://schemas.openxmlformats.org/presentationml/2006/main" xmlns:c="http://schemas.openxmlformats.org/drawingml/2006/chart" xmlns:dgm="http://schemas.openxmlformats.org/drawingml/2006/diagram" xmlns:o="urn:schemas-microsoft-com:office:office" xmlns:v="urn:schemas-microsoft-com:vml" xmlns:pvml="urn:schemas-microsoft-com:office:powerpoint" xmlns:com="http://schemas.openxmlformats.org/drawingml/2006/compatibility" xmlns:p14="http://schemas.microsoft.com/office/powerpoint/2010/main" xmlns:p15="http://schemas.microsoft.com/office/powerpoint/2012/main" xmlns:ahyp="http://schemas.microsoft.com/office/drawing/2018/hyperlinkcolor" matchingName="Caption">
+<p:sldLayout xmlns:a="http://schemas.openxmlformats.org/drawingml/2006/main" xmlns:r="http://schemas.openxmlformats.org/officeDocument/2006/relationships" xmlns:p="http://schemas.openxmlformats.org/presentationml/2006/main" matchingName="Caption">
   <p:cSld name="CAPTION_ONLY">
     <p:spTree>
       <p:nvGrpSpPr>
-        <p:cNvPr id="41" name="Shape 41"/>
+        <p:cNvPr id="1" name="Shape 41"/>
         <p:cNvGrpSpPr/>
         <p:nvPr/>
       </p:nvGrpSpPr>
@@ -5749,9 +5994,11 @@
       <p:sp>
         <p:nvSpPr>
           <p:cNvPr id="42" name="Google Shape;42;p10"/>
-          <p:cNvSpPr txBox="1"/>
+          <p:cNvSpPr txBox="1">
+            <a:spLocks noGrp="1"/>
+          </p:cNvSpPr>
           <p:nvPr>
-            <p:ph idx="1" type="body"/>
+            <p:ph type="body" idx="1"/>
           </p:nvPr>
         </p:nvSpPr>
         <p:spPr>
@@ -5764,11 +6011,11 @@
           </a:prstGeom>
         </p:spPr>
         <p:txBody>
-          <a:bodyPr anchorCtr="0" anchor="ctr" bIns="91425" lIns="91425" spcFirstLastPara="1" rIns="91425" wrap="square" tIns="91425">
+          <a:bodyPr spcFirstLastPara="1" wrap="square" lIns="91425" tIns="91425" rIns="91425" bIns="91425" anchor="ctr" anchorCtr="0">
             <a:normAutofit/>
           </a:bodyPr>
           <a:lstStyle>
-            <a:lvl1pPr indent="-228600" lvl="0" marL="457200">
+            <a:lvl1pPr marL="457200" lvl="0" indent="-228600">
               <a:lnSpc>
                 <a:spcPct val="100000"/>
               </a:lnSpc>
@@ -5783,15 +6030,19 @@
               <a:defRPr/>
             </a:lvl1pPr>
           </a:lstStyle>
-          <a:p/>
+          <a:p>
+            <a:endParaRPr/>
+          </a:p>
         </p:txBody>
       </p:sp>
       <p:sp>
         <p:nvSpPr>
           <p:cNvPr id="43" name="Google Shape;43;p10"/>
-          <p:cNvSpPr txBox="1"/>
+          <p:cNvSpPr txBox="1">
+            <a:spLocks noGrp="1"/>
+          </p:cNvSpPr>
           <p:nvPr>
-            <p:ph idx="12" type="sldNum"/>
+            <p:ph type="sldNum" idx="12"/>
           </p:nvPr>
         </p:nvSpPr>
         <p:spPr>
@@ -5804,7 +6055,7 @@
           </a:prstGeom>
         </p:spPr>
         <p:txBody>
-          <a:bodyPr anchorCtr="0" anchor="ctr" bIns="91425" lIns="91425" spcFirstLastPara="1" rIns="91425" wrap="square" tIns="91425">
+          <a:bodyPr spcFirstLastPara="1" wrap="square" lIns="91425" tIns="91425" rIns="91425" bIns="91425" anchor="ctr" anchorCtr="0">
             <a:normAutofit/>
           </a:bodyPr>
           <a:lstStyle>
@@ -5846,7 +6097,7 @@
             </a:lvl9pPr>
           </a:lstStyle>
           <a:p>
-            <a:pPr indent="0" lvl="0" marL="0" rtl="0" algn="r">
+            <a:pPr marL="0" lvl="0" indent="0" algn="r" rtl="0">
               <a:spcBef>
                 <a:spcPts val="0"/>
               </a:spcBef>
@@ -5872,18 +6123,19 @@
 </file>
 
 <file path=ppt/slideMasters/slideMaster1.xml><?xml version="1.0" encoding="utf-8"?>
-<p:sldMaster xmlns:a="http://schemas.openxmlformats.org/drawingml/2006/main" xmlns:r="http://schemas.openxmlformats.org/officeDocument/2006/relationships" xmlns:mc="http://schemas.openxmlformats.org/markup-compatibility/2006" xmlns:mv="urn:schemas-microsoft-com:mac:vml" xmlns:p="http://schemas.openxmlformats.org/presentationml/2006/main" xmlns:c="http://schemas.openxmlformats.org/drawingml/2006/chart" xmlns:dgm="http://schemas.openxmlformats.org/drawingml/2006/diagram" xmlns:o="urn:schemas-microsoft-com:office:office" xmlns:v="urn:schemas-microsoft-com:vml" xmlns:pvml="urn:schemas-microsoft-com:office:powerpoint" xmlns:com="http://schemas.openxmlformats.org/drawingml/2006/compatibility" xmlns:p14="http://schemas.microsoft.com/office/powerpoint/2010/main" xmlns:p15="http://schemas.microsoft.com/office/powerpoint/2012/main" xmlns:ahyp="http://schemas.microsoft.com/office/drawing/2018/hyperlinkcolor">
+<p:sldMaster xmlns:a="http://schemas.openxmlformats.org/drawingml/2006/main" xmlns:r="http://schemas.openxmlformats.org/officeDocument/2006/relationships" xmlns:p="http://schemas.openxmlformats.org/presentationml/2006/main">
   <p:cSld name="simple-dark-2">
     <p:bg>
       <p:bgPr>
         <a:solidFill>
           <a:schemeClr val="lt1"/>
         </a:solidFill>
+        <a:effectLst/>
       </p:bgPr>
     </p:bg>
     <p:spTree>
       <p:nvGrpSpPr>
-        <p:cNvPr id="5" name="Shape 5"/>
+        <p:cNvPr id="1" name="Shape 5"/>
         <p:cNvGrpSpPr/>
         <p:nvPr/>
       </p:nvGrpSpPr>
@@ -5898,7 +6150,9 @@
       <p:sp>
         <p:nvSpPr>
           <p:cNvPr id="6" name="Google Shape;6;p1"/>
-          <p:cNvSpPr txBox="1"/>
+          <p:cNvSpPr txBox="1">
+            <a:spLocks noGrp="1"/>
+          </p:cNvSpPr>
           <p:nvPr>
             <p:ph type="title"/>
           </p:nvPr>
@@ -5917,7 +6171,7 @@
           </a:ln>
         </p:spPr>
         <p:txBody>
-          <a:bodyPr anchorCtr="0" anchor="t" bIns="91425" lIns="91425" spcFirstLastPara="1" rIns="91425" wrap="square" tIns="91425">
+          <a:bodyPr spcFirstLastPara="1" wrap="square" lIns="91425" tIns="91425" rIns="91425" bIns="91425" anchor="t" anchorCtr="0">
             <a:normAutofit/>
           </a:bodyPr>
           <a:lstStyle>
@@ -6084,15 +6338,19 @@
               </a:defRPr>
             </a:lvl9pPr>
           </a:lstStyle>
-          <a:p/>
+          <a:p>
+            <a:endParaRPr/>
+          </a:p>
         </p:txBody>
       </p:sp>
       <p:sp>
         <p:nvSpPr>
           <p:cNvPr id="7" name="Google Shape;7;p1"/>
-          <p:cNvSpPr txBox="1"/>
+          <p:cNvSpPr txBox="1">
+            <a:spLocks noGrp="1"/>
+          </p:cNvSpPr>
           <p:nvPr>
-            <p:ph idx="1" type="body"/>
+            <p:ph type="body" idx="1"/>
           </p:nvPr>
         </p:nvSpPr>
         <p:spPr>
@@ -6109,11 +6367,11 @@
           </a:ln>
         </p:spPr>
         <p:txBody>
-          <a:bodyPr anchorCtr="0" anchor="t" bIns="91425" lIns="91425" spcFirstLastPara="1" rIns="91425" wrap="square" tIns="91425">
+          <a:bodyPr spcFirstLastPara="1" wrap="square" lIns="91425" tIns="91425" rIns="91425" bIns="91425" anchor="t" anchorCtr="0">
             <a:normAutofit/>
           </a:bodyPr>
           <a:lstStyle>
-            <a:lvl1pPr indent="-342900" lvl="0" marL="457200">
+            <a:lvl1pPr marL="457200" lvl="0" indent="-342900">
               <a:lnSpc>
                 <a:spcPct val="115000"/>
               </a:lnSpc>
@@ -6134,7 +6392,7 @@
                 </a:solidFill>
               </a:defRPr>
             </a:lvl1pPr>
-            <a:lvl2pPr indent="-317500" lvl="1" marL="914400">
+            <a:lvl2pPr marL="914400" lvl="1" indent="-317500">
               <a:lnSpc>
                 <a:spcPct val="115000"/>
               </a:lnSpc>
@@ -6155,7 +6413,7 @@
                 </a:solidFill>
               </a:defRPr>
             </a:lvl2pPr>
-            <a:lvl3pPr indent="-317500" lvl="2" marL="1371600">
+            <a:lvl3pPr marL="1371600" lvl="2" indent="-317500">
               <a:lnSpc>
                 <a:spcPct val="115000"/>
               </a:lnSpc>
@@ -6176,7 +6434,7 @@
                 </a:solidFill>
               </a:defRPr>
             </a:lvl3pPr>
-            <a:lvl4pPr indent="-317500" lvl="3" marL="1828800">
+            <a:lvl4pPr marL="1828800" lvl="3" indent="-317500">
               <a:lnSpc>
                 <a:spcPct val="115000"/>
               </a:lnSpc>
@@ -6197,7 +6455,7 @@
                 </a:solidFill>
               </a:defRPr>
             </a:lvl4pPr>
-            <a:lvl5pPr indent="-317500" lvl="4" marL="2286000">
+            <a:lvl5pPr marL="2286000" lvl="4" indent="-317500">
               <a:lnSpc>
                 <a:spcPct val="115000"/>
               </a:lnSpc>
@@ -6218,7 +6476,7 @@
                 </a:solidFill>
               </a:defRPr>
             </a:lvl5pPr>
-            <a:lvl6pPr indent="-317500" lvl="5" marL="2743200">
+            <a:lvl6pPr marL="2743200" lvl="5" indent="-317500">
               <a:lnSpc>
                 <a:spcPct val="115000"/>
               </a:lnSpc>
@@ -6239,7 +6497,7 @@
                 </a:solidFill>
               </a:defRPr>
             </a:lvl6pPr>
-            <a:lvl7pPr indent="-317500" lvl="6" marL="3200400">
+            <a:lvl7pPr marL="3200400" lvl="6" indent="-317500">
               <a:lnSpc>
                 <a:spcPct val="115000"/>
               </a:lnSpc>
@@ -6260,7 +6518,7 @@
                 </a:solidFill>
               </a:defRPr>
             </a:lvl7pPr>
-            <a:lvl8pPr indent="-317500" lvl="7" marL="3657600">
+            <a:lvl8pPr marL="3657600" lvl="7" indent="-317500">
               <a:lnSpc>
                 <a:spcPct val="115000"/>
               </a:lnSpc>
@@ -6281,7 +6539,7 @@
                 </a:solidFill>
               </a:defRPr>
             </a:lvl8pPr>
-            <a:lvl9pPr indent="-317500" lvl="8" marL="4114800">
+            <a:lvl9pPr marL="4114800" lvl="8" indent="-317500">
               <a:lnSpc>
                 <a:spcPct val="115000"/>
               </a:lnSpc>
@@ -6303,15 +6561,19 @@
               </a:defRPr>
             </a:lvl9pPr>
           </a:lstStyle>
-          <a:p/>
+          <a:p>
+            <a:endParaRPr/>
+          </a:p>
         </p:txBody>
       </p:sp>
       <p:sp>
         <p:nvSpPr>
           <p:cNvPr id="8" name="Google Shape;8;p1"/>
-          <p:cNvSpPr txBox="1"/>
+          <p:cNvSpPr txBox="1">
+            <a:spLocks noGrp="1"/>
+          </p:cNvSpPr>
           <p:nvPr>
-            <p:ph idx="12" type="sldNum"/>
+            <p:ph type="sldNum" idx="12"/>
           </p:nvPr>
         </p:nvSpPr>
         <p:spPr>
@@ -6328,7 +6590,7 @@
           </a:ln>
         </p:spPr>
         <p:txBody>
-          <a:bodyPr anchorCtr="0" anchor="ctr" bIns="91425" lIns="91425" spcFirstLastPara="1" rIns="91425" wrap="square" tIns="91425">
+          <a:bodyPr spcFirstLastPara="1" wrap="square" lIns="91425" tIns="91425" rIns="91425" bIns="91425" anchor="ctr" anchorCtr="0">
             <a:normAutofit/>
           </a:bodyPr>
           <a:lstStyle>
@@ -6406,7 +6668,7 @@
             </a:lvl9pPr>
           </a:lstStyle>
           <a:p>
-            <a:pPr indent="0" lvl="0" marL="0" rtl="0" algn="r">
+            <a:pPr marL="0" lvl="0" indent="0" algn="r" rtl="0">
               <a:spcBef>
                 <a:spcPts val="0"/>
               </a:spcBef>
@@ -6425,7 +6687,7 @@
       </p:sp>
     </p:spTree>
   </p:cSld>
-  <p:clrMap accent1="accent1" accent2="accent2" accent3="accent3" accent4="accent4" accent5="accent5" accent6="accent6" bg1="lt1" bg2="dk2" tx1="dk1" tx2="lt2" folHlink="folHlink" hlink="hlink"/>
+  <p:clrMap bg1="lt1" tx1="dk1" bg2="dk2" tx2="lt2" accent1="accent1" accent2="accent2" accent3="accent3" accent4="accent4" accent5="accent5" accent6="accent6" hlink="hlink" folHlink="folHlink"/>
   <p:sldLayoutIdLst>
     <p:sldLayoutId id="2147483648" r:id="rId1"/>
     <p:sldLayoutId id="2147483649" r:id="rId2"/>
@@ -6439,10 +6701,10 @@
     <p:sldLayoutId id="2147483657" r:id="rId10"/>
     <p:sldLayoutId id="2147483658" r:id="rId11"/>
   </p:sldLayoutIdLst>
-  <p:hf dt="0" ftr="0" hdr="0" sldNum="0"/>
+  <p:hf sldNum="0" hdr="0" ftr="0" dt="0"/>
   <p:txStyles>
     <p:titleStyle>
-      <a:defPPr lvl="0" marR="0" rtl="0" algn="l">
+      <a:defPPr marR="0" lvl="0" algn="l" rtl="0">
         <a:lnSpc>
           <a:spcPct val="100000"/>
         </a:lnSpc>
@@ -6453,7 +6715,7 @@
           <a:spcPts val="0"/>
         </a:spcAft>
       </a:defPPr>
-      <a:lvl1pPr lvl="0" marR="0" rtl="0" algn="l">
+      <a:lvl1pPr marR="0" lvl="0" algn="l" rtl="0">
         <a:lnSpc>
           <a:spcPct val="100000"/>
         </a:lnSpc>
@@ -6467,7 +6729,7 @@
           <a:srgbClr val="000000"/>
         </a:buClr>
         <a:buFont typeface="Arial"/>
-        <a:defRPr b="0" i="0" sz="1400" u="none" cap="none" strike="noStrike">
+        <a:defRPr sz="1400" b="0" i="0" u="none" strike="noStrike" cap="none">
           <a:solidFill>
             <a:srgbClr val="000000"/>
           </a:solidFill>
@@ -6477,7 +6739,7 @@
           <a:sym typeface="Arial"/>
         </a:defRPr>
       </a:lvl1pPr>
-      <a:lvl2pPr lvl="1" marR="0" rtl="0" algn="l">
+      <a:lvl2pPr marR="0" lvl="1" algn="l" rtl="0">
         <a:lnSpc>
           <a:spcPct val="100000"/>
         </a:lnSpc>
@@ -6491,7 +6753,7 @@
           <a:srgbClr val="000000"/>
         </a:buClr>
         <a:buFont typeface="Arial"/>
-        <a:defRPr b="0" i="0" sz="1400" u="none" cap="none" strike="noStrike">
+        <a:defRPr sz="1400" b="0" i="0" u="none" strike="noStrike" cap="none">
           <a:solidFill>
             <a:srgbClr val="000000"/>
           </a:solidFill>
@@ -6501,7 +6763,7 @@
           <a:sym typeface="Arial"/>
         </a:defRPr>
       </a:lvl2pPr>
-      <a:lvl3pPr lvl="2" marR="0" rtl="0" algn="l">
+      <a:lvl3pPr marR="0" lvl="2" algn="l" rtl="0">
         <a:lnSpc>
           <a:spcPct val="100000"/>
         </a:lnSpc>
@@ -6515,7 +6777,7 @@
           <a:srgbClr val="000000"/>
         </a:buClr>
         <a:buFont typeface="Arial"/>
-        <a:defRPr b="0" i="0" sz="1400" u="none" cap="none" strike="noStrike">
+        <a:defRPr sz="1400" b="0" i="0" u="none" strike="noStrike" cap="none">
           <a:solidFill>
             <a:srgbClr val="000000"/>
           </a:solidFill>
@@ -6525,7 +6787,7 @@
           <a:sym typeface="Arial"/>
         </a:defRPr>
       </a:lvl3pPr>
-      <a:lvl4pPr lvl="3" marR="0" rtl="0" algn="l">
+      <a:lvl4pPr marR="0" lvl="3" algn="l" rtl="0">
         <a:lnSpc>
           <a:spcPct val="100000"/>
         </a:lnSpc>
@@ -6539,7 +6801,7 @@
           <a:srgbClr val="000000"/>
         </a:buClr>
         <a:buFont typeface="Arial"/>
-        <a:defRPr b="0" i="0" sz="1400" u="none" cap="none" strike="noStrike">
+        <a:defRPr sz="1400" b="0" i="0" u="none" strike="noStrike" cap="none">
           <a:solidFill>
             <a:srgbClr val="000000"/>
           </a:solidFill>
@@ -6549,7 +6811,7 @@
           <a:sym typeface="Arial"/>
         </a:defRPr>
       </a:lvl4pPr>
-      <a:lvl5pPr lvl="4" marR="0" rtl="0" algn="l">
+      <a:lvl5pPr marR="0" lvl="4" algn="l" rtl="0">
         <a:lnSpc>
           <a:spcPct val="100000"/>
         </a:lnSpc>
@@ -6563,7 +6825,7 @@
           <a:srgbClr val="000000"/>
         </a:buClr>
         <a:buFont typeface="Arial"/>
-        <a:defRPr b="0" i="0" sz="1400" u="none" cap="none" strike="noStrike">
+        <a:defRPr sz="1400" b="0" i="0" u="none" strike="noStrike" cap="none">
           <a:solidFill>
             <a:srgbClr val="000000"/>
           </a:solidFill>
@@ -6573,7 +6835,7 @@
           <a:sym typeface="Arial"/>
         </a:defRPr>
       </a:lvl5pPr>
-      <a:lvl6pPr lvl="5" marR="0" rtl="0" algn="l">
+      <a:lvl6pPr marR="0" lvl="5" algn="l" rtl="0">
         <a:lnSpc>
           <a:spcPct val="100000"/>
         </a:lnSpc>
@@ -6587,7 +6849,7 @@
           <a:srgbClr val="000000"/>
         </a:buClr>
         <a:buFont typeface="Arial"/>
-        <a:defRPr b="0" i="0" sz="1400" u="none" cap="none" strike="noStrike">
+        <a:defRPr sz="1400" b="0" i="0" u="none" strike="noStrike" cap="none">
           <a:solidFill>
             <a:srgbClr val="000000"/>
           </a:solidFill>
@@ -6597,7 +6859,7 @@
           <a:sym typeface="Arial"/>
         </a:defRPr>
       </a:lvl6pPr>
-      <a:lvl7pPr lvl="6" marR="0" rtl="0" algn="l">
+      <a:lvl7pPr marR="0" lvl="6" algn="l" rtl="0">
         <a:lnSpc>
           <a:spcPct val="100000"/>
         </a:lnSpc>
@@ -6611,7 +6873,7 @@
           <a:srgbClr val="000000"/>
         </a:buClr>
         <a:buFont typeface="Arial"/>
-        <a:defRPr b="0" i="0" sz="1400" u="none" cap="none" strike="noStrike">
+        <a:defRPr sz="1400" b="0" i="0" u="none" strike="noStrike" cap="none">
           <a:solidFill>
             <a:srgbClr val="000000"/>
           </a:solidFill>
@@ -6621,7 +6883,7 @@
           <a:sym typeface="Arial"/>
         </a:defRPr>
       </a:lvl7pPr>
-      <a:lvl8pPr lvl="7" marR="0" rtl="0" algn="l">
+      <a:lvl8pPr marR="0" lvl="7" algn="l" rtl="0">
         <a:lnSpc>
           <a:spcPct val="100000"/>
         </a:lnSpc>
@@ -6635,7 +6897,7 @@
           <a:srgbClr val="000000"/>
         </a:buClr>
         <a:buFont typeface="Arial"/>
-        <a:defRPr b="0" i="0" sz="1400" u="none" cap="none" strike="noStrike">
+        <a:defRPr sz="1400" b="0" i="0" u="none" strike="noStrike" cap="none">
           <a:solidFill>
             <a:srgbClr val="000000"/>
           </a:solidFill>
@@ -6645,7 +6907,7 @@
           <a:sym typeface="Arial"/>
         </a:defRPr>
       </a:lvl8pPr>
-      <a:lvl9pPr lvl="8" marR="0" rtl="0" algn="l">
+      <a:lvl9pPr marR="0" lvl="8" algn="l" rtl="0">
         <a:lnSpc>
           <a:spcPct val="100000"/>
         </a:lnSpc>
@@ -6659,7 +6921,7 @@
           <a:srgbClr val="000000"/>
         </a:buClr>
         <a:buFont typeface="Arial"/>
-        <a:defRPr b="0" i="0" sz="1400" u="none" cap="none" strike="noStrike">
+        <a:defRPr sz="1400" b="0" i="0" u="none" strike="noStrike" cap="none">
           <a:solidFill>
             <a:srgbClr val="000000"/>
           </a:solidFill>
@@ -6671,7 +6933,7 @@
       </a:lvl9pPr>
     </p:titleStyle>
     <p:bodyStyle>
-      <a:defPPr lvl="0" marR="0" rtl="0" algn="l">
+      <a:defPPr marR="0" lvl="0" algn="l" rtl="0">
         <a:lnSpc>
           <a:spcPct val="100000"/>
         </a:lnSpc>
@@ -6682,7 +6944,7 @@
           <a:spcPts val="0"/>
         </a:spcAft>
       </a:defPPr>
-      <a:lvl1pPr lvl="0" marR="0" rtl="0" algn="l">
+      <a:lvl1pPr marR="0" lvl="0" algn="l" rtl="0">
         <a:lnSpc>
           <a:spcPct val="100000"/>
         </a:lnSpc>
@@ -6696,7 +6958,7 @@
           <a:srgbClr val="000000"/>
         </a:buClr>
         <a:buFont typeface="Arial"/>
-        <a:defRPr b="0" i="0" sz="1400" u="none" cap="none" strike="noStrike">
+        <a:defRPr sz="1400" b="0" i="0" u="none" strike="noStrike" cap="none">
           <a:solidFill>
             <a:srgbClr val="000000"/>
           </a:solidFill>
@@ -6706,7 +6968,7 @@
           <a:sym typeface="Arial"/>
         </a:defRPr>
       </a:lvl1pPr>
-      <a:lvl2pPr lvl="1" marR="0" rtl="0" algn="l">
+      <a:lvl2pPr marR="0" lvl="1" algn="l" rtl="0">
         <a:lnSpc>
           <a:spcPct val="100000"/>
         </a:lnSpc>
@@ -6720,7 +6982,7 @@
           <a:srgbClr val="000000"/>
         </a:buClr>
         <a:buFont typeface="Arial"/>
-        <a:defRPr b="0" i="0" sz="1400" u="none" cap="none" strike="noStrike">
+        <a:defRPr sz="1400" b="0" i="0" u="none" strike="noStrike" cap="none">
           <a:solidFill>
             <a:srgbClr val="000000"/>
           </a:solidFill>
@@ -6730,7 +6992,7 @@
           <a:sym typeface="Arial"/>
         </a:defRPr>
       </a:lvl2pPr>
-      <a:lvl3pPr lvl="2" marR="0" rtl="0" algn="l">
+      <a:lvl3pPr marR="0" lvl="2" algn="l" rtl="0">
         <a:lnSpc>
           <a:spcPct val="100000"/>
         </a:lnSpc>
@@ -6744,7 +7006,7 @@
           <a:srgbClr val="000000"/>
         </a:buClr>
         <a:buFont typeface="Arial"/>
-        <a:defRPr b="0" i="0" sz="1400" u="none" cap="none" strike="noStrike">
+        <a:defRPr sz="1400" b="0" i="0" u="none" strike="noStrike" cap="none">
           <a:solidFill>
             <a:srgbClr val="000000"/>
           </a:solidFill>
@@ -6754,7 +7016,7 @@
           <a:sym typeface="Arial"/>
         </a:defRPr>
       </a:lvl3pPr>
-      <a:lvl4pPr lvl="3" marR="0" rtl="0" algn="l">
+      <a:lvl4pPr marR="0" lvl="3" algn="l" rtl="0">
         <a:lnSpc>
           <a:spcPct val="100000"/>
         </a:lnSpc>
@@ -6768,7 +7030,7 @@
           <a:srgbClr val="000000"/>
         </a:buClr>
         <a:buFont typeface="Arial"/>
-        <a:defRPr b="0" i="0" sz="1400" u="none" cap="none" strike="noStrike">
+        <a:defRPr sz="1400" b="0" i="0" u="none" strike="noStrike" cap="none">
           <a:solidFill>
             <a:srgbClr val="000000"/>
           </a:solidFill>
@@ -6778,7 +7040,7 @@
           <a:sym typeface="Arial"/>
         </a:defRPr>
       </a:lvl4pPr>
-      <a:lvl5pPr lvl="4" marR="0" rtl="0" algn="l">
+      <a:lvl5pPr marR="0" lvl="4" algn="l" rtl="0">
         <a:lnSpc>
           <a:spcPct val="100000"/>
         </a:lnSpc>
@@ -6792,7 +7054,7 @@
           <a:srgbClr val="000000"/>
         </a:buClr>
         <a:buFont typeface="Arial"/>
-        <a:defRPr b="0" i="0" sz="1400" u="none" cap="none" strike="noStrike">
+        <a:defRPr sz="1400" b="0" i="0" u="none" strike="noStrike" cap="none">
           <a:solidFill>
             <a:srgbClr val="000000"/>
           </a:solidFill>
@@ -6802,7 +7064,7 @@
           <a:sym typeface="Arial"/>
         </a:defRPr>
       </a:lvl5pPr>
-      <a:lvl6pPr lvl="5" marR="0" rtl="0" algn="l">
+      <a:lvl6pPr marR="0" lvl="5" algn="l" rtl="0">
         <a:lnSpc>
           <a:spcPct val="100000"/>
         </a:lnSpc>
@@ -6816,7 +7078,7 @@
           <a:srgbClr val="000000"/>
         </a:buClr>
         <a:buFont typeface="Arial"/>
-        <a:defRPr b="0" i="0" sz="1400" u="none" cap="none" strike="noStrike">
+        <a:defRPr sz="1400" b="0" i="0" u="none" strike="noStrike" cap="none">
           <a:solidFill>
             <a:srgbClr val="000000"/>
           </a:solidFill>
@@ -6826,7 +7088,7 @@
           <a:sym typeface="Arial"/>
         </a:defRPr>
       </a:lvl6pPr>
-      <a:lvl7pPr lvl="6" marR="0" rtl="0" algn="l">
+      <a:lvl7pPr marR="0" lvl="6" algn="l" rtl="0">
         <a:lnSpc>
           <a:spcPct val="100000"/>
         </a:lnSpc>
@@ -6840,7 +7102,7 @@
           <a:srgbClr val="000000"/>
         </a:buClr>
         <a:buFont typeface="Arial"/>
-        <a:defRPr b="0" i="0" sz="1400" u="none" cap="none" strike="noStrike">
+        <a:defRPr sz="1400" b="0" i="0" u="none" strike="noStrike" cap="none">
           <a:solidFill>
             <a:srgbClr val="000000"/>
           </a:solidFill>
@@ -6850,7 +7112,7 @@
           <a:sym typeface="Arial"/>
         </a:defRPr>
       </a:lvl7pPr>
-      <a:lvl8pPr lvl="7" marR="0" rtl="0" algn="l">
+      <a:lvl8pPr marR="0" lvl="7" algn="l" rtl="0">
         <a:lnSpc>
           <a:spcPct val="100000"/>
         </a:lnSpc>
@@ -6864,7 +7126,7 @@
           <a:srgbClr val="000000"/>
         </a:buClr>
         <a:buFont typeface="Arial"/>
-        <a:defRPr b="0" i="0" sz="1400" u="none" cap="none" strike="noStrike">
+        <a:defRPr sz="1400" b="0" i="0" u="none" strike="noStrike" cap="none">
           <a:solidFill>
             <a:srgbClr val="000000"/>
           </a:solidFill>
@@ -6874,7 +7136,7 @@
           <a:sym typeface="Arial"/>
         </a:defRPr>
       </a:lvl8pPr>
-      <a:lvl9pPr lvl="8" marR="0" rtl="0" algn="l">
+      <a:lvl9pPr marR="0" lvl="8" algn="l" rtl="0">
         <a:lnSpc>
           <a:spcPct val="100000"/>
         </a:lnSpc>
@@ -6888,7 +7150,7 @@
           <a:srgbClr val="000000"/>
         </a:buClr>
         <a:buFont typeface="Arial"/>
-        <a:defRPr b="0" i="0" sz="1400" u="none" cap="none" strike="noStrike">
+        <a:defRPr sz="1400" b="0" i="0" u="none" strike="noStrike" cap="none">
           <a:solidFill>
             <a:srgbClr val="000000"/>
           </a:solidFill>
@@ -6900,7 +7162,7 @@
       </a:lvl9pPr>
     </p:bodyStyle>
     <p:otherStyle>
-      <a:defPPr lvl="0" marR="0" rtl="0" algn="l">
+      <a:defPPr marR="0" lvl="0" algn="l" rtl="0">
         <a:lnSpc>
           <a:spcPct val="100000"/>
         </a:lnSpc>
@@ -6911,7 +7173,7 @@
           <a:spcPts val="0"/>
         </a:spcAft>
       </a:defPPr>
-      <a:lvl1pPr lvl="0" marR="0" rtl="0" algn="l">
+      <a:lvl1pPr marR="0" lvl="0" algn="l" rtl="0">
         <a:lnSpc>
           <a:spcPct val="100000"/>
         </a:lnSpc>
@@ -6925,7 +7187,7 @@
           <a:srgbClr val="000000"/>
         </a:buClr>
         <a:buFont typeface="Arial"/>
-        <a:defRPr b="0" i="0" sz="1400" u="none" cap="none" strike="noStrike">
+        <a:defRPr sz="1400" b="0" i="0" u="none" strike="noStrike" cap="none">
           <a:solidFill>
             <a:srgbClr val="000000"/>
           </a:solidFill>
@@ -6935,7 +7197,7 @@
           <a:sym typeface="Arial"/>
         </a:defRPr>
       </a:lvl1pPr>
-      <a:lvl2pPr lvl="1" marR="0" rtl="0" algn="l">
+      <a:lvl2pPr marR="0" lvl="1" algn="l" rtl="0">
         <a:lnSpc>
           <a:spcPct val="100000"/>
         </a:lnSpc>
@@ -6949,7 +7211,7 @@
           <a:srgbClr val="000000"/>
         </a:buClr>
         <a:buFont typeface="Arial"/>
-        <a:defRPr b="0" i="0" sz="1400" u="none" cap="none" strike="noStrike">
+        <a:defRPr sz="1400" b="0" i="0" u="none" strike="noStrike" cap="none">
           <a:solidFill>
             <a:srgbClr val="000000"/>
           </a:solidFill>
@@ -6959,7 +7221,7 @@
           <a:sym typeface="Arial"/>
         </a:defRPr>
       </a:lvl2pPr>
-      <a:lvl3pPr lvl="2" marR="0" rtl="0" algn="l">
+      <a:lvl3pPr marR="0" lvl="2" algn="l" rtl="0">
         <a:lnSpc>
           <a:spcPct val="100000"/>
         </a:lnSpc>
@@ -6973,7 +7235,7 @@
           <a:srgbClr val="000000"/>
         </a:buClr>
         <a:buFont typeface="Arial"/>
-        <a:defRPr b="0" i="0" sz="1400" u="none" cap="none" strike="noStrike">
+        <a:defRPr sz="1400" b="0" i="0" u="none" strike="noStrike" cap="none">
           <a:solidFill>
             <a:srgbClr val="000000"/>
           </a:solidFill>
@@ -6983,7 +7245,7 @@
           <a:sym typeface="Arial"/>
         </a:defRPr>
       </a:lvl3pPr>
-      <a:lvl4pPr lvl="3" marR="0" rtl="0" algn="l">
+      <a:lvl4pPr marR="0" lvl="3" algn="l" rtl="0">
         <a:lnSpc>
           <a:spcPct val="100000"/>
         </a:lnSpc>
@@ -6997,7 +7259,7 @@
           <a:srgbClr val="000000"/>
         </a:buClr>
         <a:buFont typeface="Arial"/>
-        <a:defRPr b="0" i="0" sz="1400" u="none" cap="none" strike="noStrike">
+        <a:defRPr sz="1400" b="0" i="0" u="none" strike="noStrike" cap="none">
           <a:solidFill>
             <a:srgbClr val="000000"/>
           </a:solidFill>
@@ -7007,7 +7269,7 @@
           <a:sym typeface="Arial"/>
         </a:defRPr>
       </a:lvl4pPr>
-      <a:lvl5pPr lvl="4" marR="0" rtl="0" algn="l">
+      <a:lvl5pPr marR="0" lvl="4" algn="l" rtl="0">
         <a:lnSpc>
           <a:spcPct val="100000"/>
         </a:lnSpc>
@@ -7021,7 +7283,7 @@
           <a:srgbClr val="000000"/>
         </a:buClr>
         <a:buFont typeface="Arial"/>
-        <a:defRPr b="0" i="0" sz="1400" u="none" cap="none" strike="noStrike">
+        <a:defRPr sz="1400" b="0" i="0" u="none" strike="noStrike" cap="none">
           <a:solidFill>
             <a:srgbClr val="000000"/>
           </a:solidFill>
@@ -7031,7 +7293,7 @@
           <a:sym typeface="Arial"/>
         </a:defRPr>
       </a:lvl5pPr>
-      <a:lvl6pPr lvl="5" marR="0" rtl="0" algn="l">
+      <a:lvl6pPr marR="0" lvl="5" algn="l" rtl="0">
         <a:lnSpc>
           <a:spcPct val="100000"/>
         </a:lnSpc>
@@ -7045,7 +7307,7 @@
           <a:srgbClr val="000000"/>
         </a:buClr>
         <a:buFont typeface="Arial"/>
-        <a:defRPr b="0" i="0" sz="1400" u="none" cap="none" strike="noStrike">
+        <a:defRPr sz="1400" b="0" i="0" u="none" strike="noStrike" cap="none">
           <a:solidFill>
             <a:srgbClr val="000000"/>
           </a:solidFill>
@@ -7055,7 +7317,7 @@
           <a:sym typeface="Arial"/>
         </a:defRPr>
       </a:lvl6pPr>
-      <a:lvl7pPr lvl="6" marR="0" rtl="0" algn="l">
+      <a:lvl7pPr marR="0" lvl="6" algn="l" rtl="0">
         <a:lnSpc>
           <a:spcPct val="100000"/>
         </a:lnSpc>
@@ -7069,7 +7331,7 @@
           <a:srgbClr val="000000"/>
         </a:buClr>
         <a:buFont typeface="Arial"/>
-        <a:defRPr b="0" i="0" sz="1400" u="none" cap="none" strike="noStrike">
+        <a:defRPr sz="1400" b="0" i="0" u="none" strike="noStrike" cap="none">
           <a:solidFill>
             <a:srgbClr val="000000"/>
           </a:solidFill>
@@ -7079,7 +7341,7 @@
           <a:sym typeface="Arial"/>
         </a:defRPr>
       </a:lvl7pPr>
-      <a:lvl8pPr lvl="7" marR="0" rtl="0" algn="l">
+      <a:lvl8pPr marR="0" lvl="7" algn="l" rtl="0">
         <a:lnSpc>
           <a:spcPct val="100000"/>
         </a:lnSpc>
@@ -7093,7 +7355,7 @@
           <a:srgbClr val="000000"/>
         </a:buClr>
         <a:buFont typeface="Arial"/>
-        <a:defRPr b="0" i="0" sz="1400" u="none" cap="none" strike="noStrike">
+        <a:defRPr sz="1400" b="0" i="0" u="none" strike="noStrike" cap="none">
           <a:solidFill>
             <a:srgbClr val="000000"/>
           </a:solidFill>
@@ -7103,7 +7365,7 @@
           <a:sym typeface="Arial"/>
         </a:defRPr>
       </a:lvl8pPr>
-      <a:lvl9pPr lvl="8" marR="0" rtl="0" algn="l">
+      <a:lvl9pPr marR="0" lvl="8" algn="l" rtl="0">
         <a:lnSpc>
           <a:spcPct val="100000"/>
         </a:lnSpc>
@@ -7117,7 +7379,7 @@
           <a:srgbClr val="000000"/>
         </a:buClr>
         <a:buFont typeface="Arial"/>
-        <a:defRPr b="0" i="0" sz="1400" u="none" cap="none" strike="noStrike">
+        <a:defRPr sz="1400" b="0" i="0" u="none" strike="noStrike" cap="none">
           <a:solidFill>
             <a:srgbClr val="000000"/>
           </a:solidFill>
@@ -7133,11 +7395,11 @@
 </file>
 
 <file path=ppt/slides/slide1.xml><?xml version="1.0" encoding="utf-8"?>
-<p:sld xmlns:a="http://schemas.openxmlformats.org/drawingml/2006/main" xmlns:r="http://schemas.openxmlformats.org/officeDocument/2006/relationships" xmlns:mc="http://schemas.openxmlformats.org/markup-compatibility/2006" xmlns:mv="urn:schemas-microsoft-com:mac:vml" xmlns:p="http://schemas.openxmlformats.org/presentationml/2006/main" xmlns:c="http://schemas.openxmlformats.org/drawingml/2006/chart" xmlns:dgm="http://schemas.openxmlformats.org/drawingml/2006/diagram" xmlns:o="urn:schemas-microsoft-com:office:office" xmlns:v="urn:schemas-microsoft-com:vml" xmlns:pvml="urn:schemas-microsoft-com:office:powerpoint" xmlns:com="http://schemas.openxmlformats.org/drawingml/2006/compatibility" xmlns:p14="http://schemas.microsoft.com/office/powerpoint/2010/main" xmlns:p15="http://schemas.microsoft.com/office/powerpoint/2012/main" xmlns:ahyp="http://schemas.microsoft.com/office/drawing/2018/hyperlinkcolor">
+<p:sld xmlns:a="http://schemas.openxmlformats.org/drawingml/2006/main" xmlns:r="http://schemas.openxmlformats.org/officeDocument/2006/relationships" xmlns:p="http://schemas.openxmlformats.org/presentationml/2006/main">
   <p:cSld>
     <p:spTree>
       <p:nvGrpSpPr>
-        <p:cNvPr id="53" name="Shape 53"/>
+        <p:cNvPr id="1" name="Shape 53"/>
         <p:cNvGrpSpPr/>
         <p:nvPr/>
       </p:nvGrpSpPr>
@@ -7152,7 +7414,9 @@
       <p:sp>
         <p:nvSpPr>
           <p:cNvPr id="54" name="Google Shape;54;p13"/>
-          <p:cNvSpPr txBox="1"/>
+          <p:cNvSpPr txBox="1">
+            <a:spLocks noGrp="1"/>
+          </p:cNvSpPr>
           <p:nvPr>
             <p:ph type="ctrTitle"/>
           </p:nvPr>
@@ -7167,12 +7431,12 @@
           </a:prstGeom>
         </p:spPr>
         <p:txBody>
-          <a:bodyPr anchorCtr="0" anchor="b" bIns="91425" lIns="91425" spcFirstLastPara="1" rIns="91425" wrap="square" tIns="91425">
+          <a:bodyPr spcFirstLastPara="1" wrap="square" lIns="91425" tIns="91425" rIns="91425" bIns="91425" anchor="b" anchorCtr="0">
             <a:normAutofit/>
           </a:bodyPr>
           <a:lstStyle/>
           <a:p>
-            <a:pPr indent="0" lvl="0" marL="0" rtl="0" algn="ctr">
+            <a:pPr marL="0" lvl="0" indent="0" algn="ctr" rtl="0">
               <a:spcBef>
                 <a:spcPts val="0"/>
               </a:spcBef>
@@ -7192,9 +7456,11 @@
       <p:sp>
         <p:nvSpPr>
           <p:cNvPr id="55" name="Google Shape;55;p13"/>
-          <p:cNvSpPr txBox="1"/>
+          <p:cNvSpPr txBox="1">
+            <a:spLocks noGrp="1"/>
+          </p:cNvSpPr>
           <p:nvPr>
-            <p:ph idx="1" type="subTitle"/>
+            <p:ph type="subTitle" idx="1"/>
           </p:nvPr>
         </p:nvSpPr>
         <p:spPr>
@@ -7207,12 +7473,12 @@
           </a:prstGeom>
         </p:spPr>
         <p:txBody>
-          <a:bodyPr anchorCtr="0" anchor="t" bIns="91425" lIns="91425" spcFirstLastPara="1" rIns="91425" wrap="square" tIns="91425">
+          <a:bodyPr spcFirstLastPara="1" wrap="square" lIns="91425" tIns="91425" rIns="91425" bIns="91425" anchor="t" anchorCtr="0">
             <a:normAutofit/>
           </a:bodyPr>
           <a:lstStyle/>
           <a:p>
-            <a:pPr indent="0" lvl="0" marL="0" rtl="0" algn="ctr">
+            <a:pPr marL="0" lvl="0" indent="0" algn="ctr" rtl="0">
               <a:spcBef>
                 <a:spcPts val="0"/>
               </a:spcBef>
@@ -7221,9 +7487,6 @@
               </a:spcAft>
               <a:buNone/>
             </a:pPr>
-            <a:r>
-              <a:t/>
-            </a:r>
             <a:endParaRPr/>
           </a:p>
         </p:txBody>
@@ -7237,11 +7500,11 @@
 </file>
 
 <file path=ppt/slides/slide10.xml><?xml version="1.0" encoding="utf-8"?>
-<p:sld xmlns:a="http://schemas.openxmlformats.org/drawingml/2006/main" xmlns:r="http://schemas.openxmlformats.org/officeDocument/2006/relationships" xmlns:mc="http://schemas.openxmlformats.org/markup-compatibility/2006" xmlns:mv="urn:schemas-microsoft-com:mac:vml" xmlns:p="http://schemas.openxmlformats.org/presentationml/2006/main" xmlns:c="http://schemas.openxmlformats.org/drawingml/2006/chart" xmlns:dgm="http://schemas.openxmlformats.org/drawingml/2006/diagram" xmlns:o="urn:schemas-microsoft-com:office:office" xmlns:v="urn:schemas-microsoft-com:vml" xmlns:pvml="urn:schemas-microsoft-com:office:powerpoint" xmlns:com="http://schemas.openxmlformats.org/drawingml/2006/compatibility" xmlns:p14="http://schemas.microsoft.com/office/powerpoint/2010/main" xmlns:p15="http://schemas.microsoft.com/office/powerpoint/2012/main" xmlns:ahyp="http://schemas.microsoft.com/office/drawing/2018/hyperlinkcolor">
+<p:sld xmlns:a="http://schemas.openxmlformats.org/drawingml/2006/main" xmlns:r="http://schemas.openxmlformats.org/officeDocument/2006/relationships" xmlns:p="http://schemas.openxmlformats.org/presentationml/2006/main">
   <p:cSld>
     <p:spTree>
       <p:nvGrpSpPr>
-        <p:cNvPr id="111" name="Shape 111"/>
+        <p:cNvPr id="1" name="Shape 111"/>
         <p:cNvGrpSpPr/>
         <p:nvPr/>
       </p:nvGrpSpPr>
@@ -7256,7 +7519,9 @@
       <p:sp>
         <p:nvSpPr>
           <p:cNvPr id="112" name="Google Shape;112;p22"/>
-          <p:cNvSpPr txBox="1"/>
+          <p:cNvSpPr txBox="1">
+            <a:spLocks noGrp="1"/>
+          </p:cNvSpPr>
           <p:nvPr>
             <p:ph type="title"/>
           </p:nvPr>
@@ -7271,12 +7536,12 @@
           </a:prstGeom>
         </p:spPr>
         <p:txBody>
-          <a:bodyPr anchorCtr="0" anchor="t" bIns="91425" lIns="91425" spcFirstLastPara="1" rIns="91425" wrap="square" tIns="91425">
+          <a:bodyPr spcFirstLastPara="1" wrap="square" lIns="91425" tIns="91425" rIns="91425" bIns="91425" anchor="t" anchorCtr="0">
             <a:normAutofit fontScale="90000"/>
           </a:bodyPr>
           <a:lstStyle/>
           <a:p>
-            <a:pPr indent="0" lvl="0" marL="0" rtl="0" algn="l">
+            <a:pPr marL="0" lvl="0" indent="0" algn="l" rtl="0">
               <a:spcBef>
                 <a:spcPts val="0"/>
               </a:spcBef>
@@ -7296,9 +7561,11 @@
       <p:sp>
         <p:nvSpPr>
           <p:cNvPr id="113" name="Google Shape;113;p22"/>
-          <p:cNvSpPr txBox="1"/>
+          <p:cNvSpPr txBox="1">
+            <a:spLocks noGrp="1"/>
+          </p:cNvSpPr>
           <p:nvPr>
-            <p:ph idx="1" type="body"/>
+            <p:ph type="body" idx="1"/>
           </p:nvPr>
         </p:nvSpPr>
         <p:spPr>
@@ -7311,12 +7578,12 @@
           </a:prstGeom>
         </p:spPr>
         <p:txBody>
-          <a:bodyPr anchorCtr="0" anchor="t" bIns="91425" lIns="91425" spcFirstLastPara="1" rIns="91425" wrap="square" tIns="91425">
+          <a:bodyPr spcFirstLastPara="1" wrap="square" lIns="91425" tIns="91425" rIns="91425" bIns="91425" anchor="t" anchorCtr="0">
             <a:normAutofit/>
           </a:bodyPr>
           <a:lstStyle/>
           <a:p>
-            <a:pPr indent="0" lvl="0" marL="0" rtl="0" algn="l">
+            <a:pPr marL="0" lvl="0" indent="0" algn="l" rtl="0">
               <a:spcBef>
                 <a:spcPts val="0"/>
               </a:spcBef>
@@ -7325,9 +7592,6 @@
               </a:spcAft>
               <a:buNone/>
             </a:pPr>
-            <a:r>
-              <a:t/>
-            </a:r>
             <a:endParaRPr/>
           </a:p>
         </p:txBody>
@@ -7397,11 +7661,11 @@
 </file>
 
 <file path=ppt/slides/slide11.xml><?xml version="1.0" encoding="utf-8"?>
-<p:sld xmlns:a="http://schemas.openxmlformats.org/drawingml/2006/main" xmlns:r="http://schemas.openxmlformats.org/officeDocument/2006/relationships" xmlns:mc="http://schemas.openxmlformats.org/markup-compatibility/2006" xmlns:mv="urn:schemas-microsoft-com:mac:vml" xmlns:p="http://schemas.openxmlformats.org/presentationml/2006/main" xmlns:c="http://schemas.openxmlformats.org/drawingml/2006/chart" xmlns:dgm="http://schemas.openxmlformats.org/drawingml/2006/diagram" xmlns:o="urn:schemas-microsoft-com:office:office" xmlns:v="urn:schemas-microsoft-com:vml" xmlns:pvml="urn:schemas-microsoft-com:office:powerpoint" xmlns:com="http://schemas.openxmlformats.org/drawingml/2006/compatibility" xmlns:p14="http://schemas.microsoft.com/office/powerpoint/2010/main" xmlns:p15="http://schemas.microsoft.com/office/powerpoint/2012/main" xmlns:ahyp="http://schemas.microsoft.com/office/drawing/2018/hyperlinkcolor">
+<p:sld xmlns:a="http://schemas.openxmlformats.org/drawingml/2006/main" xmlns:r="http://schemas.openxmlformats.org/officeDocument/2006/relationships" xmlns:p="http://schemas.openxmlformats.org/presentationml/2006/main">
   <p:cSld>
     <p:spTree>
       <p:nvGrpSpPr>
-        <p:cNvPr id="119" name="Shape 119"/>
+        <p:cNvPr id="1" name="Shape 119"/>
         <p:cNvGrpSpPr/>
         <p:nvPr/>
       </p:nvGrpSpPr>
@@ -7416,7 +7680,9 @@
       <p:sp>
         <p:nvSpPr>
           <p:cNvPr id="120" name="Google Shape;120;p23"/>
-          <p:cNvSpPr txBox="1"/>
+          <p:cNvSpPr txBox="1">
+            <a:spLocks noGrp="1"/>
+          </p:cNvSpPr>
           <p:nvPr>
             <p:ph type="title"/>
           </p:nvPr>
@@ -7431,12 +7697,12 @@
           </a:prstGeom>
         </p:spPr>
         <p:txBody>
-          <a:bodyPr anchorCtr="0" anchor="t" bIns="91425" lIns="91425" spcFirstLastPara="1" rIns="91425" wrap="square" tIns="91425">
+          <a:bodyPr spcFirstLastPara="1" wrap="square" lIns="91425" tIns="91425" rIns="91425" bIns="91425" anchor="t" anchorCtr="0">
             <a:normAutofit fontScale="90000"/>
           </a:bodyPr>
           <a:lstStyle/>
           <a:p>
-            <a:pPr indent="0" lvl="0" marL="0" rtl="0" algn="l">
+            <a:pPr marL="0" lvl="0" indent="0" algn="l" rtl="0">
               <a:spcBef>
                 <a:spcPts val="0"/>
               </a:spcBef>
@@ -7456,9 +7722,11 @@
       <p:sp>
         <p:nvSpPr>
           <p:cNvPr id="121" name="Google Shape;121;p23"/>
-          <p:cNvSpPr txBox="1"/>
+          <p:cNvSpPr txBox="1">
+            <a:spLocks noGrp="1"/>
+          </p:cNvSpPr>
           <p:nvPr>
-            <p:ph idx="1" type="body"/>
+            <p:ph type="body" idx="1"/>
           </p:nvPr>
         </p:nvSpPr>
         <p:spPr>
@@ -7471,12 +7739,12 @@
           </a:prstGeom>
         </p:spPr>
         <p:txBody>
-          <a:bodyPr anchorCtr="0" anchor="t" bIns="91425" lIns="91425" spcFirstLastPara="1" rIns="91425" wrap="square" tIns="91425">
+          <a:bodyPr spcFirstLastPara="1" wrap="square" lIns="91425" tIns="91425" rIns="91425" bIns="91425" anchor="t" anchorCtr="0">
             <a:normAutofit/>
           </a:bodyPr>
           <a:lstStyle/>
           <a:p>
-            <a:pPr indent="0" lvl="0" marL="0" rtl="0" algn="l">
+            <a:pPr marL="0" lvl="0" indent="0" algn="l" rtl="0">
               <a:spcBef>
                 <a:spcPts val="0"/>
               </a:spcBef>
@@ -7542,11 +7810,11 @@
 </file>
 
 <file path=ppt/slides/slide12.xml><?xml version="1.0" encoding="utf-8"?>
-<p:sld xmlns:a="http://schemas.openxmlformats.org/drawingml/2006/main" xmlns:r="http://schemas.openxmlformats.org/officeDocument/2006/relationships" xmlns:mc="http://schemas.openxmlformats.org/markup-compatibility/2006" xmlns:mv="urn:schemas-microsoft-com:mac:vml" xmlns:p="http://schemas.openxmlformats.org/presentationml/2006/main" xmlns:c="http://schemas.openxmlformats.org/drawingml/2006/chart" xmlns:dgm="http://schemas.openxmlformats.org/drawingml/2006/diagram" xmlns:o="urn:schemas-microsoft-com:office:office" xmlns:v="urn:schemas-microsoft-com:vml" xmlns:pvml="urn:schemas-microsoft-com:office:powerpoint" xmlns:com="http://schemas.openxmlformats.org/drawingml/2006/compatibility" xmlns:p14="http://schemas.microsoft.com/office/powerpoint/2010/main" xmlns:p15="http://schemas.microsoft.com/office/powerpoint/2012/main" xmlns:ahyp="http://schemas.microsoft.com/office/drawing/2018/hyperlinkcolor">
+<p:sld xmlns:a="http://schemas.openxmlformats.org/drawingml/2006/main" xmlns:r="http://schemas.openxmlformats.org/officeDocument/2006/relationships" xmlns:p="http://schemas.openxmlformats.org/presentationml/2006/main">
   <p:cSld>
     <p:spTree>
       <p:nvGrpSpPr>
-        <p:cNvPr id="126" name="Shape 126"/>
+        <p:cNvPr id="1" name="Shape 126"/>
         <p:cNvGrpSpPr/>
         <p:nvPr/>
       </p:nvGrpSpPr>
@@ -7561,7 +7829,9 @@
       <p:sp>
         <p:nvSpPr>
           <p:cNvPr id="127" name="Google Shape;127;p24"/>
-          <p:cNvSpPr txBox="1"/>
+          <p:cNvSpPr txBox="1">
+            <a:spLocks noGrp="1"/>
+          </p:cNvSpPr>
           <p:nvPr>
             <p:ph type="title"/>
           </p:nvPr>
@@ -7576,12 +7846,12 @@
           </a:prstGeom>
         </p:spPr>
         <p:txBody>
-          <a:bodyPr anchorCtr="0" anchor="t" bIns="91425" lIns="91425" spcFirstLastPara="1" rIns="91425" wrap="square" tIns="91425">
+          <a:bodyPr spcFirstLastPara="1" wrap="square" lIns="91425" tIns="91425" rIns="91425" bIns="91425" anchor="t" anchorCtr="0">
             <a:normAutofit fontScale="90000"/>
           </a:bodyPr>
           <a:lstStyle/>
           <a:p>
-            <a:pPr indent="0" lvl="0" marL="0" rtl="0" algn="l">
+            <a:pPr marL="0" lvl="0" indent="0" algn="l" rtl="0">
               <a:spcBef>
                 <a:spcPts val="0"/>
               </a:spcBef>
@@ -7601,9 +7871,11 @@
       <p:sp>
         <p:nvSpPr>
           <p:cNvPr id="128" name="Google Shape;128;p24"/>
-          <p:cNvSpPr txBox="1"/>
+          <p:cNvSpPr txBox="1">
+            <a:spLocks noGrp="1"/>
+          </p:cNvSpPr>
           <p:nvPr>
-            <p:ph idx="1" type="body"/>
+            <p:ph type="body" idx="1"/>
           </p:nvPr>
         </p:nvSpPr>
         <p:spPr>
@@ -7616,12 +7888,12 @@
           </a:prstGeom>
         </p:spPr>
         <p:txBody>
-          <a:bodyPr anchorCtr="0" anchor="t" bIns="91425" lIns="91425" spcFirstLastPara="1" rIns="91425" wrap="square" tIns="91425">
+          <a:bodyPr spcFirstLastPara="1" wrap="square" lIns="91425" tIns="91425" rIns="91425" bIns="91425" anchor="t" anchorCtr="0">
             <a:normAutofit/>
           </a:bodyPr>
           <a:lstStyle/>
           <a:p>
-            <a:pPr indent="0" lvl="0" marL="0" rtl="0" algn="l">
+            <a:pPr marL="0" lvl="0" indent="0" algn="l" rtl="0">
               <a:spcBef>
                 <a:spcPts val="0"/>
               </a:spcBef>
@@ -7649,7 +7921,7 @@
             <a:endParaRPr/>
           </a:p>
           <a:p>
-            <a:pPr indent="0" lvl="0" marL="0" rtl="0" algn="l">
+            <a:pPr marL="0" lvl="0" indent="0" algn="l" rtl="0">
               <a:spcBef>
                 <a:spcPts val="1200"/>
               </a:spcBef>
@@ -7658,13 +7930,10 @@
               </a:spcAft>
               <a:buNone/>
             </a:pPr>
-            <a:r>
-              <a:t/>
-            </a:r>
             <a:endParaRPr/>
           </a:p>
           <a:p>
-            <a:pPr indent="0" lvl="0" marL="0" rtl="0" algn="l">
+            <a:pPr marL="0" lvl="0" indent="0" algn="l" rtl="0">
               <a:spcBef>
                 <a:spcPts val="1200"/>
               </a:spcBef>
@@ -7673,13 +7942,10 @@
               </a:spcAft>
               <a:buNone/>
             </a:pPr>
-            <a:r>
-              <a:t/>
-            </a:r>
             <a:endParaRPr/>
           </a:p>
           <a:p>
-            <a:pPr indent="0" lvl="0" marL="0" rtl="0" algn="l">
+            <a:pPr marL="0" lvl="0" indent="0" algn="l" rtl="0">
               <a:spcBef>
                 <a:spcPts val="1200"/>
               </a:spcBef>
@@ -7688,13 +7954,10 @@
               </a:spcAft>
               <a:buNone/>
             </a:pPr>
-            <a:r>
-              <a:t/>
-            </a:r>
             <a:endParaRPr/>
           </a:p>
           <a:p>
-            <a:pPr indent="0" lvl="0" marL="0" rtl="0" algn="l">
+            <a:pPr marL="0" lvl="0" indent="0" algn="l" rtl="0">
               <a:spcBef>
                 <a:spcPts val="1200"/>
               </a:spcBef>
@@ -7703,13 +7966,10 @@
               </a:spcAft>
               <a:buNone/>
             </a:pPr>
-            <a:r>
-              <a:t/>
-            </a:r>
             <a:endParaRPr/>
           </a:p>
           <a:p>
-            <a:pPr indent="0" lvl="0" marL="0" rtl="0" algn="l">
+            <a:pPr marL="0" lvl="0" indent="0" algn="l" rtl="0">
               <a:spcBef>
                 <a:spcPts val="1200"/>
               </a:spcBef>
@@ -7801,7 +8061,7 @@
             </a:endParaRPr>
           </a:p>
           <a:p>
-            <a:pPr indent="0" lvl="0" marL="0" rtl="0" algn="l">
+            <a:pPr marL="0" lvl="0" indent="0" algn="l" rtl="0">
               <a:spcBef>
                 <a:spcPts val="1200"/>
               </a:spcBef>
@@ -7810,9 +8070,6 @@
               </a:spcAft>
               <a:buNone/>
             </a:pPr>
-            <a:r>
-              <a:t/>
-            </a:r>
             <a:endParaRPr sz="1150">
               <a:solidFill>
                 <a:srgbClr val="000000"/>
@@ -7865,11 +8122,11 @@
 </file>
 
 <file path=ppt/slides/slide13.xml><?xml version="1.0" encoding="utf-8"?>
-<p:sld xmlns:a="http://schemas.openxmlformats.org/drawingml/2006/main" xmlns:r="http://schemas.openxmlformats.org/officeDocument/2006/relationships" xmlns:mc="http://schemas.openxmlformats.org/markup-compatibility/2006" xmlns:mv="urn:schemas-microsoft-com:mac:vml" xmlns:p="http://schemas.openxmlformats.org/presentationml/2006/main" xmlns:c="http://schemas.openxmlformats.org/drawingml/2006/chart" xmlns:dgm="http://schemas.openxmlformats.org/drawingml/2006/diagram" xmlns:o="urn:schemas-microsoft-com:office:office" xmlns:v="urn:schemas-microsoft-com:vml" xmlns:pvml="urn:schemas-microsoft-com:office:powerpoint" xmlns:com="http://schemas.openxmlformats.org/drawingml/2006/compatibility" xmlns:p14="http://schemas.microsoft.com/office/powerpoint/2010/main" xmlns:p15="http://schemas.microsoft.com/office/powerpoint/2012/main" xmlns:ahyp="http://schemas.microsoft.com/office/drawing/2018/hyperlinkcolor">
+<p:sld xmlns:a="http://schemas.openxmlformats.org/drawingml/2006/main" xmlns:r="http://schemas.openxmlformats.org/officeDocument/2006/relationships" xmlns:p="http://schemas.openxmlformats.org/presentationml/2006/main">
   <p:cSld>
     <p:spTree>
       <p:nvGrpSpPr>
-        <p:cNvPr id="133" name="Shape 133"/>
+        <p:cNvPr id="1" name="Shape 133"/>
         <p:cNvGrpSpPr/>
         <p:nvPr/>
       </p:nvGrpSpPr>
@@ -7884,7 +8141,9 @@
       <p:sp>
         <p:nvSpPr>
           <p:cNvPr id="134" name="Google Shape;134;p25"/>
-          <p:cNvSpPr txBox="1"/>
+          <p:cNvSpPr txBox="1">
+            <a:spLocks noGrp="1"/>
+          </p:cNvSpPr>
           <p:nvPr>
             <p:ph type="title"/>
           </p:nvPr>
@@ -7899,12 +8158,12 @@
           </a:prstGeom>
         </p:spPr>
         <p:txBody>
-          <a:bodyPr anchorCtr="0" anchor="t" bIns="91425" lIns="91425" spcFirstLastPara="1" rIns="91425" wrap="square" tIns="91425">
+          <a:bodyPr spcFirstLastPara="1" wrap="square" lIns="91425" tIns="91425" rIns="91425" bIns="91425" anchor="t" anchorCtr="0">
             <a:normAutofit fontScale="90000"/>
           </a:bodyPr>
           <a:lstStyle/>
           <a:p>
-            <a:pPr indent="0" lvl="0" marL="0" rtl="0" algn="l">
+            <a:pPr marL="0" lvl="0" indent="0" algn="l" rtl="0">
               <a:spcBef>
                 <a:spcPts val="0"/>
               </a:spcBef>
@@ -7913,9 +8172,6 @@
               </a:spcAft>
               <a:buNone/>
             </a:pPr>
-            <a:r>
-              <a:t/>
-            </a:r>
             <a:endParaRPr/>
           </a:p>
         </p:txBody>
@@ -7923,9 +8179,11 @@
       <p:sp>
         <p:nvSpPr>
           <p:cNvPr id="135" name="Google Shape;135;p25"/>
-          <p:cNvSpPr txBox="1"/>
+          <p:cNvSpPr txBox="1">
+            <a:spLocks noGrp="1"/>
+          </p:cNvSpPr>
           <p:nvPr>
-            <p:ph idx="1" type="body"/>
+            <p:ph type="body" idx="1"/>
           </p:nvPr>
         </p:nvSpPr>
         <p:spPr>
@@ -7938,12 +8196,12 @@
           </a:prstGeom>
         </p:spPr>
         <p:txBody>
-          <a:bodyPr anchorCtr="0" anchor="t" bIns="91425" lIns="91425" spcFirstLastPara="1" rIns="91425" wrap="square" tIns="91425">
+          <a:bodyPr spcFirstLastPara="1" wrap="square" lIns="91425" tIns="91425" rIns="91425" bIns="91425" anchor="t" anchorCtr="0">
             <a:normAutofit/>
           </a:bodyPr>
           <a:lstStyle/>
           <a:p>
-            <a:pPr indent="0" lvl="0" marL="0" rtl="0" algn="l">
+            <a:pPr marL="0" lvl="0" indent="0" algn="l" rtl="0">
               <a:spcBef>
                 <a:spcPts val="0"/>
               </a:spcBef>
@@ -7952,9 +8210,6 @@
               </a:spcAft>
               <a:buNone/>
             </a:pPr>
-            <a:r>
-              <a:t/>
-            </a:r>
             <a:endParaRPr/>
           </a:p>
         </p:txBody>
@@ -7996,11 +8251,11 @@
 </file>
 
 <file path=ppt/slides/slide14.xml><?xml version="1.0" encoding="utf-8"?>
-<p:sld xmlns:a="http://schemas.openxmlformats.org/drawingml/2006/main" xmlns:r="http://schemas.openxmlformats.org/officeDocument/2006/relationships" xmlns:mc="http://schemas.openxmlformats.org/markup-compatibility/2006" xmlns:mv="urn:schemas-microsoft-com:mac:vml" xmlns:p="http://schemas.openxmlformats.org/presentationml/2006/main" xmlns:c="http://schemas.openxmlformats.org/drawingml/2006/chart" xmlns:dgm="http://schemas.openxmlformats.org/drawingml/2006/diagram" xmlns:o="urn:schemas-microsoft-com:office:office" xmlns:v="urn:schemas-microsoft-com:vml" xmlns:pvml="urn:schemas-microsoft-com:office:powerpoint" xmlns:com="http://schemas.openxmlformats.org/drawingml/2006/compatibility" xmlns:p14="http://schemas.microsoft.com/office/powerpoint/2010/main" xmlns:p15="http://schemas.microsoft.com/office/powerpoint/2012/main" xmlns:ahyp="http://schemas.microsoft.com/office/drawing/2018/hyperlinkcolor">
+<p:sld xmlns:a="http://schemas.openxmlformats.org/drawingml/2006/main" xmlns:r="http://schemas.openxmlformats.org/officeDocument/2006/relationships" xmlns:p="http://schemas.openxmlformats.org/presentationml/2006/main">
   <p:cSld>
     <p:spTree>
       <p:nvGrpSpPr>
-        <p:cNvPr id="140" name="Shape 140"/>
+        <p:cNvPr id="1" name="Shape 140"/>
         <p:cNvGrpSpPr/>
         <p:nvPr/>
       </p:nvGrpSpPr>
@@ -8015,7 +8270,9 @@
       <p:sp>
         <p:nvSpPr>
           <p:cNvPr id="141" name="Google Shape;141;p26"/>
-          <p:cNvSpPr txBox="1"/>
+          <p:cNvSpPr txBox="1">
+            <a:spLocks noGrp="1"/>
+          </p:cNvSpPr>
           <p:nvPr>
             <p:ph type="title"/>
           </p:nvPr>
@@ -8030,12 +8287,12 @@
           </a:prstGeom>
         </p:spPr>
         <p:txBody>
-          <a:bodyPr anchorCtr="0" anchor="t" bIns="91425" lIns="91425" spcFirstLastPara="1" rIns="91425" wrap="square" tIns="91425">
+          <a:bodyPr spcFirstLastPara="1" wrap="square" lIns="91425" tIns="91425" rIns="91425" bIns="91425" anchor="t" anchorCtr="0">
             <a:normAutofit fontScale="90000"/>
           </a:bodyPr>
           <a:lstStyle/>
           <a:p>
-            <a:pPr indent="0" lvl="0" marL="0" rtl="0" algn="l">
+            <a:pPr marL="0" lvl="0" indent="0" algn="l" rtl="0">
               <a:spcBef>
                 <a:spcPts val="0"/>
               </a:spcBef>
@@ -8055,9 +8312,11 @@
       <p:sp>
         <p:nvSpPr>
           <p:cNvPr id="142" name="Google Shape;142;p26"/>
-          <p:cNvSpPr txBox="1"/>
+          <p:cNvSpPr txBox="1">
+            <a:spLocks noGrp="1"/>
+          </p:cNvSpPr>
           <p:nvPr>
-            <p:ph idx="1" type="body"/>
+            <p:ph type="body" idx="1"/>
           </p:nvPr>
         </p:nvSpPr>
         <p:spPr>
@@ -8070,12 +8329,12 @@
           </a:prstGeom>
         </p:spPr>
         <p:txBody>
-          <a:bodyPr anchorCtr="0" anchor="t" bIns="91425" lIns="91425" spcFirstLastPara="1" rIns="91425" wrap="square" tIns="91425">
+          <a:bodyPr spcFirstLastPara="1" wrap="square" lIns="91425" tIns="91425" rIns="91425" bIns="91425" anchor="t" anchorCtr="0">
             <a:normAutofit/>
           </a:bodyPr>
           <a:lstStyle/>
           <a:p>
-            <a:pPr indent="0" lvl="0" marL="0" rtl="0" algn="l">
+            <a:pPr marL="0" lvl="0" indent="0" algn="l" rtl="0">
               <a:spcBef>
                 <a:spcPts val="0"/>
               </a:spcBef>
@@ -8091,7 +8350,7 @@
             <a:endParaRPr/>
           </a:p>
           <a:p>
-            <a:pPr indent="0" lvl="0" marL="0" rtl="0" algn="l">
+            <a:pPr marL="0" lvl="0" indent="0" algn="l" rtl="0">
               <a:spcBef>
                 <a:spcPts val="1200"/>
               </a:spcBef>
@@ -8100,9 +8359,6 @@
               </a:spcAft>
               <a:buNone/>
             </a:pPr>
-            <a:r>
-              <a:t/>
-            </a:r>
             <a:endParaRPr/>
           </a:p>
         </p:txBody>
@@ -8144,11 +8400,11 @@
 </file>
 
 <file path=ppt/slides/slide15.xml><?xml version="1.0" encoding="utf-8"?>
-<p:sld xmlns:a="http://schemas.openxmlformats.org/drawingml/2006/main" xmlns:r="http://schemas.openxmlformats.org/officeDocument/2006/relationships" xmlns:mc="http://schemas.openxmlformats.org/markup-compatibility/2006" xmlns:mv="urn:schemas-microsoft-com:mac:vml" xmlns:p="http://schemas.openxmlformats.org/presentationml/2006/main" xmlns:c="http://schemas.openxmlformats.org/drawingml/2006/chart" xmlns:dgm="http://schemas.openxmlformats.org/drawingml/2006/diagram" xmlns:o="urn:schemas-microsoft-com:office:office" xmlns:v="urn:schemas-microsoft-com:vml" xmlns:pvml="urn:schemas-microsoft-com:office:powerpoint" xmlns:com="http://schemas.openxmlformats.org/drawingml/2006/compatibility" xmlns:p14="http://schemas.microsoft.com/office/powerpoint/2010/main" xmlns:p15="http://schemas.microsoft.com/office/powerpoint/2012/main" xmlns:ahyp="http://schemas.microsoft.com/office/drawing/2018/hyperlinkcolor">
+<p:sld xmlns:a="http://schemas.openxmlformats.org/drawingml/2006/main" xmlns:r="http://schemas.openxmlformats.org/officeDocument/2006/relationships" xmlns:p="http://schemas.openxmlformats.org/presentationml/2006/main">
   <p:cSld>
     <p:spTree>
       <p:nvGrpSpPr>
-        <p:cNvPr id="147" name="Shape 147"/>
+        <p:cNvPr id="1" name="Shape 147"/>
         <p:cNvGrpSpPr/>
         <p:nvPr/>
       </p:nvGrpSpPr>
@@ -8163,7 +8419,9 @@
       <p:sp>
         <p:nvSpPr>
           <p:cNvPr id="148" name="Google Shape;148;p27"/>
-          <p:cNvSpPr txBox="1"/>
+          <p:cNvSpPr txBox="1">
+            <a:spLocks noGrp="1"/>
+          </p:cNvSpPr>
           <p:nvPr>
             <p:ph type="title"/>
           </p:nvPr>
@@ -8178,12 +8436,12 @@
           </a:prstGeom>
         </p:spPr>
         <p:txBody>
-          <a:bodyPr anchorCtr="0" anchor="t" bIns="91425" lIns="91425" spcFirstLastPara="1" rIns="91425" wrap="square" tIns="91425">
+          <a:bodyPr spcFirstLastPara="1" wrap="square" lIns="91425" tIns="91425" rIns="91425" bIns="91425" anchor="t" anchorCtr="0">
             <a:normAutofit fontScale="90000"/>
           </a:bodyPr>
           <a:lstStyle/>
           <a:p>
-            <a:pPr indent="0" lvl="0" marL="0" rtl="0" algn="l">
+            <a:pPr marL="0" lvl="0" indent="0" algn="l" rtl="0">
               <a:spcBef>
                 <a:spcPts val="0"/>
               </a:spcBef>
@@ -8203,9 +8461,11 @@
       <p:sp>
         <p:nvSpPr>
           <p:cNvPr id="149" name="Google Shape;149;p27"/>
-          <p:cNvSpPr txBox="1"/>
+          <p:cNvSpPr txBox="1">
+            <a:spLocks noGrp="1"/>
+          </p:cNvSpPr>
           <p:nvPr>
-            <p:ph idx="1" type="body"/>
+            <p:ph type="body" idx="1"/>
           </p:nvPr>
         </p:nvSpPr>
         <p:spPr>
@@ -8218,12 +8478,12 @@
           </a:prstGeom>
         </p:spPr>
         <p:txBody>
-          <a:bodyPr anchorCtr="0" anchor="t" bIns="91425" lIns="91425" spcFirstLastPara="1" rIns="91425" wrap="square" tIns="91425">
+          <a:bodyPr spcFirstLastPara="1" wrap="square" lIns="91425" tIns="91425" rIns="91425" bIns="91425" anchor="t" anchorCtr="0">
             <a:normAutofit/>
           </a:bodyPr>
           <a:lstStyle/>
           <a:p>
-            <a:pPr indent="0" lvl="0" marL="0" rtl="0" algn="l">
+            <a:pPr marL="0" lvl="0" indent="0" algn="l" rtl="0">
               <a:spcBef>
                 <a:spcPts val="0"/>
               </a:spcBef>
@@ -8233,13 +8493,13 @@
               <a:buNone/>
             </a:pPr>
             <a:r>
-              <a:rPr lang="en"/>
+              <a:rPr lang="en" dirty="0"/>
               <a:t>Создание иерархию классов с использованием наследования в Python</a:t>
             </a:r>
-            <a:endParaRPr/>
-          </a:p>
-          <a:p>
-            <a:pPr indent="0" lvl="0" marL="0" rtl="0" algn="l">
+            <a:endParaRPr dirty="0"/>
+          </a:p>
+          <a:p>
+            <a:pPr marL="0" lvl="0" indent="0" algn="l" rtl="0">
               <a:spcBef>
                 <a:spcPts val="1200"/>
               </a:spcBef>
@@ -8249,10 +8509,10 @@
               <a:buNone/>
             </a:pPr>
             <a:r>
-              <a:rPr lang="en"/>
+              <a:rPr lang="en" dirty="0"/>
               <a:t>базовый класс, создадут подклассы</a:t>
             </a:r>
-            <a:endParaRPr/>
+            <a:endParaRPr dirty="0"/>
           </a:p>
         </p:txBody>
       </p:sp>
@@ -8265,11 +8525,11 @@
 </file>
 
 <file path=ppt/slides/slide16.xml><?xml version="1.0" encoding="utf-8"?>
-<p:sld xmlns:a="http://schemas.openxmlformats.org/drawingml/2006/main" xmlns:r="http://schemas.openxmlformats.org/officeDocument/2006/relationships" xmlns:mc="http://schemas.openxmlformats.org/markup-compatibility/2006" xmlns:mv="urn:schemas-microsoft-com:mac:vml" xmlns:p="http://schemas.openxmlformats.org/presentationml/2006/main" xmlns:c="http://schemas.openxmlformats.org/drawingml/2006/chart" xmlns:dgm="http://schemas.openxmlformats.org/drawingml/2006/diagram" xmlns:o="urn:schemas-microsoft-com:office:office" xmlns:v="urn:schemas-microsoft-com:vml" xmlns:pvml="urn:schemas-microsoft-com:office:powerpoint" xmlns:com="http://schemas.openxmlformats.org/drawingml/2006/compatibility" xmlns:p14="http://schemas.microsoft.com/office/powerpoint/2010/main" xmlns:p15="http://schemas.microsoft.com/office/powerpoint/2012/main" xmlns:ahyp="http://schemas.microsoft.com/office/drawing/2018/hyperlinkcolor">
+<p:sld xmlns:a="http://schemas.openxmlformats.org/drawingml/2006/main" xmlns:r="http://schemas.openxmlformats.org/officeDocument/2006/relationships" xmlns:p="http://schemas.openxmlformats.org/presentationml/2006/main">
   <p:cSld>
     <p:spTree>
       <p:nvGrpSpPr>
-        <p:cNvPr id="153" name="Shape 153"/>
+        <p:cNvPr id="1" name="Shape 153"/>
         <p:cNvGrpSpPr/>
         <p:nvPr/>
       </p:nvGrpSpPr>
@@ -8284,7 +8544,9 @@
       <p:sp>
         <p:nvSpPr>
           <p:cNvPr id="154" name="Google Shape;154;p28"/>
-          <p:cNvSpPr txBox="1"/>
+          <p:cNvSpPr txBox="1">
+            <a:spLocks noGrp="1"/>
+          </p:cNvSpPr>
           <p:nvPr>
             <p:ph type="title"/>
           </p:nvPr>
@@ -8299,12 +8561,12 @@
           </a:prstGeom>
         </p:spPr>
         <p:txBody>
-          <a:bodyPr anchorCtr="0" anchor="t" bIns="91425" lIns="91425" spcFirstLastPara="1" rIns="91425" wrap="square" tIns="91425">
+          <a:bodyPr spcFirstLastPara="1" wrap="square" lIns="91425" tIns="91425" rIns="91425" bIns="91425" anchor="t" anchorCtr="0">
             <a:normAutofit fontScale="90000"/>
           </a:bodyPr>
           <a:lstStyle/>
           <a:p>
-            <a:pPr indent="0" lvl="0" marL="0" rtl="0" algn="l">
+            <a:pPr marL="0" lvl="0" indent="0" algn="l" rtl="0">
               <a:spcBef>
                 <a:spcPts val="0"/>
               </a:spcBef>
@@ -8324,9 +8586,11 @@
       <p:sp>
         <p:nvSpPr>
           <p:cNvPr id="155" name="Google Shape;155;p28"/>
-          <p:cNvSpPr txBox="1"/>
+          <p:cNvSpPr txBox="1">
+            <a:spLocks noGrp="1"/>
+          </p:cNvSpPr>
           <p:nvPr>
-            <p:ph idx="1" type="body"/>
+            <p:ph type="body" idx="1"/>
           </p:nvPr>
         </p:nvSpPr>
         <p:spPr>
@@ -8339,12 +8603,12 @@
           </a:prstGeom>
         </p:spPr>
         <p:txBody>
-          <a:bodyPr anchorCtr="0" anchor="t" bIns="91425" lIns="91425" spcFirstLastPara="1" rIns="91425" wrap="square" tIns="91425">
+          <a:bodyPr spcFirstLastPara="1" wrap="square" lIns="91425" tIns="91425" rIns="91425" bIns="91425" anchor="t" anchorCtr="0">
             <a:normAutofit fontScale="92500" lnSpcReduction="10000"/>
           </a:bodyPr>
           <a:lstStyle/>
           <a:p>
-            <a:pPr indent="-334327" lvl="0" marL="457200" rtl="0" algn="l">
+            <a:pPr marL="457200" lvl="0" indent="-334327" algn="l" rtl="0">
               <a:spcBef>
                 <a:spcPts val="0"/>
               </a:spcBef>
@@ -8355,13 +8619,13 @@
               <a:buAutoNum type="arabicPeriod"/>
             </a:pPr>
             <a:r>
-              <a:rPr b="1" lang="en"/>
+              <a:rPr lang="en" b="1" dirty="0"/>
               <a:t>Создайте базовый класс Vehicle (Транспортное средство)</a:t>
             </a:r>
-            <a:endParaRPr b="1"/>
-          </a:p>
-          <a:p>
-            <a:pPr indent="-334327" lvl="0" marL="457200" rtl="0" algn="l">
+            <a:endParaRPr b="1" dirty="0"/>
+          </a:p>
+          <a:p>
+            <a:pPr marL="457200" lvl="0" indent="-334327" algn="l" rtl="0">
               <a:spcBef>
                 <a:spcPts val="0"/>
               </a:spcBef>
@@ -8375,7 +8639,7 @@
               <a:buChar char="-"/>
             </a:pPr>
             <a:r>
-              <a:rPr lang="en">
+              <a:rPr lang="en" dirty="0">
                 <a:solidFill>
                   <a:schemeClr val="dk1"/>
                 </a:solidFill>
@@ -8383,7 +8647,7 @@
               <a:t>Атрибуты: </a:t>
             </a:r>
             <a:r>
-              <a:rPr lang="en">
+              <a:rPr lang="en" dirty="0">
                 <a:solidFill>
                   <a:srgbClr val="DC143C"/>
                 </a:solidFill>
@@ -8391,7 +8655,7 @@
               <a:t>brand </a:t>
             </a:r>
             <a:r>
-              <a:rPr lang="en">
+              <a:rPr lang="en" dirty="0">
                 <a:solidFill>
                   <a:schemeClr val="dk1"/>
                 </a:solidFill>
@@ -8399,7 +8663,7 @@
               <a:t>(марка), </a:t>
             </a:r>
             <a:r>
-              <a:rPr lang="en">
+              <a:rPr lang="en" dirty="0">
                 <a:solidFill>
                   <a:srgbClr val="DC143C"/>
                 </a:solidFill>
@@ -8407,7 +8671,7 @@
               <a:t>model </a:t>
             </a:r>
             <a:r>
-              <a:rPr lang="en">
+              <a:rPr lang="en" dirty="0">
                 <a:solidFill>
                   <a:schemeClr val="dk1"/>
                 </a:solidFill>
@@ -8415,7 +8679,7 @@
               <a:t>(модель), </a:t>
             </a:r>
             <a:r>
-              <a:rPr lang="en">
+              <a:rPr lang="en" dirty="0">
                 <a:solidFill>
                   <a:srgbClr val="DC143C"/>
                 </a:solidFill>
@@ -8423,21 +8687,21 @@
               <a:t>year </a:t>
             </a:r>
             <a:r>
-              <a:rPr lang="en">
+              <a:rPr lang="en" dirty="0">
                 <a:solidFill>
                   <a:schemeClr val="dk1"/>
                 </a:solidFill>
               </a:rPr>
               <a:t>(год выпуска)</a:t>
             </a:r>
-            <a:endParaRPr>
+            <a:endParaRPr dirty="0">
               <a:solidFill>
                 <a:schemeClr val="dk1"/>
               </a:solidFill>
             </a:endParaRPr>
           </a:p>
           <a:p>
-            <a:pPr indent="-334327" lvl="0" marL="457200" rtl="0" algn="l">
+            <a:pPr marL="457200" lvl="0" indent="-334327" algn="l" rtl="0">
               <a:spcBef>
                 <a:spcPts val="0"/>
               </a:spcBef>
@@ -8451,7 +8715,7 @@
               <a:buChar char="-"/>
             </a:pPr>
             <a:r>
-              <a:rPr lang="en">
+              <a:rPr lang="en" dirty="0">
                 <a:solidFill>
                   <a:schemeClr val="dk1"/>
                 </a:solidFill>
@@ -8459,7 +8723,7 @@
               <a:t>Метод </a:t>
             </a:r>
             <a:r>
-              <a:rPr lang="en">
+              <a:rPr lang="en" dirty="0">
                 <a:solidFill>
                   <a:srgbClr val="DC143C"/>
                 </a:solidFill>
@@ -8467,21 +8731,21 @@
               <a:t>display_info</a:t>
             </a:r>
             <a:r>
-              <a:rPr lang="en">
+              <a:rPr lang="en" dirty="0">
                 <a:solidFill>
                   <a:schemeClr val="dk1"/>
                 </a:solidFill>
               </a:rPr>
               <a:t>(): выводит информацию о транспортном средстве</a:t>
             </a:r>
-            <a:endParaRPr>
+            <a:endParaRPr dirty="0">
               <a:solidFill>
                 <a:schemeClr val="dk1"/>
               </a:solidFill>
             </a:endParaRPr>
           </a:p>
           <a:p>
-            <a:pPr indent="0" lvl="0" marL="457200" rtl="0" algn="l">
+            <a:pPr marL="457200" lvl="0" indent="0" algn="l" rtl="0">
               <a:spcBef>
                 <a:spcPts val="1200"/>
               </a:spcBef>
@@ -8490,13 +8754,10 @@
               </a:spcAft>
               <a:buNone/>
             </a:pPr>
-            <a:r>
-              <a:t/>
-            </a:r>
-            <a:endParaRPr/>
-          </a:p>
-          <a:p>
-            <a:pPr indent="-334327" lvl="0" marL="457200" rtl="0" algn="l">
+            <a:endParaRPr dirty="0"/>
+          </a:p>
+          <a:p>
+            <a:pPr marL="457200" lvl="0" indent="-334327" algn="l" rtl="0">
               <a:spcBef>
                 <a:spcPts val="1200"/>
               </a:spcBef>
@@ -8507,13 +8768,13 @@
               <a:buAutoNum type="arabicPeriod"/>
             </a:pPr>
             <a:r>
-              <a:rPr b="1" lang="en"/>
+              <a:rPr lang="en" b="1" dirty="0"/>
               <a:t>Создайте два подкласса:</a:t>
             </a:r>
-            <a:endParaRPr b="1"/>
-          </a:p>
-          <a:p>
-            <a:pPr indent="-334327" lvl="0" marL="457200" rtl="0" algn="l">
+            <a:endParaRPr b="1" dirty="0"/>
+          </a:p>
+          <a:p>
+            <a:pPr marL="457200" lvl="0" indent="-334327" algn="l" rtl="0">
               <a:spcBef>
                 <a:spcPts val="0"/>
               </a:spcBef>
@@ -8527,21 +8788,21 @@
               <a:buChar char="●"/>
             </a:pPr>
             <a:r>
-              <a:rPr b="1" lang="en">
+              <a:rPr lang="en" b="1" dirty="0">
                 <a:solidFill>
                   <a:srgbClr val="DC143C"/>
                 </a:solidFill>
               </a:rPr>
               <a:t>Car (наследуется от Vehicle)</a:t>
             </a:r>
-            <a:endParaRPr b="1">
+            <a:endParaRPr b="1" dirty="0">
               <a:solidFill>
                 <a:srgbClr val="DC143C"/>
               </a:solidFill>
             </a:endParaRPr>
           </a:p>
           <a:p>
-            <a:pPr indent="-334327" lvl="0" marL="914400" rtl="0" algn="l">
+            <a:pPr marL="914400" lvl="0" indent="-334327" algn="l" rtl="0">
               <a:spcBef>
                 <a:spcPts val="0"/>
               </a:spcBef>
@@ -8555,7 +8816,7 @@
               <a:buChar char="-"/>
             </a:pPr>
             <a:r>
-              <a:rPr lang="en">
+              <a:rPr lang="en" dirty="0">
                 <a:solidFill>
                   <a:schemeClr val="dk1"/>
                 </a:solidFill>
@@ -8563,7 +8824,7 @@
               <a:t>Дополнительный атрибут: </a:t>
             </a:r>
             <a:r>
-              <a:rPr lang="en">
+              <a:rPr lang="en" dirty="0">
                 <a:solidFill>
                   <a:srgbClr val="DC143C"/>
                 </a:solidFill>
@@ -8571,21 +8832,21 @@
               <a:t>num_doors </a:t>
             </a:r>
             <a:r>
-              <a:rPr lang="en">
+              <a:rPr lang="en" dirty="0">
                 <a:solidFill>
                   <a:schemeClr val="dk1"/>
                 </a:solidFill>
               </a:rPr>
               <a:t>(количество дверей)</a:t>
             </a:r>
-            <a:endParaRPr>
+            <a:endParaRPr dirty="0">
               <a:solidFill>
                 <a:schemeClr val="dk1"/>
               </a:solidFill>
             </a:endParaRPr>
           </a:p>
           <a:p>
-            <a:pPr indent="-334327" lvl="0" marL="914400" rtl="0" algn="l">
+            <a:pPr marL="914400" lvl="0" indent="-334327" algn="l" rtl="0">
               <a:spcBef>
                 <a:spcPts val="0"/>
               </a:spcBef>
@@ -8599,7 +8860,7 @@
               <a:buChar char="-"/>
             </a:pPr>
             <a:r>
-              <a:rPr lang="en">
+              <a:rPr lang="en" dirty="0">
                 <a:solidFill>
                   <a:schemeClr val="dk1"/>
                 </a:solidFill>
@@ -8607,7 +8868,7 @@
               <a:t>Переопределяет </a:t>
             </a:r>
             <a:r>
-              <a:rPr lang="en">
+              <a:rPr lang="en" dirty="0">
                 <a:solidFill>
                   <a:srgbClr val="DC143C"/>
                 </a:solidFill>
@@ -8615,21 +8876,21 @@
               <a:t>display_info</a:t>
             </a:r>
             <a:r>
-              <a:rPr lang="en">
+              <a:rPr lang="en" dirty="0">
                 <a:solidFill>
                   <a:schemeClr val="dk1"/>
                 </a:solidFill>
               </a:rPr>
               <a:t>(), добавляя информацию о дверях</a:t>
             </a:r>
-            <a:endParaRPr>
+            <a:endParaRPr dirty="0">
               <a:solidFill>
                 <a:schemeClr val="dk1"/>
               </a:solidFill>
             </a:endParaRPr>
           </a:p>
           <a:p>
-            <a:pPr indent="-334327" lvl="0" marL="457200" rtl="0" algn="l">
+            <a:pPr marL="457200" lvl="0" indent="-334327" algn="l" rtl="0">
               <a:spcBef>
                 <a:spcPts val="0"/>
               </a:spcBef>
@@ -8643,21 +8904,21 @@
               <a:buChar char="●"/>
             </a:pPr>
             <a:r>
-              <a:rPr b="1" lang="en">
+              <a:rPr lang="en" b="1" dirty="0">
                 <a:solidFill>
                   <a:srgbClr val="DC143C"/>
                 </a:solidFill>
               </a:rPr>
               <a:t>Motorcycle (наследуется от Vehicle)</a:t>
             </a:r>
-            <a:endParaRPr b="1">
+            <a:endParaRPr b="1" dirty="0">
               <a:solidFill>
                 <a:srgbClr val="DC143C"/>
               </a:solidFill>
             </a:endParaRPr>
           </a:p>
           <a:p>
-            <a:pPr indent="-334327" lvl="0" marL="914400" rtl="0" algn="l">
+            <a:pPr marL="914400" lvl="0" indent="-334327" algn="l" rtl="0">
               <a:spcBef>
                 <a:spcPts val="0"/>
               </a:spcBef>
@@ -8671,7 +8932,7 @@
               <a:buChar char="-"/>
             </a:pPr>
             <a:r>
-              <a:rPr lang="en">
+              <a:rPr lang="en" dirty="0">
                 <a:solidFill>
                   <a:schemeClr val="dk1"/>
                 </a:solidFill>
@@ -8679,7 +8940,7 @@
               <a:t>Дополнительный атрибут: </a:t>
             </a:r>
             <a:r>
-              <a:rPr lang="en">
+              <a:rPr lang="en" dirty="0">
                 <a:solidFill>
                   <a:srgbClr val="DC143C"/>
                 </a:solidFill>
@@ -8687,21 +8948,21 @@
               <a:t>has_sidecar </a:t>
             </a:r>
             <a:r>
-              <a:rPr lang="en">
+              <a:rPr lang="en" dirty="0">
                 <a:solidFill>
                   <a:schemeClr val="dk1"/>
                 </a:solidFill>
               </a:rPr>
               <a:t>(есть ли коляска, булево значение)</a:t>
             </a:r>
-            <a:endParaRPr>
+            <a:endParaRPr dirty="0">
               <a:solidFill>
                 <a:schemeClr val="dk1"/>
               </a:solidFill>
             </a:endParaRPr>
           </a:p>
           <a:p>
-            <a:pPr indent="-334327" lvl="0" marL="914400" rtl="0" algn="l">
+            <a:pPr marL="914400" lvl="0" indent="-334327" algn="l" rtl="0">
               <a:spcBef>
                 <a:spcPts val="0"/>
               </a:spcBef>
@@ -8715,7 +8976,7 @@
               <a:buChar char="-"/>
             </a:pPr>
             <a:r>
-              <a:rPr lang="en">
+              <a:rPr lang="en" dirty="0">
                 <a:solidFill>
                   <a:schemeClr val="dk1"/>
                 </a:solidFill>
@@ -8723,7 +8984,7 @@
               <a:t>Переопределяет </a:t>
             </a:r>
             <a:r>
-              <a:rPr lang="en">
+              <a:rPr lang="en" dirty="0">
                 <a:solidFill>
                   <a:srgbClr val="DC143C"/>
                 </a:solidFill>
@@ -8731,21 +8992,21 @@
               <a:t>display_info</a:t>
             </a:r>
             <a:r>
-              <a:rPr lang="en">
+              <a:rPr lang="en" dirty="0">
                 <a:solidFill>
                   <a:schemeClr val="dk1"/>
                 </a:solidFill>
               </a:rPr>
               <a:t>(), добавляя информацию о наличии коляски</a:t>
             </a:r>
-            <a:endParaRPr>
+            <a:endParaRPr dirty="0">
               <a:solidFill>
                 <a:schemeClr val="dk1"/>
               </a:solidFill>
             </a:endParaRPr>
           </a:p>
           <a:p>
-            <a:pPr indent="0" lvl="0" marL="0" rtl="0" algn="l">
+            <a:pPr marL="0" lvl="0" indent="0" algn="l" rtl="0">
               <a:spcBef>
                 <a:spcPts val="1200"/>
               </a:spcBef>
@@ -8754,10 +9015,7 @@
               </a:spcAft>
               <a:buNone/>
             </a:pPr>
-            <a:r>
-              <a:t/>
-            </a:r>
-            <a:endParaRPr/>
+            <a:endParaRPr dirty="0"/>
           </a:p>
         </p:txBody>
       </p:sp>
@@ -8770,11 +9028,11 @@
 </file>
 
 <file path=ppt/slides/slide17.xml><?xml version="1.0" encoding="utf-8"?>
-<p:sld xmlns:a="http://schemas.openxmlformats.org/drawingml/2006/main" xmlns:r="http://schemas.openxmlformats.org/officeDocument/2006/relationships" xmlns:mc="http://schemas.openxmlformats.org/markup-compatibility/2006" xmlns:mv="urn:schemas-microsoft-com:mac:vml" xmlns:p="http://schemas.openxmlformats.org/presentationml/2006/main" xmlns:c="http://schemas.openxmlformats.org/drawingml/2006/chart" xmlns:dgm="http://schemas.openxmlformats.org/drawingml/2006/diagram" xmlns:o="urn:schemas-microsoft-com:office:office" xmlns:v="urn:schemas-microsoft-com:vml" xmlns:pvml="urn:schemas-microsoft-com:office:powerpoint" xmlns:com="http://schemas.openxmlformats.org/drawingml/2006/compatibility" xmlns:p14="http://schemas.microsoft.com/office/powerpoint/2010/main" xmlns:p15="http://schemas.microsoft.com/office/powerpoint/2012/main" xmlns:ahyp="http://schemas.microsoft.com/office/drawing/2018/hyperlinkcolor">
+<p:sld xmlns:a="http://schemas.openxmlformats.org/drawingml/2006/main" xmlns:r="http://schemas.openxmlformats.org/officeDocument/2006/relationships" xmlns:p="http://schemas.openxmlformats.org/presentationml/2006/main">
   <p:cSld>
     <p:spTree>
       <p:nvGrpSpPr>
-        <p:cNvPr id="159" name="Shape 159"/>
+        <p:cNvPr id="1" name="Shape 159"/>
         <p:cNvGrpSpPr/>
         <p:nvPr/>
       </p:nvGrpSpPr>
@@ -8789,9 +9047,11 @@
       <p:sp>
         <p:nvSpPr>
           <p:cNvPr id="160" name="Google Shape;160;p29"/>
-          <p:cNvSpPr txBox="1"/>
+          <p:cNvSpPr txBox="1">
+            <a:spLocks noGrp="1"/>
+          </p:cNvSpPr>
           <p:nvPr>
-            <p:ph idx="1" type="body"/>
+            <p:ph type="body" idx="1"/>
           </p:nvPr>
         </p:nvSpPr>
         <p:spPr>
@@ -8804,12 +9064,12 @@
           </a:prstGeom>
         </p:spPr>
         <p:txBody>
-          <a:bodyPr anchorCtr="0" anchor="t" bIns="91425" lIns="91425" spcFirstLastPara="1" rIns="91425" wrap="square" tIns="91425">
+          <a:bodyPr spcFirstLastPara="1" wrap="square" lIns="91425" tIns="91425" rIns="91425" bIns="91425" anchor="t" anchorCtr="0">
             <a:normAutofit/>
           </a:bodyPr>
           <a:lstStyle/>
           <a:p>
-            <a:pPr indent="0" lvl="0" marL="0" rtl="0" algn="l">
+            <a:pPr marL="0" lvl="0" indent="0" algn="l" rtl="0">
               <a:spcBef>
                 <a:spcPts val="0"/>
               </a:spcBef>
@@ -8823,13 +9083,13 @@
               <a:t>3. </a:t>
             </a:r>
             <a:r>
-              <a:rPr b="1" lang="en"/>
+              <a:rPr lang="en" b="1"/>
               <a:t>Создайте экземпляры классов и протестируйте код:</a:t>
             </a:r>
             <a:endParaRPr b="1"/>
           </a:p>
           <a:p>
-            <a:pPr indent="0" lvl="0" marL="0" rtl="0" algn="l">
+            <a:pPr marL="0" lvl="0" indent="0" algn="l" rtl="0">
               <a:spcBef>
                 <a:spcPts val="1200"/>
               </a:spcBef>
@@ -8838,13 +9098,10 @@
               </a:spcAft>
               <a:buNone/>
             </a:pPr>
-            <a:r>
-              <a:t/>
-            </a:r>
             <a:endParaRPr/>
           </a:p>
           <a:p>
-            <a:pPr indent="0" lvl="0" marL="914400" rtl="0" algn="l">
+            <a:pPr marL="914400" lvl="0" indent="0" algn="l" rtl="0">
               <a:spcBef>
                 <a:spcPts val="1200"/>
               </a:spcBef>
@@ -8868,7 +9125,7 @@
             </a:endParaRPr>
           </a:p>
           <a:p>
-            <a:pPr indent="0" lvl="0" marL="914400" rtl="0" algn="l">
+            <a:pPr marL="914400" lvl="0" indent="0" algn="l" rtl="0">
               <a:spcBef>
                 <a:spcPts val="1200"/>
               </a:spcBef>
@@ -8929,12 +9186,114 @@
 </p:sld>
 </file>
 
-<file path=ppt/slides/slide2.xml><?xml version="1.0" encoding="utf-8"?>
-<p:sld xmlns:a="http://schemas.openxmlformats.org/drawingml/2006/main" xmlns:r="http://schemas.openxmlformats.org/officeDocument/2006/relationships" xmlns:mc="http://schemas.openxmlformats.org/markup-compatibility/2006" xmlns:mv="urn:schemas-microsoft-com:mac:vml" xmlns:p="http://schemas.openxmlformats.org/presentationml/2006/main" xmlns:c="http://schemas.openxmlformats.org/drawingml/2006/chart" xmlns:dgm="http://schemas.openxmlformats.org/drawingml/2006/diagram" xmlns:o="urn:schemas-microsoft-com:office:office" xmlns:v="urn:schemas-microsoft-com:vml" xmlns:pvml="urn:schemas-microsoft-com:office:powerpoint" xmlns:com="http://schemas.openxmlformats.org/drawingml/2006/compatibility" xmlns:p14="http://schemas.microsoft.com/office/powerpoint/2010/main" xmlns:p15="http://schemas.microsoft.com/office/powerpoint/2012/main" xmlns:ahyp="http://schemas.microsoft.com/office/drawing/2018/hyperlinkcolor">
+<file path=ppt/slides/slide18.xml><?xml version="1.0" encoding="utf-8"?>
+<p:sld xmlns:a="http://schemas.openxmlformats.org/drawingml/2006/main" xmlns:r="http://schemas.openxmlformats.org/officeDocument/2006/relationships" xmlns:p="http://schemas.openxmlformats.org/presentationml/2006/main">
   <p:cSld>
     <p:spTree>
       <p:nvGrpSpPr>
-        <p:cNvPr id="59" name="Shape 59"/>
+        <p:cNvPr id="1" name=""/>
+        <p:cNvGrpSpPr/>
+        <p:nvPr/>
+      </p:nvGrpSpPr>
+      <p:grpSpPr>
+        <a:xfrm>
+          <a:off x="0" y="0"/>
+          <a:ext cx="0" cy="0"/>
+          <a:chOff x="0" y="0"/>
+          <a:chExt cx="0" cy="0"/>
+        </a:xfrm>
+      </p:grpSpPr>
+      <p:sp>
+        <p:nvSpPr>
+          <p:cNvPr id="2" name="Заголовок 1">
+            <a:extLst>
+              <a:ext uri="{FF2B5EF4-FFF2-40B4-BE49-F238E27FC236}">
+                <a16:creationId xmlns:a16="http://schemas.microsoft.com/office/drawing/2014/main" id="{F4B664F2-8A3B-4051-84E6-3B14E2DA5073}"/>
+              </a:ext>
+            </a:extLst>
+          </p:cNvPr>
+          <p:cNvSpPr>
+            <a:spLocks noGrp="1"/>
+          </p:cNvSpPr>
+          <p:nvPr>
+            <p:ph type="title"/>
+          </p:nvPr>
+        </p:nvSpPr>
+        <p:spPr>
+          <a:xfrm>
+            <a:off x="311700" y="198840"/>
+            <a:ext cx="8520600" cy="572700"/>
+          </a:xfrm>
+        </p:spPr>
+        <p:txBody>
+          <a:bodyPr>
+            <a:normAutofit fontScale="90000"/>
+          </a:bodyPr>
+          <a:lstStyle/>
+          <a:p>
+            <a:r>
+              <a:rPr lang="en-US" dirty="0"/>
+              <a:t>Class work	</a:t>
+            </a:r>
+            <a:br>
+              <a:rPr lang="en-US" dirty="0"/>
+            </a:br>
+            <a:endParaRPr lang="ru-RU" dirty="0"/>
+          </a:p>
+        </p:txBody>
+      </p:sp>
+      <p:sp>
+        <p:nvSpPr>
+          <p:cNvPr id="3" name="Текст 2">
+            <a:extLst>
+              <a:ext uri="{FF2B5EF4-FFF2-40B4-BE49-F238E27FC236}">
+                <a16:creationId xmlns:a16="http://schemas.microsoft.com/office/drawing/2014/main" id="{B63E6563-C609-42CF-ADD4-9926791F8909}"/>
+              </a:ext>
+            </a:extLst>
+          </p:cNvPr>
+          <p:cNvSpPr>
+            <a:spLocks noGrp="1"/>
+          </p:cNvSpPr>
+          <p:nvPr>
+            <p:ph type="body" idx="1"/>
+          </p:nvPr>
+        </p:nvSpPr>
+        <p:spPr>
+          <a:xfrm>
+            <a:off x="311700" y="921434"/>
+            <a:ext cx="8520600" cy="3647441"/>
+          </a:xfrm>
+        </p:spPr>
+        <p:txBody>
+          <a:bodyPr/>
+          <a:lstStyle/>
+          <a:p>
+            <a:pPr marL="114300" indent="0">
+              <a:buNone/>
+            </a:pPr>
+            <a:endParaRPr lang="ru-RU" dirty="0"/>
+          </a:p>
+        </p:txBody>
+      </p:sp>
+    </p:spTree>
+    <p:extLst>
+      <p:ext uri="{BB962C8B-B14F-4D97-AF65-F5344CB8AC3E}">
+        <p14:creationId xmlns:p14="http://schemas.microsoft.com/office/powerpoint/2010/main" val="231038530"/>
+      </p:ext>
+    </p:extLst>
+  </p:cSld>
+  <p:clrMapOvr>
+    <a:masterClrMapping/>
+  </p:clrMapOvr>
+</p:sld>
+</file>
+
+<file path=ppt/slides/slide2.xml><?xml version="1.0" encoding="utf-8"?>
+<p:sld xmlns:a="http://schemas.openxmlformats.org/drawingml/2006/main" xmlns:r="http://schemas.openxmlformats.org/officeDocument/2006/relationships" xmlns:p="http://schemas.openxmlformats.org/presentationml/2006/main">
+  <p:cSld>
+    <p:spTree>
+      <p:nvGrpSpPr>
+        <p:cNvPr id="1" name="Shape 59"/>
         <p:cNvGrpSpPr/>
         <p:nvPr/>
       </p:nvGrpSpPr>
@@ -8949,7 +9308,9 @@
       <p:sp>
         <p:nvSpPr>
           <p:cNvPr id="60" name="Google Shape;60;p14"/>
-          <p:cNvSpPr txBox="1"/>
+          <p:cNvSpPr txBox="1">
+            <a:spLocks noGrp="1"/>
+          </p:cNvSpPr>
           <p:nvPr>
             <p:ph type="title"/>
           </p:nvPr>
@@ -8964,12 +9325,12 @@
           </a:prstGeom>
         </p:spPr>
         <p:txBody>
-          <a:bodyPr anchorCtr="0" anchor="t" bIns="91425" lIns="91425" spcFirstLastPara="1" rIns="91425" wrap="square" tIns="91425">
+          <a:bodyPr spcFirstLastPara="1" wrap="square" lIns="91425" tIns="91425" rIns="91425" bIns="91425" anchor="t" anchorCtr="0">
             <a:normAutofit fontScale="90000"/>
           </a:bodyPr>
           <a:lstStyle/>
           <a:p>
-            <a:pPr indent="0" lvl="0" marL="0" rtl="0" algn="l">
+            <a:pPr marL="0" lvl="0" indent="0" algn="l" rtl="0">
               <a:spcBef>
                 <a:spcPts val="0"/>
               </a:spcBef>
@@ -8989,9 +9350,11 @@
       <p:sp>
         <p:nvSpPr>
           <p:cNvPr id="61" name="Google Shape;61;p14"/>
-          <p:cNvSpPr txBox="1"/>
+          <p:cNvSpPr txBox="1">
+            <a:spLocks noGrp="1"/>
+          </p:cNvSpPr>
           <p:nvPr>
-            <p:ph idx="1" type="body"/>
+            <p:ph type="body" idx="1"/>
           </p:nvPr>
         </p:nvSpPr>
         <p:spPr>
@@ -9004,12 +9367,12 @@
           </a:prstGeom>
         </p:spPr>
         <p:txBody>
-          <a:bodyPr anchorCtr="0" anchor="t" bIns="91425" lIns="91425" spcFirstLastPara="1" rIns="91425" wrap="square" tIns="91425">
+          <a:bodyPr spcFirstLastPara="1" wrap="square" lIns="91425" tIns="91425" rIns="91425" bIns="91425" anchor="t" anchorCtr="0">
             <a:normAutofit/>
           </a:bodyPr>
           <a:lstStyle/>
           <a:p>
-            <a:pPr indent="0" lvl="0" marL="0" rtl="0" algn="l">
+            <a:pPr marL="0" lvl="0" indent="0" algn="l" rtl="0">
               <a:spcBef>
                 <a:spcPts val="0"/>
               </a:spcBef>
@@ -9019,11 +9382,11 @@
               <a:buNone/>
             </a:pPr>
             <a:r>
-              <a:rPr lang="en"/>
+              <a:rPr lang="en" dirty="0"/>
               <a:t>The </a:t>
             </a:r>
             <a:r>
-              <a:rPr b="1" lang="en">
+              <a:rPr lang="en" b="1" dirty="0">
                 <a:solidFill>
                   <a:schemeClr val="dk1"/>
                 </a:solidFill>
@@ -9031,42 +9394,39 @@
               <a:t>__init__() </a:t>
             </a:r>
             <a:r>
-              <a:rPr lang="en"/>
+              <a:rPr lang="en" dirty="0"/>
               <a:t>- which is always executed when the class is being initiated.</a:t>
             </a:r>
-            <a:endParaRPr/>
-          </a:p>
-          <a:p>
-            <a:pPr indent="0" lvl="0" marL="0" rtl="0" algn="l">
+            <a:endParaRPr dirty="0"/>
+          </a:p>
+          <a:p>
+            <a:pPr marL="0" lvl="0" indent="0" algn="l" rtl="0">
               <a:spcBef>
                 <a:spcPts val="1200"/>
               </a:spcBef>
               <a:spcAft>
                 <a:spcPts val="0"/>
+              </a:spcAft>
+              <a:buNone/>
+            </a:pPr>
+            <a:endParaRPr dirty="0"/>
+          </a:p>
+          <a:p>
+            <a:pPr marL="0" lvl="0" indent="0" algn="l" rtl="0">
+              <a:spcBef>
+                <a:spcPts val="1200"/>
+              </a:spcBef>
+              <a:spcAft>
+                <a:spcPts val="1200"/>
               </a:spcAft>
               <a:buNone/>
             </a:pPr>
             <a:r>
-              <a:t/>
-            </a:r>
-            <a:endParaRPr/>
-          </a:p>
-          <a:p>
-            <a:pPr indent="0" lvl="0" marL="0" rtl="0" algn="l">
-              <a:spcBef>
-                <a:spcPts val="1200"/>
-              </a:spcBef>
-              <a:spcAft>
-                <a:spcPts val="1200"/>
-              </a:spcAft>
-              <a:buNone/>
-            </a:pPr>
-            <a:r>
-              <a:rPr lang="en"/>
+              <a:rPr lang="en" dirty="0"/>
               <a:t>The </a:t>
             </a:r>
             <a:r>
-              <a:rPr lang="en">
+              <a:rPr lang="en" dirty="0">
                 <a:solidFill>
                   <a:schemeClr val="dk1"/>
                 </a:solidFill>
@@ -9074,10 +9434,10 @@
               <a:t>__str__()</a:t>
             </a:r>
             <a:r>
-              <a:rPr lang="en"/>
+              <a:rPr lang="en" dirty="0"/>
               <a:t> function controls what should be returned when the class object is represented as a string.</a:t>
             </a:r>
-            <a:endParaRPr/>
+            <a:endParaRPr dirty="0"/>
           </a:p>
         </p:txBody>
       </p:sp>
@@ -9118,11 +9478,11 @@
 </file>
 
 <file path=ppt/slides/slide3.xml><?xml version="1.0" encoding="utf-8"?>
-<p:sld xmlns:a="http://schemas.openxmlformats.org/drawingml/2006/main" xmlns:r="http://schemas.openxmlformats.org/officeDocument/2006/relationships" xmlns:mc="http://schemas.openxmlformats.org/markup-compatibility/2006" xmlns:mv="urn:schemas-microsoft-com:mac:vml" xmlns:p="http://schemas.openxmlformats.org/presentationml/2006/main" xmlns:c="http://schemas.openxmlformats.org/drawingml/2006/chart" xmlns:dgm="http://schemas.openxmlformats.org/drawingml/2006/diagram" xmlns:o="urn:schemas-microsoft-com:office:office" xmlns:v="urn:schemas-microsoft-com:vml" xmlns:pvml="urn:schemas-microsoft-com:office:powerpoint" xmlns:com="http://schemas.openxmlformats.org/drawingml/2006/compatibility" xmlns:p14="http://schemas.microsoft.com/office/powerpoint/2010/main" xmlns:p15="http://schemas.microsoft.com/office/powerpoint/2012/main" xmlns:ahyp="http://schemas.microsoft.com/office/drawing/2018/hyperlinkcolor">
+<p:sld xmlns:a="http://schemas.openxmlformats.org/drawingml/2006/main" xmlns:r="http://schemas.openxmlformats.org/officeDocument/2006/relationships" xmlns:p="http://schemas.openxmlformats.org/presentationml/2006/main">
   <p:cSld>
     <p:spTree>
       <p:nvGrpSpPr>
-        <p:cNvPr id="66" name="Shape 66"/>
+        <p:cNvPr id="1" name="Shape 66"/>
         <p:cNvGrpSpPr/>
         <p:nvPr/>
       </p:nvGrpSpPr>
@@ -9137,7 +9497,9 @@
       <p:sp>
         <p:nvSpPr>
           <p:cNvPr id="67" name="Google Shape;67;p15"/>
-          <p:cNvSpPr txBox="1"/>
+          <p:cNvSpPr txBox="1">
+            <a:spLocks noGrp="1"/>
+          </p:cNvSpPr>
           <p:nvPr>
             <p:ph type="title"/>
           </p:nvPr>
@@ -9152,12 +9514,12 @@
           </a:prstGeom>
         </p:spPr>
         <p:txBody>
-          <a:bodyPr anchorCtr="0" anchor="t" bIns="91425" lIns="91425" spcFirstLastPara="1" rIns="91425" wrap="square" tIns="91425">
+          <a:bodyPr spcFirstLastPara="1" wrap="square" lIns="91425" tIns="91425" rIns="91425" bIns="91425" anchor="t" anchorCtr="0">
             <a:normAutofit fontScale="90000"/>
           </a:bodyPr>
           <a:lstStyle/>
           <a:p>
-            <a:pPr indent="0" lvl="0" marL="0" rtl="0" algn="l">
+            <a:pPr marL="0" lvl="0" indent="0" algn="l" rtl="0">
               <a:spcBef>
                 <a:spcPts val="0"/>
               </a:spcBef>
@@ -9177,9 +9539,11 @@
       <p:sp>
         <p:nvSpPr>
           <p:cNvPr id="68" name="Google Shape;68;p15"/>
-          <p:cNvSpPr txBox="1"/>
+          <p:cNvSpPr txBox="1">
+            <a:spLocks noGrp="1"/>
+          </p:cNvSpPr>
           <p:nvPr>
-            <p:ph idx="1" type="body"/>
+            <p:ph type="body" idx="1"/>
           </p:nvPr>
         </p:nvSpPr>
         <p:spPr>
@@ -9192,12 +9556,12 @@
           </a:prstGeom>
         </p:spPr>
         <p:txBody>
-          <a:bodyPr anchorCtr="0" anchor="t" bIns="91425" lIns="91425" spcFirstLastPara="1" rIns="91425" wrap="square" tIns="91425">
+          <a:bodyPr spcFirstLastPara="1" wrap="square" lIns="91425" tIns="91425" rIns="91425" bIns="91425" anchor="t" anchorCtr="0">
             <a:normAutofit/>
           </a:bodyPr>
           <a:lstStyle/>
           <a:p>
-            <a:pPr indent="0" lvl="0" marL="0" rtl="0" algn="l">
+            <a:pPr marL="0" lvl="0" indent="0" algn="l" rtl="0">
               <a:spcBef>
                 <a:spcPts val="0"/>
               </a:spcBef>
@@ -9207,11 +9571,11 @@
               <a:buNone/>
             </a:pPr>
             <a:r>
-              <a:rPr lang="en"/>
+              <a:rPr lang="en" dirty="0"/>
               <a:t>The self parameter is a reference to the current instance of the class, and is </a:t>
             </a:r>
             <a:r>
-              <a:rPr lang="en">
+              <a:rPr lang="en" dirty="0">
                 <a:solidFill>
                   <a:schemeClr val="dk1"/>
                 </a:solidFill>
@@ -9219,41 +9583,38 @@
               <a:t>used to access variables that belong to the class</a:t>
             </a:r>
             <a:r>
-              <a:rPr lang="en"/>
+              <a:rPr lang="en" dirty="0"/>
               <a:t>.</a:t>
             </a:r>
-            <a:endParaRPr/>
-          </a:p>
-          <a:p>
-            <a:pPr indent="0" lvl="0" marL="0" rtl="0" algn="l">
+            <a:endParaRPr dirty="0"/>
+          </a:p>
+          <a:p>
+            <a:pPr marL="0" lvl="0" indent="0" algn="l" rtl="0">
               <a:spcBef>
                 <a:spcPts val="1200"/>
               </a:spcBef>
               <a:spcAft>
                 <a:spcPts val="0"/>
+              </a:spcAft>
+              <a:buNone/>
+            </a:pPr>
+            <a:endParaRPr dirty="0"/>
+          </a:p>
+          <a:p>
+            <a:pPr marL="0" lvl="0" indent="0" algn="l" rtl="0">
+              <a:spcBef>
+                <a:spcPts val="1200"/>
+              </a:spcBef>
+              <a:spcAft>
+                <a:spcPts val="1200"/>
               </a:spcAft>
               <a:buNone/>
             </a:pPr>
             <a:r>
-              <a:t/>
-            </a:r>
-            <a:endParaRPr/>
-          </a:p>
-          <a:p>
-            <a:pPr indent="0" lvl="0" marL="0" rtl="0" algn="l">
-              <a:spcBef>
-                <a:spcPts val="1200"/>
-              </a:spcBef>
-              <a:spcAft>
-                <a:spcPts val="1200"/>
-              </a:spcAft>
-              <a:buNone/>
-            </a:pPr>
-            <a:r>
-              <a:rPr lang="en"/>
+              <a:rPr lang="en" dirty="0"/>
               <a:t>It does not have to be named self, you can call it whatever you like, but it has to be the first parameter of any function in the class:</a:t>
             </a:r>
-            <a:endParaRPr/>
+            <a:endParaRPr dirty="0"/>
           </a:p>
         </p:txBody>
       </p:sp>
@@ -9266,11 +9627,11 @@
 </file>
 
 <file path=ppt/slides/slide4.xml><?xml version="1.0" encoding="utf-8"?>
-<p:sld xmlns:a="http://schemas.openxmlformats.org/drawingml/2006/main" xmlns:r="http://schemas.openxmlformats.org/officeDocument/2006/relationships" xmlns:mc="http://schemas.openxmlformats.org/markup-compatibility/2006" xmlns:mv="urn:schemas-microsoft-com:mac:vml" xmlns:p="http://schemas.openxmlformats.org/presentationml/2006/main" xmlns:c="http://schemas.openxmlformats.org/drawingml/2006/chart" xmlns:dgm="http://schemas.openxmlformats.org/drawingml/2006/diagram" xmlns:o="urn:schemas-microsoft-com:office:office" xmlns:v="urn:schemas-microsoft-com:vml" xmlns:pvml="urn:schemas-microsoft-com:office:powerpoint" xmlns:com="http://schemas.openxmlformats.org/drawingml/2006/compatibility" xmlns:p14="http://schemas.microsoft.com/office/powerpoint/2010/main" xmlns:p15="http://schemas.microsoft.com/office/powerpoint/2012/main" xmlns:ahyp="http://schemas.microsoft.com/office/drawing/2018/hyperlinkcolor">
+<p:sld xmlns:a="http://schemas.openxmlformats.org/drawingml/2006/main" xmlns:r="http://schemas.openxmlformats.org/officeDocument/2006/relationships" xmlns:p="http://schemas.openxmlformats.org/presentationml/2006/main">
   <p:cSld>
     <p:spTree>
       <p:nvGrpSpPr>
-        <p:cNvPr id="72" name="Shape 72"/>
+        <p:cNvPr id="1" name="Shape 72"/>
         <p:cNvGrpSpPr/>
         <p:nvPr/>
       </p:nvGrpSpPr>
@@ -9285,7 +9646,9 @@
       <p:sp>
         <p:nvSpPr>
           <p:cNvPr id="73" name="Google Shape;73;p16"/>
-          <p:cNvSpPr txBox="1"/>
+          <p:cNvSpPr txBox="1">
+            <a:spLocks noGrp="1"/>
+          </p:cNvSpPr>
           <p:nvPr>
             <p:ph type="title"/>
           </p:nvPr>
@@ -9300,12 +9663,12 @@
           </a:prstGeom>
         </p:spPr>
         <p:txBody>
-          <a:bodyPr anchorCtr="0" anchor="t" bIns="91425" lIns="91425" spcFirstLastPara="1" rIns="91425" wrap="square" tIns="91425">
+          <a:bodyPr spcFirstLastPara="1" wrap="square" lIns="91425" tIns="91425" rIns="91425" bIns="91425" anchor="t" anchorCtr="0">
             <a:normAutofit fontScale="90000"/>
           </a:bodyPr>
           <a:lstStyle/>
           <a:p>
-            <a:pPr indent="0" lvl="0" marL="0" rtl="0" algn="l">
+            <a:pPr marL="0" lvl="0" indent="0" algn="l" rtl="0">
               <a:spcBef>
                 <a:spcPts val="0"/>
               </a:spcBef>
@@ -9325,9 +9688,11 @@
       <p:sp>
         <p:nvSpPr>
           <p:cNvPr id="74" name="Google Shape;74;p16"/>
-          <p:cNvSpPr txBox="1"/>
+          <p:cNvSpPr txBox="1">
+            <a:spLocks noGrp="1"/>
+          </p:cNvSpPr>
           <p:nvPr>
-            <p:ph idx="1" type="body"/>
+            <p:ph type="body" idx="1"/>
           </p:nvPr>
         </p:nvSpPr>
         <p:spPr>
@@ -9340,12 +9705,12 @@
           </a:prstGeom>
         </p:spPr>
         <p:txBody>
-          <a:bodyPr anchorCtr="0" anchor="t" bIns="91425" lIns="91425" spcFirstLastPara="1" rIns="91425" wrap="square" tIns="91425">
+          <a:bodyPr spcFirstLastPara="1" wrap="square" lIns="91425" tIns="91425" rIns="91425" bIns="91425" anchor="t" anchorCtr="0">
             <a:normAutofit/>
           </a:bodyPr>
           <a:lstStyle/>
           <a:p>
-            <a:pPr indent="0" lvl="0" marL="0" rtl="0" algn="l">
+            <a:pPr marL="0" lvl="0" indent="0" algn="l" rtl="0">
               <a:spcBef>
                 <a:spcPts val="0"/>
               </a:spcBef>
@@ -9355,13 +9720,25 @@
               <a:buNone/>
             </a:pPr>
             <a:r>
-              <a:rPr lang="en"/>
+              <a:rPr lang="en" dirty="0"/>
               <a:t>p1.age = 40</a:t>
             </a:r>
-            <a:endParaRPr/>
-          </a:p>
-          <a:p>
-            <a:pPr indent="0" lvl="0" marL="0" rtl="0" algn="l">
+            <a:endParaRPr dirty="0"/>
+          </a:p>
+          <a:p>
+            <a:pPr marL="0" lvl="0" indent="0" algn="l" rtl="0">
+              <a:spcBef>
+                <a:spcPts val="1200"/>
+              </a:spcBef>
+              <a:spcAft>
+                <a:spcPts val="0"/>
+              </a:spcAft>
+              <a:buNone/>
+            </a:pPr>
+            <a:endParaRPr dirty="0"/>
+          </a:p>
+          <a:p>
+            <a:pPr marL="0" lvl="0" indent="0" algn="l" rtl="0">
               <a:spcBef>
                 <a:spcPts val="1200"/>
               </a:spcBef>
@@ -9371,12 +9748,25 @@
               <a:buNone/>
             </a:pPr>
             <a:r>
-              <a:t/>
+              <a:rPr lang="en" dirty="0"/>
+              <a:t>del p1.age</a:t>
             </a:r>
-            <a:endParaRPr/>
-          </a:p>
-          <a:p>
-            <a:pPr indent="0" lvl="0" marL="0" rtl="0" algn="l">
+            <a:endParaRPr dirty="0"/>
+          </a:p>
+          <a:p>
+            <a:pPr marL="0" lvl="0" indent="0" algn="l" rtl="0">
+              <a:spcBef>
+                <a:spcPts val="1200"/>
+              </a:spcBef>
+              <a:spcAft>
+                <a:spcPts val="0"/>
+              </a:spcAft>
+              <a:buNone/>
+            </a:pPr>
+            <a:endParaRPr dirty="0"/>
+          </a:p>
+          <a:p>
+            <a:pPr marL="0" lvl="0" indent="0" algn="l" rtl="0">
               <a:spcBef>
                 <a:spcPts val="1200"/>
               </a:spcBef>
@@ -9386,57 +9776,26 @@
               <a:buNone/>
             </a:pPr>
             <a:r>
-              <a:rPr lang="en"/>
-              <a:t>del p1.age</a:t>
+              <a:rPr lang="en" dirty="0"/>
+              <a:t>Delete the p1 object:</a:t>
             </a:r>
-            <a:endParaRPr/>
-          </a:p>
-          <a:p>
-            <a:pPr indent="0" lvl="0" marL="0" rtl="0" algn="l">
+            <a:endParaRPr dirty="0"/>
+          </a:p>
+          <a:p>
+            <a:pPr marL="0" lvl="0" indent="0" algn="l" rtl="0">
               <a:spcBef>
                 <a:spcPts val="1200"/>
               </a:spcBef>
               <a:spcAft>
-                <a:spcPts val="0"/>
+                <a:spcPts val="1200"/>
               </a:spcAft>
               <a:buNone/>
             </a:pPr>
             <a:r>
-              <a:t/>
-            </a:r>
-            <a:endParaRPr/>
-          </a:p>
-          <a:p>
-            <a:pPr indent="0" lvl="0" marL="0" rtl="0" algn="l">
-              <a:spcBef>
-                <a:spcPts val="1200"/>
-              </a:spcBef>
-              <a:spcAft>
-                <a:spcPts val="0"/>
-              </a:spcAft>
-              <a:buNone/>
-            </a:pPr>
-            <a:r>
-              <a:rPr lang="en"/>
-              <a:t>Delete the p1 object:</a:t>
-            </a:r>
-            <a:endParaRPr/>
-          </a:p>
-          <a:p>
-            <a:pPr indent="0" lvl="0" marL="0" rtl="0" algn="l">
-              <a:spcBef>
-                <a:spcPts val="1200"/>
-              </a:spcBef>
-              <a:spcAft>
-                <a:spcPts val="1200"/>
-              </a:spcAft>
-              <a:buNone/>
-            </a:pPr>
-            <a:r>
-              <a:rPr lang="en"/>
+              <a:rPr lang="en" dirty="0"/>
               <a:t>del p1</a:t>
             </a:r>
-            <a:endParaRPr/>
+            <a:endParaRPr dirty="0"/>
           </a:p>
         </p:txBody>
       </p:sp>
@@ -9449,11 +9808,11 @@
 </file>
 
 <file path=ppt/slides/slide5.xml><?xml version="1.0" encoding="utf-8"?>
-<p:sld xmlns:a="http://schemas.openxmlformats.org/drawingml/2006/main" xmlns:r="http://schemas.openxmlformats.org/officeDocument/2006/relationships" xmlns:mc="http://schemas.openxmlformats.org/markup-compatibility/2006" xmlns:mv="urn:schemas-microsoft-com:mac:vml" xmlns:p="http://schemas.openxmlformats.org/presentationml/2006/main" xmlns:c="http://schemas.openxmlformats.org/drawingml/2006/chart" xmlns:dgm="http://schemas.openxmlformats.org/drawingml/2006/diagram" xmlns:o="urn:schemas-microsoft-com:office:office" xmlns:v="urn:schemas-microsoft-com:vml" xmlns:pvml="urn:schemas-microsoft-com:office:powerpoint" xmlns:com="http://schemas.openxmlformats.org/drawingml/2006/compatibility" xmlns:p14="http://schemas.microsoft.com/office/powerpoint/2010/main" xmlns:p15="http://schemas.microsoft.com/office/powerpoint/2012/main" xmlns:ahyp="http://schemas.microsoft.com/office/drawing/2018/hyperlinkcolor">
+<p:sld xmlns:a="http://schemas.openxmlformats.org/drawingml/2006/main" xmlns:r="http://schemas.openxmlformats.org/officeDocument/2006/relationships" xmlns:p="http://schemas.openxmlformats.org/presentationml/2006/main">
   <p:cSld>
     <p:spTree>
       <p:nvGrpSpPr>
-        <p:cNvPr id="78" name="Shape 78"/>
+        <p:cNvPr id="1" name="Shape 78"/>
         <p:cNvGrpSpPr/>
         <p:nvPr/>
       </p:nvGrpSpPr>
@@ -9468,7 +9827,9 @@
       <p:sp>
         <p:nvSpPr>
           <p:cNvPr id="79" name="Google Shape;79;p17"/>
-          <p:cNvSpPr txBox="1"/>
+          <p:cNvSpPr txBox="1">
+            <a:spLocks noGrp="1"/>
+          </p:cNvSpPr>
           <p:nvPr>
             <p:ph type="ctrTitle"/>
           </p:nvPr>
@@ -9483,12 +9844,12 @@
           </a:prstGeom>
         </p:spPr>
         <p:txBody>
-          <a:bodyPr anchorCtr="0" anchor="b" bIns="91425" lIns="91425" spcFirstLastPara="1" rIns="91425" wrap="square" tIns="91425">
+          <a:bodyPr spcFirstLastPara="1" wrap="square" lIns="91425" tIns="91425" rIns="91425" bIns="91425" anchor="b" anchorCtr="0">
             <a:normAutofit/>
           </a:bodyPr>
           <a:lstStyle/>
           <a:p>
-            <a:pPr indent="0" lvl="0" marL="0" rtl="0" algn="ctr">
+            <a:pPr marL="0" lvl="0" indent="0" algn="ctr" rtl="0">
               <a:spcBef>
                 <a:spcPts val="0"/>
               </a:spcBef>
@@ -9508,9 +9869,11 @@
       <p:sp>
         <p:nvSpPr>
           <p:cNvPr id="80" name="Google Shape;80;p17"/>
-          <p:cNvSpPr txBox="1"/>
+          <p:cNvSpPr txBox="1">
+            <a:spLocks noGrp="1"/>
+          </p:cNvSpPr>
           <p:nvPr>
-            <p:ph idx="1" type="subTitle"/>
+            <p:ph type="subTitle" idx="1"/>
           </p:nvPr>
         </p:nvSpPr>
         <p:spPr>
@@ -9523,12 +9886,12 @@
           </a:prstGeom>
         </p:spPr>
         <p:txBody>
-          <a:bodyPr anchorCtr="0" anchor="t" bIns="91425" lIns="91425" spcFirstLastPara="1" rIns="91425" wrap="square" tIns="91425">
+          <a:bodyPr spcFirstLastPara="1" wrap="square" lIns="91425" tIns="91425" rIns="91425" bIns="91425" anchor="t" anchorCtr="0">
             <a:normAutofit/>
           </a:bodyPr>
           <a:lstStyle/>
           <a:p>
-            <a:pPr indent="0" lvl="0" marL="0" rtl="0" algn="ctr">
+            <a:pPr marL="0" lvl="0" indent="0" algn="ctr" rtl="0">
               <a:spcBef>
                 <a:spcPts val="0"/>
               </a:spcBef>
@@ -9539,11 +9902,7 @@
             </a:pPr>
             <a:r>
               <a:rPr lang="en"/>
-              <a:t>Н</a:t>
-            </a:r>
-            <a:r>
-              <a:rPr lang="en"/>
-              <a:t>аследовать, унаследовать</a:t>
+              <a:t>Наследовать, унаследовать</a:t>
             </a:r>
             <a:endParaRPr/>
           </a:p>
@@ -9558,11 +9917,11 @@
 </file>
 
 <file path=ppt/slides/slide6.xml><?xml version="1.0" encoding="utf-8"?>
-<p:sld xmlns:a="http://schemas.openxmlformats.org/drawingml/2006/main" xmlns:r="http://schemas.openxmlformats.org/officeDocument/2006/relationships" xmlns:mc="http://schemas.openxmlformats.org/markup-compatibility/2006" xmlns:mv="urn:schemas-microsoft-com:mac:vml" xmlns:p="http://schemas.openxmlformats.org/presentationml/2006/main" xmlns:c="http://schemas.openxmlformats.org/drawingml/2006/chart" xmlns:dgm="http://schemas.openxmlformats.org/drawingml/2006/diagram" xmlns:o="urn:schemas-microsoft-com:office:office" xmlns:v="urn:schemas-microsoft-com:vml" xmlns:pvml="urn:schemas-microsoft-com:office:powerpoint" xmlns:com="http://schemas.openxmlformats.org/drawingml/2006/compatibility" xmlns:p14="http://schemas.microsoft.com/office/powerpoint/2010/main" xmlns:p15="http://schemas.microsoft.com/office/powerpoint/2012/main" xmlns:ahyp="http://schemas.microsoft.com/office/drawing/2018/hyperlinkcolor">
+<p:sld xmlns:a="http://schemas.openxmlformats.org/drawingml/2006/main" xmlns:r="http://schemas.openxmlformats.org/officeDocument/2006/relationships" xmlns:p="http://schemas.openxmlformats.org/presentationml/2006/main">
   <p:cSld>
     <p:spTree>
       <p:nvGrpSpPr>
-        <p:cNvPr id="84" name="Shape 84"/>
+        <p:cNvPr id="1" name="Shape 84"/>
         <p:cNvGrpSpPr/>
         <p:nvPr/>
       </p:nvGrpSpPr>
@@ -9577,7 +9936,9 @@
       <p:sp>
         <p:nvSpPr>
           <p:cNvPr id="85" name="Google Shape;85;p18"/>
-          <p:cNvSpPr txBox="1"/>
+          <p:cNvSpPr txBox="1">
+            <a:spLocks noGrp="1"/>
+          </p:cNvSpPr>
           <p:nvPr>
             <p:ph type="title"/>
           </p:nvPr>
@@ -9592,12 +9953,12 @@
           </a:prstGeom>
         </p:spPr>
         <p:txBody>
-          <a:bodyPr anchorCtr="0" anchor="t" bIns="91425" lIns="91425" spcFirstLastPara="1" rIns="91425" wrap="square" tIns="91425">
+          <a:bodyPr spcFirstLastPara="1" wrap="square" lIns="91425" tIns="91425" rIns="91425" bIns="91425" anchor="t" anchorCtr="0">
             <a:normAutofit fontScale="90000"/>
           </a:bodyPr>
           <a:lstStyle/>
           <a:p>
-            <a:pPr indent="0" lvl="0" marL="0" rtl="0" algn="l">
+            <a:pPr marL="0" lvl="0" indent="0" algn="l" rtl="0">
               <a:spcBef>
                 <a:spcPts val="0"/>
               </a:spcBef>
@@ -9617,9 +9978,11 @@
       <p:sp>
         <p:nvSpPr>
           <p:cNvPr id="86" name="Google Shape;86;p18"/>
-          <p:cNvSpPr txBox="1"/>
+          <p:cNvSpPr txBox="1">
+            <a:spLocks noGrp="1"/>
+          </p:cNvSpPr>
           <p:nvPr>
-            <p:ph idx="1" type="body"/>
+            <p:ph type="body" idx="1"/>
           </p:nvPr>
         </p:nvSpPr>
         <p:spPr>
@@ -9632,12 +9995,12 @@
           </a:prstGeom>
         </p:spPr>
         <p:txBody>
-          <a:bodyPr anchorCtr="0" anchor="t" bIns="91425" lIns="91425" spcFirstLastPara="1" rIns="91425" wrap="square" tIns="91425">
+          <a:bodyPr spcFirstLastPara="1" wrap="square" lIns="91425" tIns="91425" rIns="91425" bIns="91425" anchor="t" anchorCtr="0">
             <a:normAutofit/>
           </a:bodyPr>
           <a:lstStyle/>
           <a:p>
-            <a:pPr indent="0" lvl="0" marL="0" rtl="0" algn="l">
+            <a:pPr marL="0" lvl="0" indent="0" algn="l" rtl="0">
               <a:spcBef>
                 <a:spcPts val="0"/>
               </a:spcBef>
@@ -9647,13 +10010,25 @@
               <a:buNone/>
             </a:pPr>
             <a:r>
-              <a:rPr lang="en"/>
+              <a:rPr lang="en" dirty="0"/>
               <a:t>Inheritance allows us to define a class that inherits all the methods and properties from another class.</a:t>
             </a:r>
-            <a:endParaRPr/>
-          </a:p>
-          <a:p>
-            <a:pPr indent="0" lvl="0" marL="0" rtl="0" algn="l">
+            <a:endParaRPr dirty="0"/>
+          </a:p>
+          <a:p>
+            <a:pPr marL="0" lvl="0" indent="0" algn="l" rtl="0">
+              <a:spcBef>
+                <a:spcPts val="1200"/>
+              </a:spcBef>
+              <a:spcAft>
+                <a:spcPts val="0"/>
+              </a:spcAft>
+              <a:buNone/>
+            </a:pPr>
+            <a:endParaRPr dirty="0"/>
+          </a:p>
+          <a:p>
+            <a:pPr marL="0" lvl="0" indent="0" algn="l" rtl="0">
               <a:spcBef>
                 <a:spcPts val="1200"/>
               </a:spcBef>
@@ -9663,22 +10038,7 @@
               <a:buNone/>
             </a:pPr>
             <a:r>
-              <a:t/>
-            </a:r>
-            <a:endParaRPr/>
-          </a:p>
-          <a:p>
-            <a:pPr indent="0" lvl="0" marL="0" rtl="0" algn="l">
-              <a:spcBef>
-                <a:spcPts val="1200"/>
-              </a:spcBef>
-              <a:spcAft>
-                <a:spcPts val="0"/>
-              </a:spcAft>
-              <a:buNone/>
-            </a:pPr>
-            <a:r>
-              <a:rPr b="1" lang="en">
+              <a:rPr lang="en" b="1" dirty="0">
                 <a:solidFill>
                   <a:schemeClr val="dk1"/>
                 </a:solidFill>
@@ -9686,13 +10046,13 @@
               <a:t>Parent </a:t>
             </a:r>
             <a:r>
-              <a:rPr lang="en"/>
+              <a:rPr lang="en" dirty="0"/>
               <a:t>class is the class being inherited from, also called base class.</a:t>
             </a:r>
-            <a:endParaRPr/>
-          </a:p>
-          <a:p>
-            <a:pPr indent="0" lvl="0" marL="0" rtl="0" algn="l">
+            <a:endParaRPr dirty="0"/>
+          </a:p>
+          <a:p>
+            <a:pPr marL="0" lvl="0" indent="0" algn="l" rtl="0">
               <a:spcBef>
                 <a:spcPts val="1200"/>
               </a:spcBef>
@@ -9702,7 +10062,7 @@
               <a:buNone/>
             </a:pPr>
             <a:r>
-              <a:rPr b="1" lang="en">
+              <a:rPr lang="en" b="1" dirty="0">
                 <a:solidFill>
                   <a:schemeClr val="dk1"/>
                 </a:solidFill>
@@ -9710,10 +10070,10 @@
               <a:t>Child </a:t>
             </a:r>
             <a:r>
-              <a:rPr lang="en"/>
+              <a:rPr lang="en" dirty="0"/>
               <a:t>class is the class that inherits from another class, also called derived class.</a:t>
             </a:r>
-            <a:endParaRPr/>
+            <a:endParaRPr dirty="0"/>
           </a:p>
         </p:txBody>
       </p:sp>
@@ -9726,11 +10086,11 @@
 </file>
 
 <file path=ppt/slides/slide7.xml><?xml version="1.0" encoding="utf-8"?>
-<p:sld xmlns:a="http://schemas.openxmlformats.org/drawingml/2006/main" xmlns:r="http://schemas.openxmlformats.org/officeDocument/2006/relationships" xmlns:mc="http://schemas.openxmlformats.org/markup-compatibility/2006" xmlns:mv="urn:schemas-microsoft-com:mac:vml" xmlns:p="http://schemas.openxmlformats.org/presentationml/2006/main" xmlns:c="http://schemas.openxmlformats.org/drawingml/2006/chart" xmlns:dgm="http://schemas.openxmlformats.org/drawingml/2006/diagram" xmlns:o="urn:schemas-microsoft-com:office:office" xmlns:v="urn:schemas-microsoft-com:vml" xmlns:pvml="urn:schemas-microsoft-com:office:powerpoint" xmlns:com="http://schemas.openxmlformats.org/drawingml/2006/compatibility" xmlns:p14="http://schemas.microsoft.com/office/powerpoint/2010/main" xmlns:p15="http://schemas.microsoft.com/office/powerpoint/2012/main" xmlns:ahyp="http://schemas.microsoft.com/office/drawing/2018/hyperlinkcolor">
+<p:sld xmlns:a="http://schemas.openxmlformats.org/drawingml/2006/main" xmlns:r="http://schemas.openxmlformats.org/officeDocument/2006/relationships" xmlns:p="http://schemas.openxmlformats.org/presentationml/2006/main">
   <p:cSld>
     <p:spTree>
       <p:nvGrpSpPr>
-        <p:cNvPr id="90" name="Shape 90"/>
+        <p:cNvPr id="1" name="Shape 90"/>
         <p:cNvGrpSpPr/>
         <p:nvPr/>
       </p:nvGrpSpPr>
@@ -9745,7 +10105,9 @@
       <p:sp>
         <p:nvSpPr>
           <p:cNvPr id="91" name="Google Shape;91;p19"/>
-          <p:cNvSpPr txBox="1"/>
+          <p:cNvSpPr txBox="1">
+            <a:spLocks noGrp="1"/>
+          </p:cNvSpPr>
           <p:nvPr>
             <p:ph type="title"/>
           </p:nvPr>
@@ -9760,12 +10122,12 @@
           </a:prstGeom>
         </p:spPr>
         <p:txBody>
-          <a:bodyPr anchorCtr="0" anchor="t" bIns="91425" lIns="91425" spcFirstLastPara="1" rIns="91425" wrap="square" tIns="91425">
+          <a:bodyPr spcFirstLastPara="1" wrap="square" lIns="91425" tIns="91425" rIns="91425" bIns="91425" anchor="t" anchorCtr="0">
             <a:normAutofit fontScale="90000"/>
           </a:bodyPr>
           <a:lstStyle/>
           <a:p>
-            <a:pPr indent="0" lvl="0" marL="0" rtl="0" algn="l">
+            <a:pPr marL="0" lvl="0" indent="0" algn="l" rtl="0">
               <a:spcBef>
                 <a:spcPts val="0"/>
               </a:spcBef>
@@ -9785,9 +10147,11 @@
       <p:sp>
         <p:nvSpPr>
           <p:cNvPr id="92" name="Google Shape;92;p19"/>
-          <p:cNvSpPr txBox="1"/>
+          <p:cNvSpPr txBox="1">
+            <a:spLocks noGrp="1"/>
+          </p:cNvSpPr>
           <p:nvPr>
-            <p:ph idx="1" type="body"/>
+            <p:ph type="body" idx="1"/>
           </p:nvPr>
         </p:nvSpPr>
         <p:spPr>
@@ -9800,12 +10164,12 @@
           </a:prstGeom>
         </p:spPr>
         <p:txBody>
-          <a:bodyPr anchorCtr="0" anchor="t" bIns="91425" lIns="91425" spcFirstLastPara="1" rIns="91425" wrap="square" tIns="91425">
+          <a:bodyPr spcFirstLastPara="1" wrap="square" lIns="91425" tIns="91425" rIns="91425" bIns="91425" anchor="t" anchorCtr="0">
             <a:normAutofit/>
           </a:bodyPr>
           <a:lstStyle/>
           <a:p>
-            <a:pPr indent="0" lvl="0" marL="0" rtl="0" algn="l">
+            <a:pPr marL="0" lvl="0" indent="0" algn="l" rtl="0">
               <a:spcBef>
                 <a:spcPts val="0"/>
               </a:spcBef>
@@ -9907,11 +10271,11 @@
 </file>
 
 <file path=ppt/slides/slide8.xml><?xml version="1.0" encoding="utf-8"?>
-<p:sld xmlns:a="http://schemas.openxmlformats.org/drawingml/2006/main" xmlns:r="http://schemas.openxmlformats.org/officeDocument/2006/relationships" xmlns:mc="http://schemas.openxmlformats.org/markup-compatibility/2006" xmlns:mv="urn:schemas-microsoft-com:mac:vml" xmlns:p="http://schemas.openxmlformats.org/presentationml/2006/main" xmlns:c="http://schemas.openxmlformats.org/drawingml/2006/chart" xmlns:dgm="http://schemas.openxmlformats.org/drawingml/2006/diagram" xmlns:o="urn:schemas-microsoft-com:office:office" xmlns:v="urn:schemas-microsoft-com:vml" xmlns:pvml="urn:schemas-microsoft-com:office:powerpoint" xmlns:com="http://schemas.openxmlformats.org/drawingml/2006/compatibility" xmlns:p14="http://schemas.microsoft.com/office/powerpoint/2010/main" xmlns:p15="http://schemas.microsoft.com/office/powerpoint/2012/main" xmlns:ahyp="http://schemas.microsoft.com/office/drawing/2018/hyperlinkcolor">
+<p:sld xmlns:a="http://schemas.openxmlformats.org/drawingml/2006/main" xmlns:r="http://schemas.openxmlformats.org/officeDocument/2006/relationships" xmlns:p="http://schemas.openxmlformats.org/presentationml/2006/main">
   <p:cSld>
     <p:spTree>
       <p:nvGrpSpPr>
-        <p:cNvPr id="97" name="Shape 97"/>
+        <p:cNvPr id="1" name="Shape 97"/>
         <p:cNvGrpSpPr/>
         <p:nvPr/>
       </p:nvGrpSpPr>
@@ -9926,7 +10290,9 @@
       <p:sp>
         <p:nvSpPr>
           <p:cNvPr id="98" name="Google Shape;98;p20"/>
-          <p:cNvSpPr txBox="1"/>
+          <p:cNvSpPr txBox="1">
+            <a:spLocks noGrp="1"/>
+          </p:cNvSpPr>
           <p:nvPr>
             <p:ph type="title"/>
           </p:nvPr>
@@ -9941,12 +10307,12 @@
           </a:prstGeom>
         </p:spPr>
         <p:txBody>
-          <a:bodyPr anchorCtr="0" anchor="t" bIns="91425" lIns="91425" spcFirstLastPara="1" rIns="91425" wrap="square" tIns="91425">
+          <a:bodyPr spcFirstLastPara="1" wrap="square" lIns="91425" tIns="91425" rIns="91425" bIns="91425" anchor="t" anchorCtr="0">
             <a:normAutofit fontScale="90000"/>
           </a:bodyPr>
           <a:lstStyle/>
           <a:p>
-            <a:pPr indent="0" lvl="0" marL="0" rtl="0" algn="l">
+            <a:pPr marL="0" lvl="0" indent="0" algn="l" rtl="0">
               <a:spcBef>
                 <a:spcPts val="0"/>
               </a:spcBef>
@@ -9966,9 +10332,11 @@
       <p:sp>
         <p:nvSpPr>
           <p:cNvPr id="99" name="Google Shape;99;p20"/>
-          <p:cNvSpPr txBox="1"/>
+          <p:cNvSpPr txBox="1">
+            <a:spLocks noGrp="1"/>
+          </p:cNvSpPr>
           <p:nvPr>
-            <p:ph idx="1" type="body"/>
+            <p:ph type="body" idx="1"/>
           </p:nvPr>
         </p:nvSpPr>
         <p:spPr>
@@ -9981,12 +10349,12 @@
           </a:prstGeom>
         </p:spPr>
         <p:txBody>
-          <a:bodyPr anchorCtr="0" anchor="t" bIns="91425" lIns="91425" spcFirstLastPara="1" rIns="91425" wrap="square" tIns="91425">
+          <a:bodyPr spcFirstLastPara="1" wrap="square" lIns="91425" tIns="91425" rIns="91425" bIns="91425" anchor="t" anchorCtr="0">
             <a:normAutofit/>
           </a:bodyPr>
           <a:lstStyle/>
           <a:p>
-            <a:pPr indent="0" lvl="0" marL="0" rtl="0" algn="l">
+            <a:pPr marL="0" lvl="0" indent="0" algn="l" rtl="0">
               <a:spcBef>
                 <a:spcPts val="0"/>
               </a:spcBef>
@@ -10002,7 +10370,7 @@
             <a:endParaRPr sz="1500"/>
           </a:p>
           <a:p>
-            <a:pPr indent="0" lvl="0" marL="0" rtl="0" algn="l">
+            <a:pPr marL="0" lvl="0" indent="0" algn="l" rtl="0">
               <a:spcBef>
                 <a:spcPts val="1200"/>
               </a:spcBef>
@@ -10011,13 +10379,10 @@
               </a:spcAft>
               <a:buNone/>
             </a:pPr>
-            <a:r>
-              <a:t/>
-            </a:r>
             <a:endParaRPr sz="1500"/>
           </a:p>
           <a:p>
-            <a:pPr indent="0" lvl="0" marL="0" rtl="0" algn="l">
+            <a:pPr marL="0" lvl="0" indent="0" algn="l" rtl="0">
               <a:spcBef>
                 <a:spcPts val="1200"/>
               </a:spcBef>
@@ -10026,9 +10391,6 @@
               </a:spcAft>
               <a:buNone/>
             </a:pPr>
-            <a:r>
-              <a:t/>
-            </a:r>
             <a:endParaRPr sz="1500"/>
           </a:p>
         </p:txBody>
@@ -10070,11 +10432,11 @@
 </file>
 
 <file path=ppt/slides/slide9.xml><?xml version="1.0" encoding="utf-8"?>
-<p:sld xmlns:a="http://schemas.openxmlformats.org/drawingml/2006/main" xmlns:r="http://schemas.openxmlformats.org/officeDocument/2006/relationships" xmlns:mc="http://schemas.openxmlformats.org/markup-compatibility/2006" xmlns:mv="urn:schemas-microsoft-com:mac:vml" xmlns:p="http://schemas.openxmlformats.org/presentationml/2006/main" xmlns:c="http://schemas.openxmlformats.org/drawingml/2006/chart" xmlns:dgm="http://schemas.openxmlformats.org/drawingml/2006/diagram" xmlns:o="urn:schemas-microsoft-com:office:office" xmlns:v="urn:schemas-microsoft-com:vml" xmlns:pvml="urn:schemas-microsoft-com:office:powerpoint" xmlns:com="http://schemas.openxmlformats.org/drawingml/2006/compatibility" xmlns:p14="http://schemas.microsoft.com/office/powerpoint/2010/main" xmlns:p15="http://schemas.microsoft.com/office/powerpoint/2012/main" xmlns:ahyp="http://schemas.microsoft.com/office/drawing/2018/hyperlinkcolor">
+<p:sld xmlns:a="http://schemas.openxmlformats.org/drawingml/2006/main" xmlns:r="http://schemas.openxmlformats.org/officeDocument/2006/relationships" xmlns:p="http://schemas.openxmlformats.org/presentationml/2006/main">
   <p:cSld>
     <p:spTree>
       <p:nvGrpSpPr>
-        <p:cNvPr id="104" name="Shape 104"/>
+        <p:cNvPr id="1" name="Shape 104"/>
         <p:cNvGrpSpPr/>
         <p:nvPr/>
       </p:nvGrpSpPr>
@@ -10089,7 +10451,9 @@
       <p:sp>
         <p:nvSpPr>
           <p:cNvPr id="105" name="Google Shape;105;p21"/>
-          <p:cNvSpPr txBox="1"/>
+          <p:cNvSpPr txBox="1">
+            <a:spLocks noGrp="1"/>
+          </p:cNvSpPr>
           <p:nvPr>
             <p:ph type="title"/>
           </p:nvPr>
@@ -10104,12 +10468,12 @@
           </a:prstGeom>
         </p:spPr>
         <p:txBody>
-          <a:bodyPr anchorCtr="0" anchor="t" bIns="91425" lIns="91425" spcFirstLastPara="1" rIns="91425" wrap="square" tIns="91425">
+          <a:bodyPr spcFirstLastPara="1" wrap="square" lIns="91425" tIns="91425" rIns="91425" bIns="91425" anchor="t" anchorCtr="0">
             <a:normAutofit fontScale="90000"/>
           </a:bodyPr>
           <a:lstStyle/>
           <a:p>
-            <a:pPr indent="0" lvl="0" marL="0" rtl="0" algn="l">
+            <a:pPr marL="0" lvl="0" indent="0" algn="l" rtl="0">
               <a:spcBef>
                 <a:spcPts val="0"/>
               </a:spcBef>
@@ -10118,9 +10482,6 @@
               </a:spcAft>
               <a:buNone/>
             </a:pPr>
-            <a:r>
-              <a:t/>
-            </a:r>
             <a:endParaRPr/>
           </a:p>
         </p:txBody>
@@ -10128,9 +10489,11 @@
       <p:sp>
         <p:nvSpPr>
           <p:cNvPr id="106" name="Google Shape;106;p21"/>
-          <p:cNvSpPr txBox="1"/>
+          <p:cNvSpPr txBox="1">
+            <a:spLocks noGrp="1"/>
+          </p:cNvSpPr>
           <p:nvPr>
-            <p:ph idx="1" type="body"/>
+            <p:ph type="body" idx="1"/>
           </p:nvPr>
         </p:nvSpPr>
         <p:spPr>
@@ -10143,12 +10506,12 @@
           </a:prstGeom>
         </p:spPr>
         <p:txBody>
-          <a:bodyPr anchorCtr="0" anchor="t" bIns="91425" lIns="91425" spcFirstLastPara="1" rIns="91425" wrap="square" tIns="91425">
+          <a:bodyPr spcFirstLastPara="1" wrap="square" lIns="91425" tIns="91425" rIns="91425" bIns="91425" anchor="t" anchorCtr="0">
             <a:normAutofit/>
           </a:bodyPr>
           <a:lstStyle/>
           <a:p>
-            <a:pPr indent="0" lvl="0" marL="0" rtl="0" algn="l">
+            <a:pPr marL="0" lvl="0" indent="0" algn="l" rtl="0">
               <a:spcBef>
                 <a:spcPts val="0"/>
               </a:spcBef>
@@ -10157,9 +10520,6 @@
               </a:spcAft>
               <a:buNone/>
             </a:pPr>
-            <a:r>
-              <a:t/>
-            </a:r>
             <a:endParaRPr/>
           </a:p>
         </p:txBody>
@@ -10180,7 +10540,7 @@
         </p:blipFill>
         <p:spPr>
           <a:xfrm>
-            <a:off x="648275" y="739537"/>
+            <a:off x="211857" y="574625"/>
             <a:ext cx="5560800" cy="3664425"/>
           </a:xfrm>
           <a:prstGeom prst="rect">
@@ -10201,7 +10561,7 @@
 </file>
 
 <file path=ppt/theme/theme1.xml><?xml version="1.0" encoding="utf-8"?>
-<a:theme xmlns:a="http://schemas.openxmlformats.org/drawingml/2006/main" xmlns:r="http://schemas.openxmlformats.org/officeDocument/2006/relationships" name="Simple Dark">
+<a:theme xmlns:a="http://schemas.openxmlformats.org/drawingml/2006/main" name="Simple Dark">
   <a:themeElements>
     <a:clrScheme name="Simple Dark">
       <a:dk1>
@@ -10476,11 +10836,13 @@
       </a:bgFillStyleLst>
     </a:fmtScheme>
   </a:themeElements>
+  <a:objectDefaults/>
+  <a:extraClrSchemeLst/>
 </a:theme>
 </file>
 
 <file path=ppt/theme/theme2.xml><?xml version="1.0" encoding="utf-8"?>
-<a:theme xmlns:a="http://schemas.openxmlformats.org/drawingml/2006/main" xmlns:r="http://schemas.openxmlformats.org/officeDocument/2006/relationships">
+<a:theme xmlns:a="http://schemas.openxmlformats.org/drawingml/2006/main">
   <a:themeElements>
     <a:clrScheme name="Default">
       <a:dk1>
@@ -10755,5 +11117,7 @@
       </a:bgFillStyleLst>
     </a:fmtScheme>
   </a:themeElements>
+  <a:objectDefaults/>
+  <a:extraClrSchemeLst/>
 </a:theme>
 </file>